--- a/trabajoinformatica_sinterminar.pptx
+++ b/trabajoinformatica_sinterminar.pptx
@@ -5,17 +5,30 @@
     <p:sldMasterId id="2147483648" r:id="rId1"/>
   </p:sldMasterIdLst>
   <p:notesMasterIdLst>
-    <p:notesMasterId r:id="rId7"/>
+    <p:notesMasterId r:id="rId20"/>
   </p:notesMasterIdLst>
   <p:handoutMasterIdLst>
-    <p:handoutMasterId r:id="rId8"/>
+    <p:handoutMasterId r:id="rId21"/>
   </p:handoutMasterIdLst>
   <p:sldIdLst>
     <p:sldId id="263" r:id="rId2"/>
     <p:sldId id="258" r:id="rId3"/>
     <p:sldId id="259" r:id="rId4"/>
     <p:sldId id="260" r:id="rId5"/>
-    <p:sldId id="261" r:id="rId6"/>
+    <p:sldId id="265" r:id="rId6"/>
+    <p:sldId id="266" r:id="rId7"/>
+    <p:sldId id="267" r:id="rId8"/>
+    <p:sldId id="268" r:id="rId9"/>
+    <p:sldId id="269" r:id="rId10"/>
+    <p:sldId id="270" r:id="rId11"/>
+    <p:sldId id="271" r:id="rId12"/>
+    <p:sldId id="272" r:id="rId13"/>
+    <p:sldId id="273" r:id="rId14"/>
+    <p:sldId id="274" r:id="rId15"/>
+    <p:sldId id="275" r:id="rId16"/>
+    <p:sldId id="276" r:id="rId17"/>
+    <p:sldId id="277" r:id="rId18"/>
+    <p:sldId id="261" r:id="rId19"/>
   </p:sldIdLst>
   <p:sldSz cx="12192000" cy="6858000"/>
   <p:notesSz cx="6858000" cy="9144000"/>
@@ -146,7 +159,7 @@
   </p:defaultTextStyle>
   <p:extLst>
     <p:ext uri="{EFAFB233-063F-42B5-8137-9DF3F51BA10A}">
-      <p15:sldGuideLst xmlns:p15="http://schemas.microsoft.com/office/powerpoint/2012/main">
+      <p15:sldGuideLst xmlns:p15="http://schemas.microsoft.com/office/powerpoint/2012/main" xmlns="">
         <p15:guide id="1" orient="horz" pos="2160" userDrawn="1">
           <p15:clr>
             <a:srgbClr val="A4A3A4"/>
@@ -193,7 +206,7 @@
           <p:cNvPr id="2" name="Marcador de encabezado 1">
             <a:extLst>
               <a:ext uri="{FF2B5EF4-FFF2-40B4-BE49-F238E27FC236}">
-                <a16:creationId xmlns:a16="http://schemas.microsoft.com/office/drawing/2014/main" id="{F895D196-7B76-45E6-8CD0-D22DD24616FB}"/>
+                <a16:creationId xmlns:a16="http://schemas.microsoft.com/office/drawing/2014/main" xmlns="" id="{F895D196-7B76-45E6-8CD0-D22DD24616FB}"/>
               </a:ext>
             </a:extLst>
           </p:cNvPr>
@@ -237,7 +250,7 @@
           <p:cNvPr id="3" name="Marcador de fecha 2">
             <a:extLst>
               <a:ext uri="{FF2B5EF4-FFF2-40B4-BE49-F238E27FC236}">
-                <a16:creationId xmlns:a16="http://schemas.microsoft.com/office/drawing/2014/main" id="{6BD4E4A5-5D1D-45C1-A138-2930C2258430}"/>
+                <a16:creationId xmlns:a16="http://schemas.microsoft.com/office/drawing/2014/main" xmlns="" id="{6BD4E4A5-5D1D-45C1-A138-2930C2258430}"/>
               </a:ext>
             </a:extLst>
           </p:cNvPr>
@@ -272,7 +285,7 @@
             <a:fld id="{42538637-5A62-41A6-B6B8-8E7D5CA632E4}" type="datetimeFigureOut">
               <a:rPr lang="es-ES" altLang="es-ES"/>
               <a:pPr/>
-              <a:t>14/05/2019</a:t>
+              <a:t>15/05/2019</a:t>
             </a:fld>
             <a:endParaRPr lang="es-ES" altLang="es-ES"/>
           </a:p>
@@ -283,7 +296,7 @@
           <p:cNvPr id="4" name="Marcador de pie de página 3">
             <a:extLst>
               <a:ext uri="{FF2B5EF4-FFF2-40B4-BE49-F238E27FC236}">
-                <a16:creationId xmlns:a16="http://schemas.microsoft.com/office/drawing/2014/main" id="{A59B6AD0-3CE8-405C-A7DA-4DD15558EC0F}"/>
+                <a16:creationId xmlns:a16="http://schemas.microsoft.com/office/drawing/2014/main" xmlns="" id="{A59B6AD0-3CE8-405C-A7DA-4DD15558EC0F}"/>
               </a:ext>
             </a:extLst>
           </p:cNvPr>
@@ -327,7 +340,7 @@
           <p:cNvPr id="5" name="Marcador de número de diapositiva 4">
             <a:extLst>
               <a:ext uri="{FF2B5EF4-FFF2-40B4-BE49-F238E27FC236}">
-                <a16:creationId xmlns:a16="http://schemas.microsoft.com/office/drawing/2014/main" id="{933A37F1-7590-4832-A029-8E6CB46764F0}"/>
+                <a16:creationId xmlns:a16="http://schemas.microsoft.com/office/drawing/2014/main" xmlns="" id="{933A37F1-7590-4832-A029-8E6CB46764F0}"/>
               </a:ext>
             </a:extLst>
           </p:cNvPr>
@@ -369,6 +382,11 @@
         </p:txBody>
       </p:sp>
     </p:spTree>
+    <p:extLst>
+      <p:ext uri="{BB962C8B-B14F-4D97-AF65-F5344CB8AC3E}">
+        <p14:creationId xmlns:p14="http://schemas.microsoft.com/office/powerpoint/2010/main" val="3711342256"/>
+      </p:ext>
+    </p:extLst>
   </p:cSld>
   <p:clrMap bg1="lt1" tx1="dk1" bg2="lt2" tx2="dk2" accent1="accent1" accent2="accent2" accent3="accent3" accent4="accent4" accent5="accent5" accent6="accent6" hlink="hlink" folHlink="folHlink"/>
   <p:hf hdr="0" ftr="0" dt="0"/>
@@ -405,7 +423,7 @@
           <p:cNvPr id="3074" name="Rectangle 2">
             <a:extLst>
               <a:ext uri="{FF2B5EF4-FFF2-40B4-BE49-F238E27FC236}">
-                <a16:creationId xmlns:a16="http://schemas.microsoft.com/office/drawing/2014/main" id="{55E35467-3742-43AE-97FE-D866AAF5E274}"/>
+                <a16:creationId xmlns:a16="http://schemas.microsoft.com/office/drawing/2014/main" xmlns="" id="{55E35467-3742-43AE-97FE-D866AAF5E274}"/>
               </a:ext>
             </a:extLst>
           </p:cNvPr>
@@ -429,15 +447,15 @@
             <a:noFill/>
           </a:ln>
           <a:extLst>
-            <a:ext uri="{909E8E84-426E-40dd-AFC4-6F175D3DCCD1}">
-              <a14:hiddenFill xmlns:a14="http://schemas.microsoft.com/office/drawing/2010/main" xmlns="">
+            <a:ext uri="{909E8E84-426E-40DD-AFC4-6F175D3DCCD1}">
+              <a14:hiddenFill xmlns:a14="http://schemas.microsoft.com/office/drawing/2010/main">
                 <a:solidFill>
                   <a:schemeClr val="accent1"/>
                 </a:solidFill>
               </a14:hiddenFill>
             </a:ext>
-            <a:ext uri="{91240B29-F687-4f45-9708-019B960494DF}">
-              <a14:hiddenLine xmlns:a14="http://schemas.microsoft.com/office/drawing/2010/main" xmlns="" w="9525">
+            <a:ext uri="{91240B29-F687-4F45-9708-019B960494DF}">
+              <a14:hiddenLine xmlns:a14="http://schemas.microsoft.com/office/drawing/2010/main" w="9525">
                 <a:solidFill>
                   <a:schemeClr val="tx1"/>
                 </a:solidFill>
@@ -447,7 +465,7 @@
               </a14:hiddenLine>
             </a:ext>
             <a:ext uri="{FAA26D3D-D897-4be2-8F04-BA451C77F1D7}">
-              <ma14:placeholderFlag xmlns:ma14="http://schemas.microsoft.com/office/mac/drawingml/2011/main" xmlns="" val="1"/>
+              <ma14:placeholderFlag xmlns="" xmlns:ma14="http://schemas.microsoft.com/office/mac/drawingml/2011/main" val="1"/>
             </a:ext>
           </a:extLst>
         </p:spPr>
@@ -479,7 +497,7 @@
           <p:cNvPr id="3075" name="Rectangle 3">
             <a:extLst>
               <a:ext uri="{FF2B5EF4-FFF2-40B4-BE49-F238E27FC236}">
-                <a16:creationId xmlns:a16="http://schemas.microsoft.com/office/drawing/2014/main" id="{BDB33273-22AB-49C8-BF1E-8976C9B7FDA1}"/>
+                <a16:creationId xmlns:a16="http://schemas.microsoft.com/office/drawing/2014/main" xmlns="" id="{BDB33273-22AB-49C8-BF1E-8976C9B7FDA1}"/>
               </a:ext>
             </a:extLst>
           </p:cNvPr>
@@ -503,15 +521,15 @@
             <a:noFill/>
           </a:ln>
           <a:extLst>
-            <a:ext uri="{909E8E84-426E-40dd-AFC4-6F175D3DCCD1}">
-              <a14:hiddenFill xmlns:a14="http://schemas.microsoft.com/office/drawing/2010/main" xmlns="">
+            <a:ext uri="{909E8E84-426E-40DD-AFC4-6F175D3DCCD1}">
+              <a14:hiddenFill xmlns:a14="http://schemas.microsoft.com/office/drawing/2010/main">
                 <a:solidFill>
                   <a:schemeClr val="accent1"/>
                 </a:solidFill>
               </a14:hiddenFill>
             </a:ext>
-            <a:ext uri="{91240B29-F687-4f45-9708-019B960494DF}">
-              <a14:hiddenLine xmlns:a14="http://schemas.microsoft.com/office/drawing/2010/main" xmlns="" w="9525">
+            <a:ext uri="{91240B29-F687-4F45-9708-019B960494DF}">
+              <a14:hiddenLine xmlns:a14="http://schemas.microsoft.com/office/drawing/2010/main" w="9525">
                 <a:solidFill>
                   <a:schemeClr val="tx1"/>
                 </a:solidFill>
@@ -521,7 +539,7 @@
               </a14:hiddenLine>
             </a:ext>
             <a:ext uri="{FAA26D3D-D897-4be2-8F04-BA451C77F1D7}">
-              <ma14:placeholderFlag xmlns:ma14="http://schemas.microsoft.com/office/mac/drawingml/2011/main" xmlns="" val="1"/>
+              <ma14:placeholderFlag xmlns="" xmlns:ma14="http://schemas.microsoft.com/office/mac/drawingml/2011/main" val="1"/>
             </a:ext>
           </a:extLst>
         </p:spPr>
@@ -553,7 +571,7 @@
           <p:cNvPr id="3076" name="Rectangle 4">
             <a:extLst>
               <a:ext uri="{FF2B5EF4-FFF2-40B4-BE49-F238E27FC236}">
-                <a16:creationId xmlns:a16="http://schemas.microsoft.com/office/drawing/2014/main" id="{491F41B6-9D71-4E6A-A882-D19961442236}"/>
+                <a16:creationId xmlns:a16="http://schemas.microsoft.com/office/drawing/2014/main" xmlns="" id="{491F41B6-9D71-4E6A-A882-D19961442236}"/>
               </a:ext>
             </a:extLst>
           </p:cNvPr>
@@ -583,8 +601,8 @@
           </a:ln>
           <a:effectLst/>
           <a:extLst>
-            <a:ext uri="{AF507438-7753-43e0-B8FC-AC1667EBCBE1}">
-              <a14:hiddenEffects xmlns:a14="http://schemas.microsoft.com/office/drawing/2010/main" xmlns="">
+            <a:ext uri="{AF507438-7753-43E0-B8FC-AC1667EBCBE1}">
+              <a14:hiddenEffects xmlns:a14="http://schemas.microsoft.com/office/drawing/2010/main">
                 <a:effectLst>
                   <a:outerShdw blurRad="63500" dist="38099" dir="2700000" algn="ctr" rotWithShape="0">
                     <a:srgbClr val="000000">
@@ -594,8 +612,8 @@
                 </a:effectLst>
               </a14:hiddenEffects>
             </a:ext>
-            <a:ext uri="{53640926-AAD7-44d8-BBD7-CCE9431645EC}">
-              <a14:shadowObscured xmlns:a14="http://schemas.microsoft.com/office/drawing/2010/main" xmlns="" val="1"/>
+            <a:ext uri="{53640926-AAD7-44D8-BBD7-CCE9431645EC}">
+              <a14:shadowObscured xmlns:a14="http://schemas.microsoft.com/office/drawing/2010/main" val="1"/>
             </a:ext>
           </a:extLst>
         </p:spPr>
@@ -605,7 +623,7 @@
           <p:cNvPr id="3077" name="Rectangle 5">
             <a:extLst>
               <a:ext uri="{FF2B5EF4-FFF2-40B4-BE49-F238E27FC236}">
-                <a16:creationId xmlns:a16="http://schemas.microsoft.com/office/drawing/2014/main" id="{674A5853-9DF3-4046-80E5-CED5226359F4}"/>
+                <a16:creationId xmlns:a16="http://schemas.microsoft.com/office/drawing/2014/main" xmlns="" id="{674A5853-9DF3-4046-80E5-CED5226359F4}"/>
               </a:ext>
             </a:extLst>
           </p:cNvPr>
@@ -629,15 +647,15 @@
             <a:noFill/>
           </a:ln>
           <a:extLst>
-            <a:ext uri="{909E8E84-426E-40dd-AFC4-6F175D3DCCD1}">
-              <a14:hiddenFill xmlns:a14="http://schemas.microsoft.com/office/drawing/2010/main" xmlns="">
+            <a:ext uri="{909E8E84-426E-40DD-AFC4-6F175D3DCCD1}">
+              <a14:hiddenFill xmlns:a14="http://schemas.microsoft.com/office/drawing/2010/main">
                 <a:solidFill>
                   <a:schemeClr val="accent1"/>
                 </a:solidFill>
               </a14:hiddenFill>
             </a:ext>
-            <a:ext uri="{91240B29-F687-4f45-9708-019B960494DF}">
-              <a14:hiddenLine xmlns:a14="http://schemas.microsoft.com/office/drawing/2010/main" xmlns="" w="9525">
+            <a:ext uri="{91240B29-F687-4F45-9708-019B960494DF}">
+              <a14:hiddenLine xmlns:a14="http://schemas.microsoft.com/office/drawing/2010/main" w="9525">
                 <a:solidFill>
                   <a:schemeClr val="tx1"/>
                 </a:solidFill>
@@ -647,7 +665,7 @@
               </a14:hiddenLine>
             </a:ext>
             <a:ext uri="{FAA26D3D-D897-4be2-8F04-BA451C77F1D7}">
-              <ma14:placeholderFlag xmlns:ma14="http://schemas.microsoft.com/office/mac/drawingml/2011/main" xmlns="" val="1"/>
+              <ma14:placeholderFlag xmlns="" xmlns:ma14="http://schemas.microsoft.com/office/mac/drawingml/2011/main" val="1"/>
             </a:ext>
           </a:extLst>
         </p:spPr>
@@ -700,7 +718,7 @@
           <p:cNvPr id="3078" name="Rectangle 6">
             <a:extLst>
               <a:ext uri="{FF2B5EF4-FFF2-40B4-BE49-F238E27FC236}">
-                <a16:creationId xmlns:a16="http://schemas.microsoft.com/office/drawing/2014/main" id="{CC18EA9E-8C70-4B24-B890-4204F50B33E9}"/>
+                <a16:creationId xmlns:a16="http://schemas.microsoft.com/office/drawing/2014/main" xmlns="" id="{CC18EA9E-8C70-4B24-B890-4204F50B33E9}"/>
               </a:ext>
             </a:extLst>
           </p:cNvPr>
@@ -724,15 +742,15 @@
             <a:noFill/>
           </a:ln>
           <a:extLst>
-            <a:ext uri="{909E8E84-426E-40dd-AFC4-6F175D3DCCD1}">
-              <a14:hiddenFill xmlns:a14="http://schemas.microsoft.com/office/drawing/2010/main" xmlns="">
+            <a:ext uri="{909E8E84-426E-40DD-AFC4-6F175D3DCCD1}">
+              <a14:hiddenFill xmlns:a14="http://schemas.microsoft.com/office/drawing/2010/main">
                 <a:solidFill>
                   <a:schemeClr val="accent1"/>
                 </a:solidFill>
               </a14:hiddenFill>
             </a:ext>
-            <a:ext uri="{91240B29-F687-4f45-9708-019B960494DF}">
-              <a14:hiddenLine xmlns:a14="http://schemas.microsoft.com/office/drawing/2010/main" xmlns="" w="9525">
+            <a:ext uri="{91240B29-F687-4F45-9708-019B960494DF}">
+              <a14:hiddenLine xmlns:a14="http://schemas.microsoft.com/office/drawing/2010/main" w="9525">
                 <a:solidFill>
                   <a:schemeClr val="tx1"/>
                 </a:solidFill>
@@ -742,7 +760,7 @@
               </a14:hiddenLine>
             </a:ext>
             <a:ext uri="{FAA26D3D-D897-4be2-8F04-BA451C77F1D7}">
-              <ma14:placeholderFlag xmlns:ma14="http://schemas.microsoft.com/office/mac/drawingml/2011/main" xmlns="" val="1"/>
+              <ma14:placeholderFlag xmlns="" xmlns:ma14="http://schemas.microsoft.com/office/mac/drawingml/2011/main" val="1"/>
             </a:ext>
           </a:extLst>
         </p:spPr>
@@ -774,7 +792,7 @@
           <p:cNvPr id="3079" name="Rectangle 7">
             <a:extLst>
               <a:ext uri="{FF2B5EF4-FFF2-40B4-BE49-F238E27FC236}">
-                <a16:creationId xmlns:a16="http://schemas.microsoft.com/office/drawing/2014/main" id="{E8707DB5-551B-4C75-8DD2-1F1FC9E7F763}"/>
+                <a16:creationId xmlns:a16="http://schemas.microsoft.com/office/drawing/2014/main" xmlns="" id="{E8707DB5-551B-4C75-8DD2-1F1FC9E7F763}"/>
               </a:ext>
             </a:extLst>
           </p:cNvPr>
@@ -798,15 +816,15 @@
             <a:noFill/>
           </a:ln>
           <a:extLst>
-            <a:ext uri="{909E8E84-426E-40dd-AFC4-6F175D3DCCD1}">
-              <a14:hiddenFill xmlns:a14="http://schemas.microsoft.com/office/drawing/2010/main" xmlns="">
+            <a:ext uri="{909E8E84-426E-40DD-AFC4-6F175D3DCCD1}">
+              <a14:hiddenFill xmlns:a14="http://schemas.microsoft.com/office/drawing/2010/main">
                 <a:solidFill>
                   <a:schemeClr val="accent1"/>
                 </a:solidFill>
               </a14:hiddenFill>
             </a:ext>
-            <a:ext uri="{91240B29-F687-4f45-9708-019B960494DF}">
-              <a14:hiddenLine xmlns:a14="http://schemas.microsoft.com/office/drawing/2010/main" xmlns="" w="9525">
+            <a:ext uri="{91240B29-F687-4F45-9708-019B960494DF}">
+              <a14:hiddenLine xmlns:a14="http://schemas.microsoft.com/office/drawing/2010/main" w="9525">
                 <a:solidFill>
                   <a:schemeClr val="tx1"/>
                 </a:solidFill>
@@ -816,7 +834,7 @@
               </a14:hiddenLine>
             </a:ext>
             <a:ext uri="{FAA26D3D-D897-4be2-8F04-BA451C77F1D7}">
-              <ma14:placeholderFlag xmlns:ma14="http://schemas.microsoft.com/office/mac/drawingml/2011/main" xmlns="" val="1"/>
+              <ma14:placeholderFlag xmlns="" xmlns:ma14="http://schemas.microsoft.com/office/mac/drawingml/2011/main" val="1"/>
             </a:ext>
           </a:extLst>
         </p:spPr>
@@ -842,6 +860,11 @@
         </p:txBody>
       </p:sp>
     </p:spTree>
+    <p:extLst>
+      <p:ext uri="{BB962C8B-B14F-4D97-AF65-F5344CB8AC3E}">
+        <p14:creationId xmlns:p14="http://schemas.microsoft.com/office/powerpoint/2010/main" val="807799763"/>
+      </p:ext>
+    </p:extLst>
   </p:cSld>
   <p:clrMap bg1="lt1" tx1="dk1" bg2="lt2" tx2="dk2" accent1="accent1" accent2="accent2" accent3="accent3" accent4="accent4" accent5="accent5" accent6="accent6" hlink="hlink" folHlink="folHlink"/>
   <p:hf hdr="0" ftr="0" dt="0"/>
@@ -992,7 +1015,7 @@
           <p:cNvPr id="16385" name="Rectangle 7">
             <a:extLst>
               <a:ext uri="{FF2B5EF4-FFF2-40B4-BE49-F238E27FC236}">
-                <a16:creationId xmlns:a16="http://schemas.microsoft.com/office/drawing/2014/main" id="{E43B5395-B7B4-448C-A731-9F04B555D3F6}"/>
+                <a16:creationId xmlns:a16="http://schemas.microsoft.com/office/drawing/2014/main" xmlns="" id="{E43B5395-B7B4-448C-A731-9F04B555D3F6}"/>
               </a:ext>
             </a:extLst>
           </p:cNvPr>
@@ -1208,7 +1231,7 @@
           <p:cNvPr id="4098" name="Rectangle 2">
             <a:extLst>
               <a:ext uri="{FF2B5EF4-FFF2-40B4-BE49-F238E27FC236}">
-                <a16:creationId xmlns:a16="http://schemas.microsoft.com/office/drawing/2014/main" id="{03DC5C21-F524-4667-8ADD-696EDD39D088}"/>
+                <a16:creationId xmlns:a16="http://schemas.microsoft.com/office/drawing/2014/main" xmlns="" id="{03DC5C21-F524-4667-8ADD-696EDD39D088}"/>
               </a:ext>
             </a:extLst>
           </p:cNvPr>
@@ -1223,7 +1246,7 @@
           <a:ln/>
           <a:extLst>
             <a:ext uri="{FAA26D3D-D897-4be2-8F04-BA451C77F1D7}">
-              <ma14:placeholderFlag xmlns:ma14="http://schemas.microsoft.com/office/mac/drawingml/2011/main" xmlns="" val="1"/>
+              <ma14:placeholderFlag xmlns="" xmlns:ma14="http://schemas.microsoft.com/office/mac/drawingml/2011/main" val="1"/>
             </a:ext>
           </a:extLst>
         </p:spPr>
@@ -1233,7 +1256,7 @@
           <p:cNvPr id="16387" name="Rectangle 3">
             <a:extLst>
               <a:ext uri="{FF2B5EF4-FFF2-40B4-BE49-F238E27FC236}">
-                <a16:creationId xmlns:a16="http://schemas.microsoft.com/office/drawing/2014/main" id="{E573FAAB-FF9F-4793-98E4-255461FA0460}"/>
+                <a16:creationId xmlns:a16="http://schemas.microsoft.com/office/drawing/2014/main" xmlns="" id="{E573FAAB-FF9F-4793-98E4-255461FA0460}"/>
               </a:ext>
             </a:extLst>
           </p:cNvPr>
@@ -1406,7 +1429,7 @@
           <p:cNvPr id="4" name="Rectangle 6">
             <a:extLst>
               <a:ext uri="{FF2B5EF4-FFF2-40B4-BE49-F238E27FC236}">
-                <a16:creationId xmlns:a16="http://schemas.microsoft.com/office/drawing/2014/main" id="{7F5AAF6D-B13C-45FC-ADB3-B7DD9AEACF12}"/>
+                <a16:creationId xmlns:a16="http://schemas.microsoft.com/office/drawing/2014/main" xmlns="" id="{7F5AAF6D-B13C-45FC-ADB3-B7DD9AEACF12}"/>
               </a:ext>
             </a:extLst>
           </p:cNvPr>
@@ -1457,13 +1480,13 @@
   <p:clrMapOvr>
     <a:masterClrMapping/>
   </p:clrMapOvr>
-  <mc:AlternateContent xmlns:mc="http://schemas.openxmlformats.org/markup-compatibility/2006">
-    <mc:Choice xmlns:p14="http://schemas.microsoft.com/office/powerpoint/2010/main" Requires="p14">
+  <mc:AlternateContent xmlns:mc="http://schemas.openxmlformats.org/markup-compatibility/2006" xmlns:p14="http://schemas.microsoft.com/office/powerpoint/2010/main">
+    <mc:Choice Requires="p14">
       <p:transition spd="med" p14:dur="700">
         <p:fade/>
       </p:transition>
     </mc:Choice>
-    <mc:Fallback>
+    <mc:Fallback xmlns="">
       <p:transition spd="med">
         <p:fade/>
       </p:transition>
@@ -1585,7 +1608,7 @@
           <p:cNvPr id="4" name="Rectangle 6">
             <a:extLst>
               <a:ext uri="{FF2B5EF4-FFF2-40B4-BE49-F238E27FC236}">
-                <a16:creationId xmlns:a16="http://schemas.microsoft.com/office/drawing/2014/main" id="{BA567B4E-AE13-4A98-A5ED-B90ABF0E995F}"/>
+                <a16:creationId xmlns:a16="http://schemas.microsoft.com/office/drawing/2014/main" xmlns="" id="{BA567B4E-AE13-4A98-A5ED-B90ABF0E995F}"/>
               </a:ext>
             </a:extLst>
           </p:cNvPr>
@@ -1636,13 +1659,13 @@
   <p:clrMapOvr>
     <a:masterClrMapping/>
   </p:clrMapOvr>
-  <mc:AlternateContent xmlns:mc="http://schemas.openxmlformats.org/markup-compatibility/2006">
-    <mc:Choice xmlns:p14="http://schemas.microsoft.com/office/powerpoint/2010/main" Requires="p14">
+  <mc:AlternateContent xmlns:mc="http://schemas.openxmlformats.org/markup-compatibility/2006" xmlns:p14="http://schemas.microsoft.com/office/powerpoint/2010/main">
+    <mc:Choice Requires="p14">
       <p:transition spd="med" p14:dur="700">
         <p:fade/>
       </p:transition>
     </mc:Choice>
-    <mc:Fallback>
+    <mc:Fallback xmlns="">
       <p:transition spd="med">
         <p:fade/>
       </p:transition>
@@ -1764,7 +1787,7 @@
           <p:cNvPr id="4" name="Rectangle 6">
             <a:extLst>
               <a:ext uri="{FF2B5EF4-FFF2-40B4-BE49-F238E27FC236}">
-                <a16:creationId xmlns:a16="http://schemas.microsoft.com/office/drawing/2014/main" id="{99510276-8B2A-4F70-B3BA-FA69D814C23E}"/>
+                <a16:creationId xmlns:a16="http://schemas.microsoft.com/office/drawing/2014/main" xmlns="" id="{99510276-8B2A-4F70-B3BA-FA69D814C23E}"/>
               </a:ext>
             </a:extLst>
           </p:cNvPr>
@@ -1815,13 +1838,13 @@
   <p:clrMapOvr>
     <a:masterClrMapping/>
   </p:clrMapOvr>
-  <mc:AlternateContent xmlns:mc="http://schemas.openxmlformats.org/markup-compatibility/2006">
-    <mc:Choice xmlns:p14="http://schemas.microsoft.com/office/powerpoint/2010/main" Requires="p14">
+  <mc:AlternateContent xmlns:mc="http://schemas.openxmlformats.org/markup-compatibility/2006" xmlns:p14="http://schemas.microsoft.com/office/powerpoint/2010/main">
+    <mc:Choice Requires="p14">
       <p:transition spd="med" p14:dur="700">
         <p:fade/>
       </p:transition>
     </mc:Choice>
-    <mc:Fallback>
+    <mc:Fallback xmlns="">
       <p:transition spd="med">
         <p:fade/>
       </p:transition>
@@ -1943,7 +1966,7 @@
           <p:cNvPr id="4" name="Rectangle 6">
             <a:extLst>
               <a:ext uri="{FF2B5EF4-FFF2-40B4-BE49-F238E27FC236}">
-                <a16:creationId xmlns:a16="http://schemas.microsoft.com/office/drawing/2014/main" id="{0C4BD9A9-8F65-40CD-9BED-0A2F2D9737DD}"/>
+                <a16:creationId xmlns:a16="http://schemas.microsoft.com/office/drawing/2014/main" xmlns="" id="{0C4BD9A9-8F65-40CD-9BED-0A2F2D9737DD}"/>
               </a:ext>
             </a:extLst>
           </p:cNvPr>
@@ -1994,13 +2017,13 @@
   <p:clrMapOvr>
     <a:masterClrMapping/>
   </p:clrMapOvr>
-  <mc:AlternateContent xmlns:mc="http://schemas.openxmlformats.org/markup-compatibility/2006">
-    <mc:Choice xmlns:p14="http://schemas.microsoft.com/office/powerpoint/2010/main" Requires="p14">
+  <mc:AlternateContent xmlns:mc="http://schemas.openxmlformats.org/markup-compatibility/2006" xmlns:p14="http://schemas.microsoft.com/office/powerpoint/2010/main">
+    <mc:Choice Requires="p14">
       <p:transition spd="med" p14:dur="700">
         <p:fade/>
       </p:transition>
     </mc:Choice>
-    <mc:Fallback>
+    <mc:Fallback xmlns="">
       <p:transition spd="med">
         <p:fade/>
       </p:transition>
@@ -2134,7 +2157,7 @@
           <p:cNvPr id="4" name="Rectangle 6">
             <a:extLst>
               <a:ext uri="{FF2B5EF4-FFF2-40B4-BE49-F238E27FC236}">
-                <a16:creationId xmlns:a16="http://schemas.microsoft.com/office/drawing/2014/main" id="{15B5E207-467C-475B-92CE-9B352C975AF8}"/>
+                <a16:creationId xmlns:a16="http://schemas.microsoft.com/office/drawing/2014/main" xmlns="" id="{15B5E207-467C-475B-92CE-9B352C975AF8}"/>
               </a:ext>
             </a:extLst>
           </p:cNvPr>
@@ -2185,13 +2208,13 @@
   <p:clrMapOvr>
     <a:masterClrMapping/>
   </p:clrMapOvr>
-  <mc:AlternateContent xmlns:mc="http://schemas.openxmlformats.org/markup-compatibility/2006">
-    <mc:Choice xmlns:p14="http://schemas.microsoft.com/office/powerpoint/2010/main" Requires="p14">
+  <mc:AlternateContent xmlns:mc="http://schemas.openxmlformats.org/markup-compatibility/2006" xmlns:p14="http://schemas.microsoft.com/office/powerpoint/2010/main">
+    <mc:Choice Requires="p14">
       <p:transition spd="med" p14:dur="700">
         <p:fade/>
       </p:transition>
     </mc:Choice>
-    <mc:Fallback>
+    <mc:Fallback xmlns="">
       <p:transition spd="med">
         <p:fade/>
       </p:transition>
@@ -2429,7 +2452,7 @@
           <p:cNvPr id="5" name="Rectangle 6">
             <a:extLst>
               <a:ext uri="{FF2B5EF4-FFF2-40B4-BE49-F238E27FC236}">
-                <a16:creationId xmlns:a16="http://schemas.microsoft.com/office/drawing/2014/main" id="{E2F86A31-C855-4651-B8F1-EF39433E1041}"/>
+                <a16:creationId xmlns:a16="http://schemas.microsoft.com/office/drawing/2014/main" xmlns="" id="{E2F86A31-C855-4651-B8F1-EF39433E1041}"/>
               </a:ext>
             </a:extLst>
           </p:cNvPr>
@@ -2480,13 +2503,13 @@
   <p:clrMapOvr>
     <a:masterClrMapping/>
   </p:clrMapOvr>
-  <mc:AlternateContent xmlns:mc="http://schemas.openxmlformats.org/markup-compatibility/2006">
-    <mc:Choice xmlns:p14="http://schemas.microsoft.com/office/powerpoint/2010/main" Requires="p14">
+  <mc:AlternateContent xmlns:mc="http://schemas.openxmlformats.org/markup-compatibility/2006" xmlns:p14="http://schemas.microsoft.com/office/powerpoint/2010/main">
+    <mc:Choice Requires="p14">
       <p:transition spd="med" p14:dur="700">
         <p:fade/>
       </p:transition>
     </mc:Choice>
-    <mc:Fallback>
+    <mc:Fallback xmlns="">
       <p:transition spd="med">
         <p:fade/>
       </p:transition>
@@ -2864,7 +2887,7 @@
           <p:cNvPr id="7" name="Rectangle 6">
             <a:extLst>
               <a:ext uri="{FF2B5EF4-FFF2-40B4-BE49-F238E27FC236}">
-                <a16:creationId xmlns:a16="http://schemas.microsoft.com/office/drawing/2014/main" id="{6129634F-77DE-454C-9BFE-74CC9D8F87B7}"/>
+                <a16:creationId xmlns:a16="http://schemas.microsoft.com/office/drawing/2014/main" xmlns="" id="{6129634F-77DE-454C-9BFE-74CC9D8F87B7}"/>
               </a:ext>
             </a:extLst>
           </p:cNvPr>
@@ -2915,13 +2938,13 @@
   <p:clrMapOvr>
     <a:masterClrMapping/>
   </p:clrMapOvr>
-  <mc:AlternateContent xmlns:mc="http://schemas.openxmlformats.org/markup-compatibility/2006">
-    <mc:Choice xmlns:p14="http://schemas.microsoft.com/office/powerpoint/2010/main" Requires="p14">
+  <mc:AlternateContent xmlns:mc="http://schemas.openxmlformats.org/markup-compatibility/2006" xmlns:p14="http://schemas.microsoft.com/office/powerpoint/2010/main">
+    <mc:Choice Requires="p14">
       <p:transition spd="med" p14:dur="700">
         <p:fade/>
       </p:transition>
     </mc:Choice>
-    <mc:Fallback>
+    <mc:Fallback xmlns="">
       <p:transition spd="med">
         <p:fade/>
       </p:transition>
@@ -2983,7 +3006,7 @@
           <p:cNvPr id="3" name="Rectangle 6">
             <a:extLst>
               <a:ext uri="{FF2B5EF4-FFF2-40B4-BE49-F238E27FC236}">
-                <a16:creationId xmlns:a16="http://schemas.microsoft.com/office/drawing/2014/main" id="{C9D2F491-D6D1-40DB-A20A-424F6B5749F5}"/>
+                <a16:creationId xmlns:a16="http://schemas.microsoft.com/office/drawing/2014/main" xmlns="" id="{C9D2F491-D6D1-40DB-A20A-424F6B5749F5}"/>
               </a:ext>
             </a:extLst>
           </p:cNvPr>
@@ -3034,13 +3057,13 @@
   <p:clrMapOvr>
     <a:masterClrMapping/>
   </p:clrMapOvr>
-  <mc:AlternateContent xmlns:mc="http://schemas.openxmlformats.org/markup-compatibility/2006">
-    <mc:Choice xmlns:p14="http://schemas.microsoft.com/office/powerpoint/2010/main" Requires="p14">
+  <mc:AlternateContent xmlns:mc="http://schemas.openxmlformats.org/markup-compatibility/2006" xmlns:p14="http://schemas.microsoft.com/office/powerpoint/2010/main">
+    <mc:Choice Requires="p14">
       <p:transition spd="med" p14:dur="700">
         <p:fade/>
       </p:transition>
     </mc:Choice>
-    <mc:Fallback>
+    <mc:Fallback xmlns="">
       <p:transition spd="med">
         <p:fade/>
       </p:transition>
@@ -3071,7 +3094,7 @@
           <p:cNvPr id="2" name="Rectangle 6">
             <a:extLst>
               <a:ext uri="{FF2B5EF4-FFF2-40B4-BE49-F238E27FC236}">
-                <a16:creationId xmlns:a16="http://schemas.microsoft.com/office/drawing/2014/main" id="{3D46FF5D-5980-400C-B877-1D790BB9309E}"/>
+                <a16:creationId xmlns:a16="http://schemas.microsoft.com/office/drawing/2014/main" xmlns="" id="{3D46FF5D-5980-400C-B877-1D790BB9309E}"/>
               </a:ext>
             </a:extLst>
           </p:cNvPr>
@@ -3122,13 +3145,13 @@
   <p:clrMapOvr>
     <a:masterClrMapping/>
   </p:clrMapOvr>
-  <mc:AlternateContent xmlns:mc="http://schemas.openxmlformats.org/markup-compatibility/2006">
-    <mc:Choice xmlns:p14="http://schemas.microsoft.com/office/powerpoint/2010/main" Requires="p14">
+  <mc:AlternateContent xmlns:mc="http://schemas.openxmlformats.org/markup-compatibility/2006" xmlns:p14="http://schemas.microsoft.com/office/powerpoint/2010/main">
+    <mc:Choice Requires="p14">
       <p:transition spd="med" p14:dur="700">
         <p:fade/>
       </p:transition>
     </mc:Choice>
-    <mc:Fallback>
+    <mc:Fallback xmlns="">
       <p:transition spd="med">
         <p:fade/>
       </p:transition>
@@ -3350,7 +3373,7 @@
           <p:cNvPr id="5" name="Rectangle 6">
             <a:extLst>
               <a:ext uri="{FF2B5EF4-FFF2-40B4-BE49-F238E27FC236}">
-                <a16:creationId xmlns:a16="http://schemas.microsoft.com/office/drawing/2014/main" id="{A49D175A-A5B9-4604-A6E4-B31780F97E25}"/>
+                <a16:creationId xmlns:a16="http://schemas.microsoft.com/office/drawing/2014/main" xmlns="" id="{A49D175A-A5B9-4604-A6E4-B31780F97E25}"/>
               </a:ext>
             </a:extLst>
           </p:cNvPr>
@@ -3401,13 +3424,13 @@
   <p:clrMapOvr>
     <a:masterClrMapping/>
   </p:clrMapOvr>
-  <mc:AlternateContent xmlns:mc="http://schemas.openxmlformats.org/markup-compatibility/2006">
-    <mc:Choice xmlns:p14="http://schemas.microsoft.com/office/powerpoint/2010/main" Requires="p14">
+  <mc:AlternateContent xmlns:mc="http://schemas.openxmlformats.org/markup-compatibility/2006" xmlns:p14="http://schemas.microsoft.com/office/powerpoint/2010/main">
+    <mc:Choice Requires="p14">
       <p:transition spd="med" p14:dur="700">
         <p:fade/>
       </p:transition>
     </mc:Choice>
-    <mc:Fallback>
+    <mc:Fallback xmlns="">
       <p:transition spd="med">
         <p:fade/>
       </p:transition>
@@ -3606,7 +3629,7 @@
           <p:cNvPr id="5" name="Rectangle 6">
             <a:extLst>
               <a:ext uri="{FF2B5EF4-FFF2-40B4-BE49-F238E27FC236}">
-                <a16:creationId xmlns:a16="http://schemas.microsoft.com/office/drawing/2014/main" id="{BA964DEC-4559-4447-BE69-D77544CC3CED}"/>
+                <a16:creationId xmlns:a16="http://schemas.microsoft.com/office/drawing/2014/main" xmlns="" id="{BA964DEC-4559-4447-BE69-D77544CC3CED}"/>
               </a:ext>
             </a:extLst>
           </p:cNvPr>
@@ -3657,13 +3680,13 @@
   <p:clrMapOvr>
     <a:masterClrMapping/>
   </p:clrMapOvr>
-  <mc:AlternateContent xmlns:mc="http://schemas.openxmlformats.org/markup-compatibility/2006">
-    <mc:Choice xmlns:p14="http://schemas.microsoft.com/office/powerpoint/2010/main" Requires="p14">
+  <mc:AlternateContent xmlns:mc="http://schemas.openxmlformats.org/markup-compatibility/2006" xmlns:p14="http://schemas.microsoft.com/office/powerpoint/2010/main">
+    <mc:Choice Requires="p14">
       <p:transition spd="med" p14:dur="700">
         <p:fade/>
       </p:transition>
     </mc:Choice>
-    <mc:Fallback>
+    <mc:Fallback xmlns="">
       <p:transition spd="med">
         <p:fade/>
       </p:transition>
@@ -3702,7 +3725,7 @@
           <p:cNvPr id="1030" name="Rectangle 6">
             <a:extLst>
               <a:ext uri="{FF2B5EF4-FFF2-40B4-BE49-F238E27FC236}">
-                <a16:creationId xmlns:a16="http://schemas.microsoft.com/office/drawing/2014/main" id="{EE29210A-EF68-4833-85E4-8B4253FE2E2B}"/>
+                <a16:creationId xmlns:a16="http://schemas.microsoft.com/office/drawing/2014/main" xmlns="" id="{EE29210A-EF68-4833-85E4-8B4253FE2E2B}"/>
               </a:ext>
             </a:extLst>
           </p:cNvPr>
@@ -3727,7 +3750,7 @@
           </a:ln>
           <a:extLst>
             <a:ext uri="{FAA26D3D-D897-4be2-8F04-BA451C77F1D7}">
-              <ma14:placeholderFlag xmlns:ma14="http://schemas.microsoft.com/office/mac/drawingml/2011/main" xmlns="" val="1"/>
+              <ma14:placeholderFlag xmlns="" xmlns:ma14="http://schemas.microsoft.com/office/mac/drawingml/2011/main" val="1"/>
             </a:ext>
           </a:extLst>
         </p:spPr>
@@ -3783,13 +3806,13 @@
     <p:sldLayoutId id="2147483658" r:id="rId10"/>
     <p:sldLayoutId id="2147483659" r:id="rId11"/>
   </p:sldLayoutIdLst>
-  <mc:AlternateContent xmlns:mc="http://schemas.openxmlformats.org/markup-compatibility/2006">
-    <mc:Choice xmlns:p14="http://schemas.microsoft.com/office/powerpoint/2010/main" Requires="p14">
+  <mc:AlternateContent xmlns:mc="http://schemas.openxmlformats.org/markup-compatibility/2006" xmlns:p14="http://schemas.microsoft.com/office/powerpoint/2010/main">
+    <mc:Choice Requires="p14">
       <p:transition spd="med" p14:dur="700">
         <p:fade/>
       </p:transition>
     </mc:Choice>
-    <mc:Fallback>
+    <mc:Fallback xmlns="">
       <p:transition spd="med">
         <p:fade/>
       </p:transition>
@@ -4231,7 +4254,7 @@
           <p:cNvPr id="2" name="Imagen 1">
             <a:extLst>
               <a:ext uri="{FF2B5EF4-FFF2-40B4-BE49-F238E27FC236}">
-                <a16:creationId xmlns:a16="http://schemas.microsoft.com/office/drawing/2014/main" id="{7C07E5ED-FD6E-4CFB-BDCC-B9B37F3F0E9F}"/>
+                <a16:creationId xmlns:a16="http://schemas.microsoft.com/office/drawing/2014/main" xmlns="" id="{7C07E5ED-FD6E-4CFB-BDCC-B9B37F3F0E9F}"/>
               </a:ext>
             </a:extLst>
           </p:cNvPr>
@@ -4260,7 +4283,7 @@
           <p:cNvPr id="3" name="Rectángulo 2">
             <a:extLst>
               <a:ext uri="{FF2B5EF4-FFF2-40B4-BE49-F238E27FC236}">
-                <a16:creationId xmlns:a16="http://schemas.microsoft.com/office/drawing/2014/main" id="{EAA81958-1C43-4780-A000-D8BFD20BAA9A}"/>
+                <a16:creationId xmlns:a16="http://schemas.microsoft.com/office/drawing/2014/main" xmlns="" id="{EAA81958-1C43-4780-A000-D8BFD20BAA9A}"/>
               </a:ext>
             </a:extLst>
           </p:cNvPr>
@@ -4377,7 +4400,7 @@
           <p:cNvPr id="4" name="Rectángulo 3">
             <a:extLst>
               <a:ext uri="{FF2B5EF4-FFF2-40B4-BE49-F238E27FC236}">
-                <a16:creationId xmlns:a16="http://schemas.microsoft.com/office/drawing/2014/main" id="{D4EAADBD-7E75-4985-8231-1CAEB16B0D34}"/>
+                <a16:creationId xmlns:a16="http://schemas.microsoft.com/office/drawing/2014/main" xmlns="" id="{D4EAADBD-7E75-4985-8231-1CAEB16B0D34}"/>
               </a:ext>
             </a:extLst>
           </p:cNvPr>
@@ -4515,18 +4538,3106 @@
   <p:clrMapOvr>
     <a:masterClrMapping/>
   </p:clrMapOvr>
-  <mc:AlternateContent xmlns:mc="http://schemas.openxmlformats.org/markup-compatibility/2006">
-    <mc:Choice xmlns:p14="http://schemas.microsoft.com/office/powerpoint/2010/main" Requires="p14">
+  <mc:AlternateContent xmlns:mc="http://schemas.openxmlformats.org/markup-compatibility/2006" xmlns:p14="http://schemas.microsoft.com/office/powerpoint/2010/main">
+    <mc:Choice Requires="p14">
       <p:transition spd="med" p14:dur="700">
         <p:fade/>
       </p:transition>
     </mc:Choice>
-    <mc:Fallback>
+    <mc:Fallback xmlns="">
       <p:transition spd="med">
         <p:fade/>
       </p:transition>
     </mc:Fallback>
   </mc:AlternateContent>
+  <p:timing>
+    <p:tnLst>
+      <p:par>
+        <p:cTn id="1" dur="indefinite" restart="never" nodeType="tmRoot"/>
+      </p:par>
+    </p:tnLst>
+  </p:timing>
+</p:sld>
+</file>
+
+<file path=ppt/slides/slide10.xml><?xml version="1.0" encoding="utf-8"?>
+<p:sld xmlns:a="http://schemas.openxmlformats.org/drawingml/2006/main" xmlns:r="http://schemas.openxmlformats.org/officeDocument/2006/relationships" xmlns:p="http://schemas.openxmlformats.org/presentationml/2006/main">
+  <p:cSld>
+    <p:bg>
+      <p:bgPr>
+        <a:blipFill dpi="0" rotWithShape="0">
+          <a:blip r:embed="rId2"/>
+          <a:srcRect/>
+          <a:stretch>
+            <a:fillRect/>
+          </a:stretch>
+        </a:blipFill>
+        <a:effectLst/>
+      </p:bgPr>
+    </p:bg>
+    <p:spTree>
+      <p:nvGrpSpPr>
+        <p:cNvPr id="1" name=""/>
+        <p:cNvGrpSpPr/>
+        <p:nvPr/>
+      </p:nvGrpSpPr>
+      <p:grpSpPr>
+        <a:xfrm>
+          <a:off x="0" y="0"/>
+          <a:ext cx="0" cy="0"/>
+          <a:chOff x="0" y="0"/>
+          <a:chExt cx="0" cy="0"/>
+        </a:xfrm>
+      </p:grpSpPr>
+      <p:sp>
+        <p:nvSpPr>
+          <p:cNvPr id="4" name="Marcador de número de diapositiva 3">
+            <a:extLst>
+              <a:ext uri="{FF2B5EF4-FFF2-40B4-BE49-F238E27FC236}">
+                <a16:creationId xmlns:a16="http://schemas.microsoft.com/office/drawing/2014/main" xmlns="" id="{4C170D80-EB60-4BAA-90F3-B392B24C9FD2}"/>
+              </a:ext>
+            </a:extLst>
+          </p:cNvPr>
+          <p:cNvSpPr>
+            <a:spLocks noGrp="1"/>
+          </p:cNvSpPr>
+          <p:nvPr>
+            <p:ph type="sldNum" sz="quarter" idx="10"/>
+          </p:nvPr>
+        </p:nvSpPr>
+        <p:spPr>
+          <a:extLst>
+            <a:ext uri="{FAA26D3D-D897-4be2-8F04-BA451C77F1D7}">
+              <ma14:placeholderFlag xmlns="" xmlns:ma14="http://schemas.microsoft.com/office/mac/drawingml/2011/main" val="1"/>
+            </a:ext>
+          </a:extLst>
+        </p:spPr>
+        <p:txBody>
+          <a:bodyPr/>
+          <a:lstStyle>
+            <a:lvl1pPr>
+              <a:defRPr sz="2400">
+                <a:solidFill>
+                  <a:schemeClr val="tx1"/>
+                </a:solidFill>
+                <a:latin typeface="Arial" panose="020B0604020202020204" pitchFamily="34" charset="0"/>
+                <a:ea typeface="MS PGothic" panose="020B0600070205080204" pitchFamily="34" charset="-128"/>
+              </a:defRPr>
+            </a:lvl1pPr>
+            <a:lvl2pPr marL="742950" indent="-285750">
+              <a:defRPr sz="2400">
+                <a:solidFill>
+                  <a:schemeClr val="tx1"/>
+                </a:solidFill>
+                <a:latin typeface="Arial" panose="020B0604020202020204" pitchFamily="34" charset="0"/>
+                <a:ea typeface="MS PGothic" panose="020B0600070205080204" pitchFamily="34" charset="-128"/>
+              </a:defRPr>
+            </a:lvl2pPr>
+            <a:lvl3pPr marL="1143000" indent="-228600">
+              <a:defRPr sz="2400">
+                <a:solidFill>
+                  <a:schemeClr val="tx1"/>
+                </a:solidFill>
+                <a:latin typeface="Arial" panose="020B0604020202020204" pitchFamily="34" charset="0"/>
+                <a:ea typeface="MS PGothic" panose="020B0600070205080204" pitchFamily="34" charset="-128"/>
+              </a:defRPr>
+            </a:lvl3pPr>
+            <a:lvl4pPr marL="1600200" indent="-228600">
+              <a:defRPr sz="2400">
+                <a:solidFill>
+                  <a:schemeClr val="tx1"/>
+                </a:solidFill>
+                <a:latin typeface="Arial" panose="020B0604020202020204" pitchFamily="34" charset="0"/>
+                <a:ea typeface="MS PGothic" panose="020B0600070205080204" pitchFamily="34" charset="-128"/>
+              </a:defRPr>
+            </a:lvl4pPr>
+            <a:lvl5pPr marL="2057400" indent="-228600">
+              <a:defRPr sz="2400">
+                <a:solidFill>
+                  <a:schemeClr val="tx1"/>
+                </a:solidFill>
+                <a:latin typeface="Arial" panose="020B0604020202020204" pitchFamily="34" charset="0"/>
+                <a:ea typeface="MS PGothic" panose="020B0600070205080204" pitchFamily="34" charset="-128"/>
+              </a:defRPr>
+            </a:lvl5pPr>
+            <a:lvl6pPr marL="2514600" indent="-228600" eaLnBrk="0" fontAlgn="base" hangingPunct="0">
+              <a:spcBef>
+                <a:spcPct val="0"/>
+              </a:spcBef>
+              <a:spcAft>
+                <a:spcPct val="0"/>
+              </a:spcAft>
+              <a:defRPr sz="2400">
+                <a:solidFill>
+                  <a:schemeClr val="tx1"/>
+                </a:solidFill>
+                <a:latin typeface="Arial" panose="020B0604020202020204" pitchFamily="34" charset="0"/>
+                <a:ea typeface="MS PGothic" panose="020B0600070205080204" pitchFamily="34" charset="-128"/>
+              </a:defRPr>
+            </a:lvl6pPr>
+            <a:lvl7pPr marL="2971800" indent="-228600" eaLnBrk="0" fontAlgn="base" hangingPunct="0">
+              <a:spcBef>
+                <a:spcPct val="0"/>
+              </a:spcBef>
+              <a:spcAft>
+                <a:spcPct val="0"/>
+              </a:spcAft>
+              <a:defRPr sz="2400">
+                <a:solidFill>
+                  <a:schemeClr val="tx1"/>
+                </a:solidFill>
+                <a:latin typeface="Arial" panose="020B0604020202020204" pitchFamily="34" charset="0"/>
+                <a:ea typeface="MS PGothic" panose="020B0600070205080204" pitchFamily="34" charset="-128"/>
+              </a:defRPr>
+            </a:lvl7pPr>
+            <a:lvl8pPr marL="3429000" indent="-228600" eaLnBrk="0" fontAlgn="base" hangingPunct="0">
+              <a:spcBef>
+                <a:spcPct val="0"/>
+              </a:spcBef>
+              <a:spcAft>
+                <a:spcPct val="0"/>
+              </a:spcAft>
+              <a:defRPr sz="2400">
+                <a:solidFill>
+                  <a:schemeClr val="tx1"/>
+                </a:solidFill>
+                <a:latin typeface="Arial" panose="020B0604020202020204" pitchFamily="34" charset="0"/>
+                <a:ea typeface="MS PGothic" panose="020B0600070205080204" pitchFamily="34" charset="-128"/>
+              </a:defRPr>
+            </a:lvl8pPr>
+            <a:lvl9pPr marL="3886200" indent="-228600" eaLnBrk="0" fontAlgn="base" hangingPunct="0">
+              <a:spcBef>
+                <a:spcPct val="0"/>
+              </a:spcBef>
+              <a:spcAft>
+                <a:spcPct val="0"/>
+              </a:spcAft>
+              <a:defRPr sz="2400">
+                <a:solidFill>
+                  <a:schemeClr val="tx1"/>
+                </a:solidFill>
+                <a:latin typeface="Arial" panose="020B0604020202020204" pitchFamily="34" charset="0"/>
+                <a:ea typeface="MS PGothic" panose="020B0600070205080204" pitchFamily="34" charset="-128"/>
+              </a:defRPr>
+            </a:lvl9pPr>
+          </a:lstStyle>
+          <a:p>
+            <a:r>
+              <a:rPr lang="es-ES_tradnl" altLang="es-ES" sz="1000">
+                <a:solidFill>
+                  <a:srgbClr val="FFFFFF"/>
+                </a:solidFill>
+                <a:latin typeface="Arial Narrow" panose="020B0606020202030204" pitchFamily="34" charset="0"/>
+              </a:rPr>
+              <a:t>DIAPOSITIVA</a:t>
+            </a:r>
+            <a:r>
+              <a:rPr lang="es-ES_tradnl" altLang="es-ES" sz="800">
+                <a:solidFill>
+                  <a:srgbClr val="FFFFFF"/>
+                </a:solidFill>
+              </a:rPr>
+              <a:t> </a:t>
+            </a:r>
+            <a:fld id="{3AAEB521-78D9-49A1-99FB-59F3C17A9997}" type="slidenum">
+              <a:rPr lang="es-ES_tradnl" altLang="es-ES" sz="1000">
+                <a:solidFill>
+                  <a:srgbClr val="FFFFFF"/>
+                </a:solidFill>
+                <a:latin typeface="Arial Narrow" panose="020B0606020202030204" pitchFamily="34" charset="0"/>
+              </a:rPr>
+              <a:pPr/>
+              <a:t>9</a:t>
+            </a:fld>
+            <a:endParaRPr lang="es-ES_tradnl" altLang="es-ES" sz="1000">
+              <a:solidFill>
+                <a:srgbClr val="FFFFFF"/>
+              </a:solidFill>
+              <a:latin typeface="Arial Narrow" panose="020B0606020202030204" pitchFamily="34" charset="0"/>
+            </a:endParaRPr>
+          </a:p>
+        </p:txBody>
+      </p:sp>
+      <p:sp>
+        <p:nvSpPr>
+          <p:cNvPr id="2" name="1 CuadroTexto"/>
+          <p:cNvSpPr txBox="1"/>
+          <p:nvPr/>
+        </p:nvSpPr>
+        <p:spPr>
+          <a:xfrm>
+            <a:off x="1487488" y="1543325"/>
+            <a:ext cx="9289032" cy="461665"/>
+          </a:xfrm>
+          <a:prstGeom prst="rect">
+            <a:avLst/>
+          </a:prstGeom>
+          <a:noFill/>
+        </p:spPr>
+        <p:txBody>
+          <a:bodyPr wrap="square" rtlCol="0">
+            <a:spAutoFit/>
+          </a:bodyPr>
+          <a:lstStyle/>
+          <a:p>
+            <a:pPr marL="0" lvl="1" algn="ctr"/>
+            <a:r>
+              <a:rPr lang="es-ES" b="1" dirty="0"/>
+              <a:t>Controlador de tiempo.</a:t>
+            </a:r>
+            <a:endParaRPr lang="es-ES" b="1" dirty="0">
+              <a:solidFill>
+                <a:srgbClr val="000000"/>
+              </a:solidFill>
+            </a:endParaRPr>
+          </a:p>
+        </p:txBody>
+      </p:sp>
+      <p:sp>
+        <p:nvSpPr>
+          <p:cNvPr id="6" name="5 CuadroTexto"/>
+          <p:cNvSpPr txBox="1"/>
+          <p:nvPr/>
+        </p:nvSpPr>
+        <p:spPr>
+          <a:xfrm>
+            <a:off x="767408" y="2293688"/>
+            <a:ext cx="10174476" cy="1200329"/>
+          </a:xfrm>
+          <a:prstGeom prst="rect">
+            <a:avLst/>
+          </a:prstGeom>
+          <a:noFill/>
+        </p:spPr>
+        <p:txBody>
+          <a:bodyPr wrap="square" rtlCol="0">
+            <a:spAutoFit/>
+          </a:bodyPr>
+          <a:lstStyle/>
+          <a:p>
+            <a:r>
+              <a:rPr lang="es-ES" dirty="0"/>
+              <a:t>S</a:t>
+            </a:r>
+            <a:r>
+              <a:rPr lang="es-ES" dirty="0" smtClean="0"/>
+              <a:t>e necesita </a:t>
+            </a:r>
+            <a:r>
+              <a:rPr lang="es-ES" dirty="0"/>
+              <a:t>la librería </a:t>
+            </a:r>
+            <a:r>
+              <a:rPr lang="es-ES" dirty="0" err="1" smtClean="0"/>
+              <a:t>Time.h</a:t>
+            </a:r>
+            <a:r>
+              <a:rPr lang="es-ES" dirty="0" smtClean="0"/>
+              <a:t>. Se establece </a:t>
+            </a:r>
+            <a:r>
+              <a:rPr lang="es-ES" dirty="0"/>
+              <a:t>por defecto una fecha y hora concreta, </a:t>
+            </a:r>
+            <a:r>
+              <a:rPr lang="es-ES" dirty="0" smtClean="0"/>
+              <a:t>para </a:t>
+            </a:r>
+            <a:r>
+              <a:rPr lang="es-ES" dirty="0"/>
+              <a:t>ponerlo en hora se necesita usar la función “</a:t>
+            </a:r>
+            <a:r>
+              <a:rPr lang="es-ES" dirty="0" err="1"/>
+              <a:t>setTime</a:t>
+            </a:r>
+            <a:r>
+              <a:rPr lang="es-ES" dirty="0" smtClean="0"/>
+              <a:t>()”.</a:t>
+            </a:r>
+          </a:p>
+          <a:p>
+            <a:r>
+              <a:rPr lang="es-ES" dirty="0"/>
+              <a:t>A</a:t>
+            </a:r>
+            <a:r>
+              <a:rPr lang="es-ES" dirty="0" smtClean="0"/>
+              <a:t>l </a:t>
+            </a:r>
+            <a:r>
+              <a:rPr lang="es-ES" dirty="0"/>
+              <a:t>reiniciar la placa la hora vuelve a ser la establecida </a:t>
+            </a:r>
+            <a:r>
+              <a:rPr lang="es-ES" dirty="0" smtClean="0"/>
+              <a:t>como referencia </a:t>
+            </a:r>
+            <a:endParaRPr lang="es-ES" dirty="0">
+              <a:solidFill>
+                <a:srgbClr val="000000"/>
+              </a:solidFill>
+            </a:endParaRPr>
+          </a:p>
+        </p:txBody>
+      </p:sp>
+      <p:pic>
+        <p:nvPicPr>
+          <p:cNvPr id="8" name="7 Marcador de contenido" descr="https://i.gyazo.com/93b564686e7b8f50b4a6680bc38ff4b4.png"/>
+          <p:cNvPicPr>
+            <a:picLocks noGrp="1"/>
+          </p:cNvPicPr>
+          <p:nvPr>
+            <p:ph idx="1"/>
+          </p:nvPr>
+        </p:nvPicPr>
+        <p:blipFill>
+          <a:blip r:embed="rId3">
+            <a:extLst>
+              <a:ext uri="{28A0092B-C50C-407E-A947-70E740481C1C}">
+                <a14:useLocalDpi xmlns:a14="http://schemas.microsoft.com/office/drawing/2010/main" val="0"/>
+              </a:ext>
+            </a:extLst>
+          </a:blip>
+          <a:srcRect/>
+          <a:stretch>
+            <a:fillRect/>
+          </a:stretch>
+        </p:blipFill>
+        <p:spPr bwMode="auto">
+          <a:xfrm>
+            <a:off x="1703512" y="3717032"/>
+            <a:ext cx="3983604" cy="2482546"/>
+          </a:xfrm>
+          <a:prstGeom prst="rect">
+            <a:avLst/>
+          </a:prstGeom>
+          <a:noFill/>
+          <a:ln>
+            <a:solidFill>
+              <a:schemeClr val="tx1"/>
+            </a:solidFill>
+          </a:ln>
+        </p:spPr>
+      </p:pic>
+      <p:sp>
+        <p:nvSpPr>
+          <p:cNvPr id="5" name="4 CuadroTexto"/>
+          <p:cNvSpPr txBox="1"/>
+          <p:nvPr/>
+        </p:nvSpPr>
+        <p:spPr>
+          <a:xfrm>
+            <a:off x="5854646" y="4653136"/>
+            <a:ext cx="5087238" cy="338554"/>
+          </a:xfrm>
+          <a:prstGeom prst="rect">
+            <a:avLst/>
+          </a:prstGeom>
+          <a:noFill/>
+        </p:spPr>
+        <p:txBody>
+          <a:bodyPr wrap="square" rtlCol="0">
+            <a:spAutoFit/>
+          </a:bodyPr>
+          <a:lstStyle/>
+          <a:p>
+            <a:r>
+              <a:rPr lang="es-ES" sz="1600" dirty="0" smtClean="0"/>
+              <a:t>«Código para establecer la hora actual en </a:t>
+            </a:r>
+            <a:r>
+              <a:rPr lang="es-ES" sz="1600" dirty="0" err="1" smtClean="0"/>
+              <a:t>arduino</a:t>
+            </a:r>
+            <a:r>
+              <a:rPr lang="es-ES" sz="1600" dirty="0" smtClean="0"/>
+              <a:t>»</a:t>
+            </a:r>
+            <a:endParaRPr lang="es-ES" sz="1600" dirty="0"/>
+          </a:p>
+        </p:txBody>
+      </p:sp>
+    </p:spTree>
+    <p:extLst>
+      <p:ext uri="{BB962C8B-B14F-4D97-AF65-F5344CB8AC3E}">
+        <p14:creationId xmlns:p14="http://schemas.microsoft.com/office/powerpoint/2010/main" val="2677732004"/>
+      </p:ext>
+    </p:extLst>
+  </p:cSld>
+  <p:clrMapOvr>
+    <a:masterClrMapping/>
+  </p:clrMapOvr>
+  <mc:AlternateContent xmlns:mc="http://schemas.openxmlformats.org/markup-compatibility/2006" xmlns:p14="http://schemas.microsoft.com/office/powerpoint/2010/main">
+    <mc:Choice Requires="p14">
+      <p:transition spd="med" p14:dur="700">
+        <p:fade/>
+      </p:transition>
+    </mc:Choice>
+    <mc:Fallback xmlns="">
+      <p:transition spd="med">
+        <p:fade/>
+      </p:transition>
+    </mc:Fallback>
+  </mc:AlternateContent>
+  <p:timing>
+    <p:tnLst>
+      <p:par>
+        <p:cTn id="1" dur="indefinite" restart="never" nodeType="tmRoot"/>
+      </p:par>
+    </p:tnLst>
+  </p:timing>
+</p:sld>
+</file>
+
+<file path=ppt/slides/slide11.xml><?xml version="1.0" encoding="utf-8"?>
+<p:sld xmlns:a="http://schemas.openxmlformats.org/drawingml/2006/main" xmlns:r="http://schemas.openxmlformats.org/officeDocument/2006/relationships" xmlns:p="http://schemas.openxmlformats.org/presentationml/2006/main">
+  <p:cSld>
+    <p:bg>
+      <p:bgPr>
+        <a:blipFill dpi="0" rotWithShape="0">
+          <a:blip r:embed="rId2"/>
+          <a:srcRect/>
+          <a:stretch>
+            <a:fillRect/>
+          </a:stretch>
+        </a:blipFill>
+        <a:effectLst/>
+      </p:bgPr>
+    </p:bg>
+    <p:spTree>
+      <p:nvGrpSpPr>
+        <p:cNvPr id="1" name=""/>
+        <p:cNvGrpSpPr/>
+        <p:nvPr/>
+      </p:nvGrpSpPr>
+      <p:grpSpPr>
+        <a:xfrm>
+          <a:off x="0" y="0"/>
+          <a:ext cx="0" cy="0"/>
+          <a:chOff x="0" y="0"/>
+          <a:chExt cx="0" cy="0"/>
+        </a:xfrm>
+      </p:grpSpPr>
+      <p:sp>
+        <p:nvSpPr>
+          <p:cNvPr id="4" name="Marcador de número de diapositiva 3">
+            <a:extLst>
+              <a:ext uri="{FF2B5EF4-FFF2-40B4-BE49-F238E27FC236}">
+                <a16:creationId xmlns:a16="http://schemas.microsoft.com/office/drawing/2014/main" xmlns="" id="{4C170D80-EB60-4BAA-90F3-B392B24C9FD2}"/>
+              </a:ext>
+            </a:extLst>
+          </p:cNvPr>
+          <p:cNvSpPr>
+            <a:spLocks noGrp="1"/>
+          </p:cNvSpPr>
+          <p:nvPr>
+            <p:ph type="sldNum" sz="quarter" idx="10"/>
+          </p:nvPr>
+        </p:nvSpPr>
+        <p:spPr>
+          <a:extLst>
+            <a:ext uri="{FAA26D3D-D897-4be2-8F04-BA451C77F1D7}">
+              <ma14:placeholderFlag xmlns="" xmlns:ma14="http://schemas.microsoft.com/office/mac/drawingml/2011/main" val="1"/>
+            </a:ext>
+          </a:extLst>
+        </p:spPr>
+        <p:txBody>
+          <a:bodyPr/>
+          <a:lstStyle>
+            <a:lvl1pPr>
+              <a:defRPr sz="2400">
+                <a:solidFill>
+                  <a:schemeClr val="tx1"/>
+                </a:solidFill>
+                <a:latin typeface="Arial" panose="020B0604020202020204" pitchFamily="34" charset="0"/>
+                <a:ea typeface="MS PGothic" panose="020B0600070205080204" pitchFamily="34" charset="-128"/>
+              </a:defRPr>
+            </a:lvl1pPr>
+            <a:lvl2pPr marL="742950" indent="-285750">
+              <a:defRPr sz="2400">
+                <a:solidFill>
+                  <a:schemeClr val="tx1"/>
+                </a:solidFill>
+                <a:latin typeface="Arial" panose="020B0604020202020204" pitchFamily="34" charset="0"/>
+                <a:ea typeface="MS PGothic" panose="020B0600070205080204" pitchFamily="34" charset="-128"/>
+              </a:defRPr>
+            </a:lvl2pPr>
+            <a:lvl3pPr marL="1143000" indent="-228600">
+              <a:defRPr sz="2400">
+                <a:solidFill>
+                  <a:schemeClr val="tx1"/>
+                </a:solidFill>
+                <a:latin typeface="Arial" panose="020B0604020202020204" pitchFamily="34" charset="0"/>
+                <a:ea typeface="MS PGothic" panose="020B0600070205080204" pitchFamily="34" charset="-128"/>
+              </a:defRPr>
+            </a:lvl3pPr>
+            <a:lvl4pPr marL="1600200" indent="-228600">
+              <a:defRPr sz="2400">
+                <a:solidFill>
+                  <a:schemeClr val="tx1"/>
+                </a:solidFill>
+                <a:latin typeface="Arial" panose="020B0604020202020204" pitchFamily="34" charset="0"/>
+                <a:ea typeface="MS PGothic" panose="020B0600070205080204" pitchFamily="34" charset="-128"/>
+              </a:defRPr>
+            </a:lvl4pPr>
+            <a:lvl5pPr marL="2057400" indent="-228600">
+              <a:defRPr sz="2400">
+                <a:solidFill>
+                  <a:schemeClr val="tx1"/>
+                </a:solidFill>
+                <a:latin typeface="Arial" panose="020B0604020202020204" pitchFamily="34" charset="0"/>
+                <a:ea typeface="MS PGothic" panose="020B0600070205080204" pitchFamily="34" charset="-128"/>
+              </a:defRPr>
+            </a:lvl5pPr>
+            <a:lvl6pPr marL="2514600" indent="-228600" eaLnBrk="0" fontAlgn="base" hangingPunct="0">
+              <a:spcBef>
+                <a:spcPct val="0"/>
+              </a:spcBef>
+              <a:spcAft>
+                <a:spcPct val="0"/>
+              </a:spcAft>
+              <a:defRPr sz="2400">
+                <a:solidFill>
+                  <a:schemeClr val="tx1"/>
+                </a:solidFill>
+                <a:latin typeface="Arial" panose="020B0604020202020204" pitchFamily="34" charset="0"/>
+                <a:ea typeface="MS PGothic" panose="020B0600070205080204" pitchFamily="34" charset="-128"/>
+              </a:defRPr>
+            </a:lvl6pPr>
+            <a:lvl7pPr marL="2971800" indent="-228600" eaLnBrk="0" fontAlgn="base" hangingPunct="0">
+              <a:spcBef>
+                <a:spcPct val="0"/>
+              </a:spcBef>
+              <a:spcAft>
+                <a:spcPct val="0"/>
+              </a:spcAft>
+              <a:defRPr sz="2400">
+                <a:solidFill>
+                  <a:schemeClr val="tx1"/>
+                </a:solidFill>
+                <a:latin typeface="Arial" panose="020B0604020202020204" pitchFamily="34" charset="0"/>
+                <a:ea typeface="MS PGothic" panose="020B0600070205080204" pitchFamily="34" charset="-128"/>
+              </a:defRPr>
+            </a:lvl7pPr>
+            <a:lvl8pPr marL="3429000" indent="-228600" eaLnBrk="0" fontAlgn="base" hangingPunct="0">
+              <a:spcBef>
+                <a:spcPct val="0"/>
+              </a:spcBef>
+              <a:spcAft>
+                <a:spcPct val="0"/>
+              </a:spcAft>
+              <a:defRPr sz="2400">
+                <a:solidFill>
+                  <a:schemeClr val="tx1"/>
+                </a:solidFill>
+                <a:latin typeface="Arial" panose="020B0604020202020204" pitchFamily="34" charset="0"/>
+                <a:ea typeface="MS PGothic" panose="020B0600070205080204" pitchFamily="34" charset="-128"/>
+              </a:defRPr>
+            </a:lvl8pPr>
+            <a:lvl9pPr marL="3886200" indent="-228600" eaLnBrk="0" fontAlgn="base" hangingPunct="0">
+              <a:spcBef>
+                <a:spcPct val="0"/>
+              </a:spcBef>
+              <a:spcAft>
+                <a:spcPct val="0"/>
+              </a:spcAft>
+              <a:defRPr sz="2400">
+                <a:solidFill>
+                  <a:schemeClr val="tx1"/>
+                </a:solidFill>
+                <a:latin typeface="Arial" panose="020B0604020202020204" pitchFamily="34" charset="0"/>
+                <a:ea typeface="MS PGothic" panose="020B0600070205080204" pitchFamily="34" charset="-128"/>
+              </a:defRPr>
+            </a:lvl9pPr>
+          </a:lstStyle>
+          <a:p>
+            <a:r>
+              <a:rPr lang="es-ES_tradnl" altLang="es-ES" sz="1000">
+                <a:solidFill>
+                  <a:srgbClr val="FFFFFF"/>
+                </a:solidFill>
+                <a:latin typeface="Arial Narrow" panose="020B0606020202030204" pitchFamily="34" charset="0"/>
+              </a:rPr>
+              <a:t>DIAPOSITIVA</a:t>
+            </a:r>
+            <a:r>
+              <a:rPr lang="es-ES_tradnl" altLang="es-ES" sz="800">
+                <a:solidFill>
+                  <a:srgbClr val="FFFFFF"/>
+                </a:solidFill>
+              </a:rPr>
+              <a:t> </a:t>
+            </a:r>
+            <a:fld id="{3AAEB521-78D9-49A1-99FB-59F3C17A9997}" type="slidenum">
+              <a:rPr lang="es-ES_tradnl" altLang="es-ES" sz="1000">
+                <a:solidFill>
+                  <a:srgbClr val="FFFFFF"/>
+                </a:solidFill>
+                <a:latin typeface="Arial Narrow" panose="020B0606020202030204" pitchFamily="34" charset="0"/>
+              </a:rPr>
+              <a:pPr/>
+              <a:t>10</a:t>
+            </a:fld>
+            <a:endParaRPr lang="es-ES_tradnl" altLang="es-ES" sz="1000">
+              <a:solidFill>
+                <a:srgbClr val="FFFFFF"/>
+              </a:solidFill>
+              <a:latin typeface="Arial Narrow" panose="020B0606020202030204" pitchFamily="34" charset="0"/>
+            </a:endParaRPr>
+          </a:p>
+        </p:txBody>
+      </p:sp>
+      <p:sp>
+        <p:nvSpPr>
+          <p:cNvPr id="2" name="1 CuadroTexto"/>
+          <p:cNvSpPr txBox="1"/>
+          <p:nvPr/>
+        </p:nvSpPr>
+        <p:spPr>
+          <a:xfrm>
+            <a:off x="1487488" y="1543325"/>
+            <a:ext cx="9289032" cy="461665"/>
+          </a:xfrm>
+          <a:prstGeom prst="rect">
+            <a:avLst/>
+          </a:prstGeom>
+          <a:noFill/>
+        </p:spPr>
+        <p:txBody>
+          <a:bodyPr wrap="square" rtlCol="0">
+            <a:spAutoFit/>
+          </a:bodyPr>
+          <a:lstStyle/>
+          <a:p>
+            <a:pPr marL="0" lvl="1" algn="ctr"/>
+            <a:r>
+              <a:rPr lang="es-ES" b="1" dirty="0"/>
+              <a:t>Movimiento de persiana. </a:t>
+            </a:r>
+            <a:r>
+              <a:rPr lang="es-ES" b="1" dirty="0" err="1"/>
+              <a:t>Motorreductor</a:t>
+            </a:r>
+            <a:r>
+              <a:rPr lang="es-ES" b="1" dirty="0" smtClean="0"/>
+              <a:t>.</a:t>
+            </a:r>
+            <a:endParaRPr lang="es-ES" sz="2000" b="1" dirty="0"/>
+          </a:p>
+        </p:txBody>
+      </p:sp>
+      <p:sp>
+        <p:nvSpPr>
+          <p:cNvPr id="6" name="5 CuadroTexto"/>
+          <p:cNvSpPr txBox="1"/>
+          <p:nvPr/>
+        </p:nvSpPr>
+        <p:spPr>
+          <a:xfrm>
+            <a:off x="571778" y="2536792"/>
+            <a:ext cx="4824536" cy="1200329"/>
+          </a:xfrm>
+          <a:prstGeom prst="rect">
+            <a:avLst/>
+          </a:prstGeom>
+          <a:noFill/>
+        </p:spPr>
+        <p:txBody>
+          <a:bodyPr wrap="square" rtlCol="0">
+            <a:spAutoFit/>
+          </a:bodyPr>
+          <a:lstStyle/>
+          <a:p>
+            <a:r>
+              <a:rPr lang="es-ES" dirty="0" smtClean="0">
+                <a:solidFill>
+                  <a:srgbClr val="000000"/>
+                </a:solidFill>
+              </a:rPr>
+              <a:t>Motor de corriente continua habitual para controlar ruedas de coches, robots…</a:t>
+            </a:r>
+          </a:p>
+        </p:txBody>
+      </p:sp>
+      <p:sp>
+        <p:nvSpPr>
+          <p:cNvPr id="3" name="2 Marcador de contenido"/>
+          <p:cNvSpPr>
+            <a:spLocks noGrp="1"/>
+          </p:cNvSpPr>
+          <p:nvPr>
+            <p:ph idx="1"/>
+          </p:nvPr>
+        </p:nvSpPr>
+        <p:spPr>
+          <a:xfrm>
+            <a:off x="6888088" y="2348889"/>
+            <a:ext cx="4262264" cy="3417244"/>
+          </a:xfrm>
+        </p:spPr>
+        <p:txBody>
+          <a:bodyPr/>
+          <a:lstStyle/>
+          <a:p>
+            <a:pPr marL="0" indent="0">
+              <a:buNone/>
+            </a:pPr>
+            <a:r>
+              <a:rPr lang="es-ES" sz="2400" dirty="0" err="1"/>
+              <a:t>Arduino</a:t>
+            </a:r>
+            <a:r>
+              <a:rPr lang="es-ES" sz="2400" dirty="0"/>
+              <a:t> no es lo suficientemente potente como para mover motores, por lo que necesita de drivers </a:t>
+            </a:r>
+            <a:endParaRPr lang="es-ES" sz="2400" dirty="0">
+              <a:solidFill>
+                <a:srgbClr val="000000"/>
+              </a:solidFill>
+            </a:endParaRPr>
+          </a:p>
+          <a:p>
+            <a:endParaRPr lang="es-ES" dirty="0"/>
+          </a:p>
+        </p:txBody>
+      </p:sp>
+      <p:pic>
+        <p:nvPicPr>
+          <p:cNvPr id="8" name="7 Imagen" descr="arduino-l298n-componente"/>
+          <p:cNvPicPr/>
+          <p:nvPr/>
+        </p:nvPicPr>
+        <p:blipFill>
+          <a:blip r:embed="rId3" cstate="print">
+            <a:clrChange>
+              <a:clrFrom>
+                <a:srgbClr val="FFFFFF"/>
+              </a:clrFrom>
+              <a:clrTo>
+                <a:srgbClr val="FFFFFF">
+                  <a:alpha val="0"/>
+                </a:srgbClr>
+              </a:clrTo>
+            </a:clrChange>
+            <a:extLst>
+              <a:ext uri="{28A0092B-C50C-407E-A947-70E740481C1C}">
+                <a14:useLocalDpi xmlns:a14="http://schemas.microsoft.com/office/drawing/2010/main" val="0"/>
+              </a:ext>
+            </a:extLst>
+          </a:blip>
+          <a:srcRect/>
+          <a:stretch>
+            <a:fillRect/>
+          </a:stretch>
+        </p:blipFill>
+        <p:spPr bwMode="auto">
+          <a:xfrm>
+            <a:off x="7536160" y="4364339"/>
+            <a:ext cx="2743066" cy="1702430"/>
+          </a:xfrm>
+          <a:prstGeom prst="rect">
+            <a:avLst/>
+          </a:prstGeom>
+          <a:noFill/>
+          <a:ln>
+            <a:noFill/>
+          </a:ln>
+        </p:spPr>
+      </p:pic>
+      <p:pic>
+        <p:nvPicPr>
+          <p:cNvPr id="9" name="8 Imagen" descr="arduino-motores-geared"/>
+          <p:cNvPicPr/>
+          <p:nvPr/>
+        </p:nvPicPr>
+        <p:blipFill>
+          <a:blip r:embed="rId4">
+            <a:clrChange>
+              <a:clrFrom>
+                <a:srgbClr val="FFFFFF"/>
+              </a:clrFrom>
+              <a:clrTo>
+                <a:srgbClr val="FFFFFF">
+                  <a:alpha val="0"/>
+                </a:srgbClr>
+              </a:clrTo>
+            </a:clrChange>
+            <a:extLst>
+              <a:ext uri="{28A0092B-C50C-407E-A947-70E740481C1C}">
+                <a14:useLocalDpi xmlns:a14="http://schemas.microsoft.com/office/drawing/2010/main" val="0"/>
+              </a:ext>
+            </a:extLst>
+          </a:blip>
+          <a:srcRect/>
+          <a:stretch>
+            <a:fillRect/>
+          </a:stretch>
+        </p:blipFill>
+        <p:spPr bwMode="auto">
+          <a:xfrm>
+            <a:off x="1775520" y="4377502"/>
+            <a:ext cx="2670175" cy="1468120"/>
+          </a:xfrm>
+          <a:prstGeom prst="rect">
+            <a:avLst/>
+          </a:prstGeom>
+          <a:noFill/>
+          <a:ln>
+            <a:noFill/>
+          </a:ln>
+        </p:spPr>
+      </p:pic>
+    </p:spTree>
+    <p:extLst>
+      <p:ext uri="{BB962C8B-B14F-4D97-AF65-F5344CB8AC3E}">
+        <p14:creationId xmlns:p14="http://schemas.microsoft.com/office/powerpoint/2010/main" val="2677732004"/>
+      </p:ext>
+    </p:extLst>
+  </p:cSld>
+  <p:clrMapOvr>
+    <a:masterClrMapping/>
+  </p:clrMapOvr>
+  <mc:AlternateContent xmlns:mc="http://schemas.openxmlformats.org/markup-compatibility/2006" xmlns:p14="http://schemas.microsoft.com/office/powerpoint/2010/main">
+    <mc:Choice Requires="p14">
+      <p:transition spd="med" p14:dur="700">
+        <p:fade/>
+      </p:transition>
+    </mc:Choice>
+    <mc:Fallback xmlns="">
+      <p:transition spd="med">
+        <p:fade/>
+      </p:transition>
+    </mc:Fallback>
+  </mc:AlternateContent>
+  <p:timing>
+    <p:tnLst>
+      <p:par>
+        <p:cTn id="1" dur="indefinite" restart="never" nodeType="tmRoot"/>
+      </p:par>
+    </p:tnLst>
+  </p:timing>
+</p:sld>
+</file>
+
+<file path=ppt/slides/slide12.xml><?xml version="1.0" encoding="utf-8"?>
+<p:sld xmlns:a="http://schemas.openxmlformats.org/drawingml/2006/main" xmlns:r="http://schemas.openxmlformats.org/officeDocument/2006/relationships" xmlns:p="http://schemas.openxmlformats.org/presentationml/2006/main">
+  <p:cSld>
+    <p:bg>
+      <p:bgPr>
+        <a:blipFill dpi="0" rotWithShape="0">
+          <a:blip r:embed="rId2"/>
+          <a:srcRect/>
+          <a:stretch>
+            <a:fillRect/>
+          </a:stretch>
+        </a:blipFill>
+        <a:effectLst/>
+      </p:bgPr>
+    </p:bg>
+    <p:spTree>
+      <p:nvGrpSpPr>
+        <p:cNvPr id="1" name=""/>
+        <p:cNvGrpSpPr/>
+        <p:nvPr/>
+      </p:nvGrpSpPr>
+      <p:grpSpPr>
+        <a:xfrm>
+          <a:off x="0" y="0"/>
+          <a:ext cx="0" cy="0"/>
+          <a:chOff x="0" y="0"/>
+          <a:chExt cx="0" cy="0"/>
+        </a:xfrm>
+      </p:grpSpPr>
+      <p:sp>
+        <p:nvSpPr>
+          <p:cNvPr id="4" name="Marcador de número de diapositiva 3">
+            <a:extLst>
+              <a:ext uri="{FF2B5EF4-FFF2-40B4-BE49-F238E27FC236}">
+                <a16:creationId xmlns:a16="http://schemas.microsoft.com/office/drawing/2014/main" xmlns="" id="{4C170D80-EB60-4BAA-90F3-B392B24C9FD2}"/>
+              </a:ext>
+            </a:extLst>
+          </p:cNvPr>
+          <p:cNvSpPr>
+            <a:spLocks noGrp="1"/>
+          </p:cNvSpPr>
+          <p:nvPr>
+            <p:ph type="sldNum" sz="quarter" idx="10"/>
+          </p:nvPr>
+        </p:nvSpPr>
+        <p:spPr>
+          <a:extLst>
+            <a:ext uri="{FAA26D3D-D897-4be2-8F04-BA451C77F1D7}">
+              <ma14:placeholderFlag xmlns="" xmlns:ma14="http://schemas.microsoft.com/office/mac/drawingml/2011/main" val="1"/>
+            </a:ext>
+          </a:extLst>
+        </p:spPr>
+        <p:txBody>
+          <a:bodyPr/>
+          <a:lstStyle>
+            <a:lvl1pPr>
+              <a:defRPr sz="2400">
+                <a:solidFill>
+                  <a:schemeClr val="tx1"/>
+                </a:solidFill>
+                <a:latin typeface="Arial" panose="020B0604020202020204" pitchFamily="34" charset="0"/>
+                <a:ea typeface="MS PGothic" panose="020B0600070205080204" pitchFamily="34" charset="-128"/>
+              </a:defRPr>
+            </a:lvl1pPr>
+            <a:lvl2pPr marL="742950" indent="-285750">
+              <a:defRPr sz="2400">
+                <a:solidFill>
+                  <a:schemeClr val="tx1"/>
+                </a:solidFill>
+                <a:latin typeface="Arial" panose="020B0604020202020204" pitchFamily="34" charset="0"/>
+                <a:ea typeface="MS PGothic" panose="020B0600070205080204" pitchFamily="34" charset="-128"/>
+              </a:defRPr>
+            </a:lvl2pPr>
+            <a:lvl3pPr marL="1143000" indent="-228600">
+              <a:defRPr sz="2400">
+                <a:solidFill>
+                  <a:schemeClr val="tx1"/>
+                </a:solidFill>
+                <a:latin typeface="Arial" panose="020B0604020202020204" pitchFamily="34" charset="0"/>
+                <a:ea typeface="MS PGothic" panose="020B0600070205080204" pitchFamily="34" charset="-128"/>
+              </a:defRPr>
+            </a:lvl3pPr>
+            <a:lvl4pPr marL="1600200" indent="-228600">
+              <a:defRPr sz="2400">
+                <a:solidFill>
+                  <a:schemeClr val="tx1"/>
+                </a:solidFill>
+                <a:latin typeface="Arial" panose="020B0604020202020204" pitchFamily="34" charset="0"/>
+                <a:ea typeface="MS PGothic" panose="020B0600070205080204" pitchFamily="34" charset="-128"/>
+              </a:defRPr>
+            </a:lvl4pPr>
+            <a:lvl5pPr marL="2057400" indent="-228600">
+              <a:defRPr sz="2400">
+                <a:solidFill>
+                  <a:schemeClr val="tx1"/>
+                </a:solidFill>
+                <a:latin typeface="Arial" panose="020B0604020202020204" pitchFamily="34" charset="0"/>
+                <a:ea typeface="MS PGothic" panose="020B0600070205080204" pitchFamily="34" charset="-128"/>
+              </a:defRPr>
+            </a:lvl5pPr>
+            <a:lvl6pPr marL="2514600" indent="-228600" eaLnBrk="0" fontAlgn="base" hangingPunct="0">
+              <a:spcBef>
+                <a:spcPct val="0"/>
+              </a:spcBef>
+              <a:spcAft>
+                <a:spcPct val="0"/>
+              </a:spcAft>
+              <a:defRPr sz="2400">
+                <a:solidFill>
+                  <a:schemeClr val="tx1"/>
+                </a:solidFill>
+                <a:latin typeface="Arial" panose="020B0604020202020204" pitchFamily="34" charset="0"/>
+                <a:ea typeface="MS PGothic" panose="020B0600070205080204" pitchFamily="34" charset="-128"/>
+              </a:defRPr>
+            </a:lvl6pPr>
+            <a:lvl7pPr marL="2971800" indent="-228600" eaLnBrk="0" fontAlgn="base" hangingPunct="0">
+              <a:spcBef>
+                <a:spcPct val="0"/>
+              </a:spcBef>
+              <a:spcAft>
+                <a:spcPct val="0"/>
+              </a:spcAft>
+              <a:defRPr sz="2400">
+                <a:solidFill>
+                  <a:schemeClr val="tx1"/>
+                </a:solidFill>
+                <a:latin typeface="Arial" panose="020B0604020202020204" pitchFamily="34" charset="0"/>
+                <a:ea typeface="MS PGothic" panose="020B0600070205080204" pitchFamily="34" charset="-128"/>
+              </a:defRPr>
+            </a:lvl7pPr>
+            <a:lvl8pPr marL="3429000" indent="-228600" eaLnBrk="0" fontAlgn="base" hangingPunct="0">
+              <a:spcBef>
+                <a:spcPct val="0"/>
+              </a:spcBef>
+              <a:spcAft>
+                <a:spcPct val="0"/>
+              </a:spcAft>
+              <a:defRPr sz="2400">
+                <a:solidFill>
+                  <a:schemeClr val="tx1"/>
+                </a:solidFill>
+                <a:latin typeface="Arial" panose="020B0604020202020204" pitchFamily="34" charset="0"/>
+                <a:ea typeface="MS PGothic" panose="020B0600070205080204" pitchFamily="34" charset="-128"/>
+              </a:defRPr>
+            </a:lvl8pPr>
+            <a:lvl9pPr marL="3886200" indent="-228600" eaLnBrk="0" fontAlgn="base" hangingPunct="0">
+              <a:spcBef>
+                <a:spcPct val="0"/>
+              </a:spcBef>
+              <a:spcAft>
+                <a:spcPct val="0"/>
+              </a:spcAft>
+              <a:defRPr sz="2400">
+                <a:solidFill>
+                  <a:schemeClr val="tx1"/>
+                </a:solidFill>
+                <a:latin typeface="Arial" panose="020B0604020202020204" pitchFamily="34" charset="0"/>
+                <a:ea typeface="MS PGothic" panose="020B0600070205080204" pitchFamily="34" charset="-128"/>
+              </a:defRPr>
+            </a:lvl9pPr>
+          </a:lstStyle>
+          <a:p>
+            <a:r>
+              <a:rPr lang="es-ES_tradnl" altLang="es-ES" sz="1000">
+                <a:solidFill>
+                  <a:srgbClr val="FFFFFF"/>
+                </a:solidFill>
+                <a:latin typeface="Arial Narrow" panose="020B0606020202030204" pitchFamily="34" charset="0"/>
+              </a:rPr>
+              <a:t>DIAPOSITIVA</a:t>
+            </a:r>
+            <a:r>
+              <a:rPr lang="es-ES_tradnl" altLang="es-ES" sz="800">
+                <a:solidFill>
+                  <a:srgbClr val="FFFFFF"/>
+                </a:solidFill>
+              </a:rPr>
+              <a:t> </a:t>
+            </a:r>
+            <a:fld id="{3AAEB521-78D9-49A1-99FB-59F3C17A9997}" type="slidenum">
+              <a:rPr lang="es-ES_tradnl" altLang="es-ES" sz="1000">
+                <a:solidFill>
+                  <a:srgbClr val="FFFFFF"/>
+                </a:solidFill>
+                <a:latin typeface="Arial Narrow" panose="020B0606020202030204" pitchFamily="34" charset="0"/>
+              </a:rPr>
+              <a:pPr/>
+              <a:t>11</a:t>
+            </a:fld>
+            <a:endParaRPr lang="es-ES_tradnl" altLang="es-ES" sz="1000">
+              <a:solidFill>
+                <a:srgbClr val="FFFFFF"/>
+              </a:solidFill>
+              <a:latin typeface="Arial Narrow" panose="020B0606020202030204" pitchFamily="34" charset="0"/>
+            </a:endParaRPr>
+          </a:p>
+        </p:txBody>
+      </p:sp>
+      <p:sp>
+        <p:nvSpPr>
+          <p:cNvPr id="2" name="1 CuadroTexto"/>
+          <p:cNvSpPr txBox="1"/>
+          <p:nvPr/>
+        </p:nvSpPr>
+        <p:spPr>
+          <a:xfrm>
+            <a:off x="1487488" y="1543325"/>
+            <a:ext cx="9289032" cy="461665"/>
+          </a:xfrm>
+          <a:prstGeom prst="rect">
+            <a:avLst/>
+          </a:prstGeom>
+          <a:noFill/>
+        </p:spPr>
+        <p:txBody>
+          <a:bodyPr wrap="square" rtlCol="0">
+            <a:spAutoFit/>
+          </a:bodyPr>
+          <a:lstStyle/>
+          <a:p>
+            <a:pPr marL="0" lvl="1" algn="ctr"/>
+            <a:r>
+              <a:rPr lang="es-ES" b="1" dirty="0"/>
+              <a:t>Comunicación serie. </a:t>
+            </a:r>
+            <a:r>
+              <a:rPr lang="es-ES" b="1" dirty="0" err="1"/>
+              <a:t>Arduino</a:t>
+            </a:r>
+            <a:r>
+              <a:rPr lang="es-ES" b="1" dirty="0"/>
+              <a:t> y </a:t>
+            </a:r>
+            <a:r>
+              <a:rPr lang="es-ES" b="1" dirty="0" smtClean="0"/>
+              <a:t>Ordenador</a:t>
+            </a:r>
+            <a:r>
+              <a:rPr lang="es-ES" b="1" dirty="0" smtClean="0">
+                <a:solidFill>
+                  <a:srgbClr val="000000"/>
+                </a:solidFill>
+              </a:rPr>
+              <a:t>.</a:t>
+            </a:r>
+            <a:endParaRPr lang="es-ES" sz="2000" dirty="0"/>
+          </a:p>
+        </p:txBody>
+      </p:sp>
+      <p:sp>
+        <p:nvSpPr>
+          <p:cNvPr id="3" name="2 Marcador de contenido"/>
+          <p:cNvSpPr>
+            <a:spLocks noGrp="1"/>
+          </p:cNvSpPr>
+          <p:nvPr>
+            <p:ph idx="1"/>
+          </p:nvPr>
+        </p:nvSpPr>
+        <p:spPr>
+          <a:xfrm>
+            <a:off x="976536" y="2996952"/>
+            <a:ext cx="10310936" cy="3201220"/>
+          </a:xfrm>
+        </p:spPr>
+        <p:txBody>
+          <a:bodyPr/>
+          <a:lstStyle/>
+          <a:p>
+            <a:r>
+              <a:rPr lang="es-ES" dirty="0">
+                <a:solidFill>
+                  <a:srgbClr val="000000"/>
+                </a:solidFill>
+              </a:rPr>
+              <a:t>Comunicación mediante una </a:t>
+            </a:r>
+            <a:r>
+              <a:rPr lang="es-ES" dirty="0"/>
+              <a:t>aplicación hecha en </a:t>
+            </a:r>
+            <a:r>
+              <a:rPr lang="es-ES" dirty="0" err="1"/>
+              <a:t>Dev</a:t>
+            </a:r>
+            <a:r>
+              <a:rPr lang="es-ES" dirty="0"/>
+              <a:t>-C++, que permite inicializar y finalizar el uso de la placa, realizar registros a través de un fichero.</a:t>
+            </a:r>
+          </a:p>
+          <a:p>
+            <a:endParaRPr lang="es-ES" dirty="0"/>
+          </a:p>
+        </p:txBody>
+      </p:sp>
+    </p:spTree>
+    <p:extLst>
+      <p:ext uri="{BB962C8B-B14F-4D97-AF65-F5344CB8AC3E}">
+        <p14:creationId xmlns:p14="http://schemas.microsoft.com/office/powerpoint/2010/main" val="2677732004"/>
+      </p:ext>
+    </p:extLst>
+  </p:cSld>
+  <p:clrMapOvr>
+    <a:masterClrMapping/>
+  </p:clrMapOvr>
+  <mc:AlternateContent xmlns:mc="http://schemas.openxmlformats.org/markup-compatibility/2006" xmlns:p14="http://schemas.microsoft.com/office/powerpoint/2010/main">
+    <mc:Choice Requires="p14">
+      <p:transition spd="med" p14:dur="700">
+        <p:fade/>
+      </p:transition>
+    </mc:Choice>
+    <mc:Fallback xmlns="">
+      <p:transition spd="med">
+        <p:fade/>
+      </p:transition>
+    </mc:Fallback>
+  </mc:AlternateContent>
+  <p:timing>
+    <p:tnLst>
+      <p:par>
+        <p:cTn id="1" dur="indefinite" restart="never" nodeType="tmRoot"/>
+      </p:par>
+    </p:tnLst>
+  </p:timing>
+</p:sld>
+</file>
+
+<file path=ppt/slides/slide13.xml><?xml version="1.0" encoding="utf-8"?>
+<p:sld xmlns:a="http://schemas.openxmlformats.org/drawingml/2006/main" xmlns:r="http://schemas.openxmlformats.org/officeDocument/2006/relationships" xmlns:p="http://schemas.openxmlformats.org/presentationml/2006/main">
+  <p:cSld>
+    <p:bg>
+      <p:bgPr>
+        <a:blipFill dpi="0" rotWithShape="0">
+          <a:blip r:embed="rId2"/>
+          <a:srcRect/>
+          <a:stretch>
+            <a:fillRect/>
+          </a:stretch>
+        </a:blipFill>
+        <a:effectLst/>
+      </p:bgPr>
+    </p:bg>
+    <p:spTree>
+      <p:nvGrpSpPr>
+        <p:cNvPr id="1" name=""/>
+        <p:cNvGrpSpPr/>
+        <p:nvPr/>
+      </p:nvGrpSpPr>
+      <p:grpSpPr>
+        <a:xfrm>
+          <a:off x="0" y="0"/>
+          <a:ext cx="0" cy="0"/>
+          <a:chOff x="0" y="0"/>
+          <a:chExt cx="0" cy="0"/>
+        </a:xfrm>
+      </p:grpSpPr>
+      <p:sp>
+        <p:nvSpPr>
+          <p:cNvPr id="4" name="Marcador de número de diapositiva 3">
+            <a:extLst>
+              <a:ext uri="{FF2B5EF4-FFF2-40B4-BE49-F238E27FC236}">
+                <a16:creationId xmlns:a16="http://schemas.microsoft.com/office/drawing/2014/main" xmlns="" id="{BECB6303-ACC1-42AB-BBD3-41DE888250F6}"/>
+              </a:ext>
+            </a:extLst>
+          </p:cNvPr>
+          <p:cNvSpPr>
+            <a:spLocks noGrp="1"/>
+          </p:cNvSpPr>
+          <p:nvPr>
+            <p:ph type="sldNum" sz="quarter" idx="10"/>
+          </p:nvPr>
+        </p:nvSpPr>
+        <p:spPr>
+          <a:extLst>
+            <a:ext uri="{FAA26D3D-D897-4be2-8F04-BA451C77F1D7}">
+              <ma14:placeholderFlag xmlns="" xmlns:ma14="http://schemas.microsoft.com/office/mac/drawingml/2011/main" val="1"/>
+            </a:ext>
+          </a:extLst>
+        </p:spPr>
+        <p:txBody>
+          <a:bodyPr/>
+          <a:lstStyle>
+            <a:lvl1pPr>
+              <a:defRPr sz="2400">
+                <a:solidFill>
+                  <a:schemeClr val="tx1"/>
+                </a:solidFill>
+                <a:latin typeface="Arial" panose="020B0604020202020204" pitchFamily="34" charset="0"/>
+                <a:ea typeface="MS PGothic" panose="020B0600070205080204" pitchFamily="34" charset="-128"/>
+              </a:defRPr>
+            </a:lvl1pPr>
+            <a:lvl2pPr marL="742950" indent="-285750">
+              <a:defRPr sz="2400">
+                <a:solidFill>
+                  <a:schemeClr val="tx1"/>
+                </a:solidFill>
+                <a:latin typeface="Arial" panose="020B0604020202020204" pitchFamily="34" charset="0"/>
+                <a:ea typeface="MS PGothic" panose="020B0600070205080204" pitchFamily="34" charset="-128"/>
+              </a:defRPr>
+            </a:lvl2pPr>
+            <a:lvl3pPr marL="1143000" indent="-228600">
+              <a:defRPr sz="2400">
+                <a:solidFill>
+                  <a:schemeClr val="tx1"/>
+                </a:solidFill>
+                <a:latin typeface="Arial" panose="020B0604020202020204" pitchFamily="34" charset="0"/>
+                <a:ea typeface="MS PGothic" panose="020B0600070205080204" pitchFamily="34" charset="-128"/>
+              </a:defRPr>
+            </a:lvl3pPr>
+            <a:lvl4pPr marL="1600200" indent="-228600">
+              <a:defRPr sz="2400">
+                <a:solidFill>
+                  <a:schemeClr val="tx1"/>
+                </a:solidFill>
+                <a:latin typeface="Arial" panose="020B0604020202020204" pitchFamily="34" charset="0"/>
+                <a:ea typeface="MS PGothic" panose="020B0600070205080204" pitchFamily="34" charset="-128"/>
+              </a:defRPr>
+            </a:lvl4pPr>
+            <a:lvl5pPr marL="2057400" indent="-228600">
+              <a:defRPr sz="2400">
+                <a:solidFill>
+                  <a:schemeClr val="tx1"/>
+                </a:solidFill>
+                <a:latin typeface="Arial" panose="020B0604020202020204" pitchFamily="34" charset="0"/>
+                <a:ea typeface="MS PGothic" panose="020B0600070205080204" pitchFamily="34" charset="-128"/>
+              </a:defRPr>
+            </a:lvl5pPr>
+            <a:lvl6pPr marL="2514600" indent="-228600" eaLnBrk="0" fontAlgn="base" hangingPunct="0">
+              <a:spcBef>
+                <a:spcPct val="0"/>
+              </a:spcBef>
+              <a:spcAft>
+                <a:spcPct val="0"/>
+              </a:spcAft>
+              <a:defRPr sz="2400">
+                <a:solidFill>
+                  <a:schemeClr val="tx1"/>
+                </a:solidFill>
+                <a:latin typeface="Arial" panose="020B0604020202020204" pitchFamily="34" charset="0"/>
+                <a:ea typeface="MS PGothic" panose="020B0600070205080204" pitchFamily="34" charset="-128"/>
+              </a:defRPr>
+            </a:lvl6pPr>
+            <a:lvl7pPr marL="2971800" indent="-228600" eaLnBrk="0" fontAlgn="base" hangingPunct="0">
+              <a:spcBef>
+                <a:spcPct val="0"/>
+              </a:spcBef>
+              <a:spcAft>
+                <a:spcPct val="0"/>
+              </a:spcAft>
+              <a:defRPr sz="2400">
+                <a:solidFill>
+                  <a:schemeClr val="tx1"/>
+                </a:solidFill>
+                <a:latin typeface="Arial" panose="020B0604020202020204" pitchFamily="34" charset="0"/>
+                <a:ea typeface="MS PGothic" panose="020B0600070205080204" pitchFamily="34" charset="-128"/>
+              </a:defRPr>
+            </a:lvl7pPr>
+            <a:lvl8pPr marL="3429000" indent="-228600" eaLnBrk="0" fontAlgn="base" hangingPunct="0">
+              <a:spcBef>
+                <a:spcPct val="0"/>
+              </a:spcBef>
+              <a:spcAft>
+                <a:spcPct val="0"/>
+              </a:spcAft>
+              <a:defRPr sz="2400">
+                <a:solidFill>
+                  <a:schemeClr val="tx1"/>
+                </a:solidFill>
+                <a:latin typeface="Arial" panose="020B0604020202020204" pitchFamily="34" charset="0"/>
+                <a:ea typeface="MS PGothic" panose="020B0600070205080204" pitchFamily="34" charset="-128"/>
+              </a:defRPr>
+            </a:lvl8pPr>
+            <a:lvl9pPr marL="3886200" indent="-228600" eaLnBrk="0" fontAlgn="base" hangingPunct="0">
+              <a:spcBef>
+                <a:spcPct val="0"/>
+              </a:spcBef>
+              <a:spcAft>
+                <a:spcPct val="0"/>
+              </a:spcAft>
+              <a:defRPr sz="2400">
+                <a:solidFill>
+                  <a:schemeClr val="tx1"/>
+                </a:solidFill>
+                <a:latin typeface="Arial" panose="020B0604020202020204" pitchFamily="34" charset="0"/>
+                <a:ea typeface="MS PGothic" panose="020B0600070205080204" pitchFamily="34" charset="-128"/>
+              </a:defRPr>
+            </a:lvl9pPr>
+          </a:lstStyle>
+          <a:p>
+            <a:r>
+              <a:rPr lang="es-ES_tradnl" altLang="es-ES" sz="1000" dirty="0">
+                <a:solidFill>
+                  <a:srgbClr val="FFFFFF"/>
+                </a:solidFill>
+                <a:latin typeface="Arial Narrow" panose="020B0606020202030204" pitchFamily="34" charset="0"/>
+              </a:rPr>
+              <a:t>DIAPOSITIVA</a:t>
+            </a:r>
+            <a:r>
+              <a:rPr lang="es-ES_tradnl" altLang="es-ES" sz="800" dirty="0">
+                <a:solidFill>
+                  <a:srgbClr val="FFFFFF"/>
+                </a:solidFill>
+              </a:rPr>
+              <a:t> </a:t>
+            </a:r>
+            <a:fld id="{E4C275FF-0A0B-4646-8BBB-B5E655CF8361}" type="slidenum">
+              <a:rPr lang="es-ES_tradnl" altLang="es-ES" sz="1000">
+                <a:solidFill>
+                  <a:srgbClr val="FFFFFF"/>
+                </a:solidFill>
+                <a:latin typeface="Arial Narrow" panose="020B0606020202030204" pitchFamily="34" charset="0"/>
+              </a:rPr>
+              <a:pPr/>
+              <a:t>12</a:t>
+            </a:fld>
+            <a:endParaRPr lang="es-ES_tradnl" altLang="es-ES" sz="1000" dirty="0">
+              <a:solidFill>
+                <a:srgbClr val="FFFFFF"/>
+              </a:solidFill>
+              <a:latin typeface="Arial Narrow" panose="020B0606020202030204" pitchFamily="34" charset="0"/>
+            </a:endParaRPr>
+          </a:p>
+        </p:txBody>
+      </p:sp>
+      <p:sp>
+        <p:nvSpPr>
+          <p:cNvPr id="2" name="1 CuadroTexto"/>
+          <p:cNvSpPr txBox="1"/>
+          <p:nvPr/>
+        </p:nvSpPr>
+        <p:spPr>
+          <a:xfrm>
+            <a:off x="1343472" y="1340768"/>
+            <a:ext cx="9721080" cy="707886"/>
+          </a:xfrm>
+          <a:prstGeom prst="rect">
+            <a:avLst/>
+          </a:prstGeom>
+          <a:noFill/>
+        </p:spPr>
+        <p:txBody>
+          <a:bodyPr wrap="square" rtlCol="0">
+            <a:spAutoFit/>
+          </a:bodyPr>
+          <a:lstStyle/>
+          <a:p>
+            <a:pPr algn="ctr"/>
+            <a:r>
+              <a:rPr lang="es-ES" sz="4000" b="1" u="sng" dirty="0" smtClean="0">
+                <a:solidFill>
+                  <a:srgbClr val="000000"/>
+                </a:solidFill>
+              </a:rPr>
+              <a:t>DISEÑO DEL SOFTWARE</a:t>
+            </a:r>
+            <a:endParaRPr lang="es-ES" sz="4000" b="1" u="sng" dirty="0">
+              <a:solidFill>
+                <a:srgbClr val="000000"/>
+              </a:solidFill>
+            </a:endParaRPr>
+          </a:p>
+        </p:txBody>
+      </p:sp>
+      <p:sp>
+        <p:nvSpPr>
+          <p:cNvPr id="5" name="4 CuadroTexto"/>
+          <p:cNvSpPr txBox="1"/>
+          <p:nvPr/>
+        </p:nvSpPr>
+        <p:spPr>
+          <a:xfrm>
+            <a:off x="695400" y="2276872"/>
+            <a:ext cx="10657184" cy="830997"/>
+          </a:xfrm>
+          <a:prstGeom prst="rect">
+            <a:avLst/>
+          </a:prstGeom>
+          <a:noFill/>
+        </p:spPr>
+        <p:txBody>
+          <a:bodyPr wrap="square" rtlCol="0">
+            <a:spAutoFit/>
+          </a:bodyPr>
+          <a:lstStyle/>
+          <a:p>
+            <a:r>
+              <a:rPr lang="es-ES" dirty="0" smtClean="0">
+                <a:solidFill>
+                  <a:srgbClr val="000000"/>
+                </a:solidFill>
+              </a:rPr>
+              <a:t>Mediante dos códigos, el programa principal en </a:t>
+            </a:r>
+            <a:r>
+              <a:rPr lang="es-ES" dirty="0" err="1" smtClean="0">
+                <a:solidFill>
+                  <a:srgbClr val="000000"/>
+                </a:solidFill>
+              </a:rPr>
+              <a:t>arduino</a:t>
+            </a:r>
+            <a:r>
+              <a:rPr lang="es-ES" dirty="0" smtClean="0">
+                <a:solidFill>
+                  <a:srgbClr val="000000"/>
+                </a:solidFill>
+              </a:rPr>
+              <a:t> y el controlador en </a:t>
+            </a:r>
+            <a:r>
+              <a:rPr lang="es-ES" dirty="0" err="1" smtClean="0">
+                <a:solidFill>
+                  <a:srgbClr val="000000"/>
+                </a:solidFill>
+              </a:rPr>
+              <a:t>Dev</a:t>
+            </a:r>
+            <a:r>
+              <a:rPr lang="es-ES" dirty="0" smtClean="0">
+                <a:solidFill>
+                  <a:srgbClr val="000000"/>
+                </a:solidFill>
+              </a:rPr>
+              <a:t>-C++. </a:t>
+            </a:r>
+            <a:endParaRPr lang="es-ES" dirty="0">
+              <a:solidFill>
+                <a:srgbClr val="000000"/>
+              </a:solidFill>
+            </a:endParaRPr>
+          </a:p>
+        </p:txBody>
+      </p:sp>
+      <p:pic>
+        <p:nvPicPr>
+          <p:cNvPr id="3" name="2 Imagen"/>
+          <p:cNvPicPr>
+            <a:picLocks noChangeAspect="1"/>
+          </p:cNvPicPr>
+          <p:nvPr/>
+        </p:nvPicPr>
+        <p:blipFill>
+          <a:blip r:embed="rId3">
+            <a:clrChange>
+              <a:clrFrom>
+                <a:srgbClr val="FFFFFF"/>
+              </a:clrFrom>
+              <a:clrTo>
+                <a:srgbClr val="FFFFFF">
+                  <a:alpha val="0"/>
+                </a:srgbClr>
+              </a:clrTo>
+            </a:clrChange>
+            <a:extLst>
+              <a:ext uri="{28A0092B-C50C-407E-A947-70E740481C1C}">
+                <a14:useLocalDpi xmlns:a14="http://schemas.microsoft.com/office/drawing/2010/main" val="0"/>
+              </a:ext>
+            </a:extLst>
+          </a:blip>
+          <a:stretch>
+            <a:fillRect/>
+          </a:stretch>
+        </p:blipFill>
+        <p:spPr>
+          <a:xfrm>
+            <a:off x="2207568" y="3933056"/>
+            <a:ext cx="2619375" cy="1743075"/>
+          </a:xfrm>
+          <a:prstGeom prst="rect">
+            <a:avLst/>
+          </a:prstGeom>
+        </p:spPr>
+      </p:pic>
+      <p:pic>
+        <p:nvPicPr>
+          <p:cNvPr id="7" name="6 Imagen"/>
+          <p:cNvPicPr>
+            <a:picLocks noChangeAspect="1"/>
+          </p:cNvPicPr>
+          <p:nvPr/>
+        </p:nvPicPr>
+        <p:blipFill>
+          <a:blip r:embed="rId4">
+            <a:clrChange>
+              <a:clrFrom>
+                <a:srgbClr val="FFFFFF"/>
+              </a:clrFrom>
+              <a:clrTo>
+                <a:srgbClr val="FFFFFF">
+                  <a:alpha val="0"/>
+                </a:srgbClr>
+              </a:clrTo>
+            </a:clrChange>
+            <a:extLst>
+              <a:ext uri="{28A0092B-C50C-407E-A947-70E740481C1C}">
+                <a14:useLocalDpi xmlns:a14="http://schemas.microsoft.com/office/drawing/2010/main" val="0"/>
+              </a:ext>
+            </a:extLst>
+          </a:blip>
+          <a:stretch>
+            <a:fillRect/>
+          </a:stretch>
+        </p:blipFill>
+        <p:spPr>
+          <a:xfrm>
+            <a:off x="7392144" y="3428999"/>
+            <a:ext cx="2448273" cy="2448273"/>
+          </a:xfrm>
+          <a:prstGeom prst="rect">
+            <a:avLst/>
+          </a:prstGeom>
+        </p:spPr>
+      </p:pic>
+    </p:spTree>
+    <p:extLst>
+      <p:ext uri="{BB962C8B-B14F-4D97-AF65-F5344CB8AC3E}">
+        <p14:creationId xmlns:p14="http://schemas.microsoft.com/office/powerpoint/2010/main" val="1511045782"/>
+      </p:ext>
+    </p:extLst>
+  </p:cSld>
+  <p:clrMapOvr>
+    <a:masterClrMapping/>
+  </p:clrMapOvr>
+  <mc:AlternateContent xmlns:mc="http://schemas.openxmlformats.org/markup-compatibility/2006" xmlns:p14="http://schemas.microsoft.com/office/powerpoint/2010/main">
+    <mc:Choice Requires="p14">
+      <p:transition spd="med" p14:dur="700">
+        <p:fade/>
+      </p:transition>
+    </mc:Choice>
+    <mc:Fallback xmlns="">
+      <p:transition spd="med">
+        <p:fade/>
+      </p:transition>
+    </mc:Fallback>
+  </mc:AlternateContent>
+  <p:timing>
+    <p:tnLst>
+      <p:par>
+        <p:cTn id="1" dur="indefinite" restart="never" nodeType="tmRoot"/>
+      </p:par>
+    </p:tnLst>
+  </p:timing>
+</p:sld>
+</file>
+
+<file path=ppt/slides/slide14.xml><?xml version="1.0" encoding="utf-8"?>
+<p:sld xmlns:a="http://schemas.openxmlformats.org/drawingml/2006/main" xmlns:r="http://schemas.openxmlformats.org/officeDocument/2006/relationships" xmlns:p="http://schemas.openxmlformats.org/presentationml/2006/main">
+  <p:cSld>
+    <p:bg>
+      <p:bgPr>
+        <a:blipFill dpi="0" rotWithShape="0">
+          <a:blip r:embed="rId2"/>
+          <a:srcRect/>
+          <a:stretch>
+            <a:fillRect/>
+          </a:stretch>
+        </a:blipFill>
+        <a:effectLst/>
+      </p:bgPr>
+    </p:bg>
+    <p:spTree>
+      <p:nvGrpSpPr>
+        <p:cNvPr id="1" name=""/>
+        <p:cNvGrpSpPr/>
+        <p:nvPr/>
+      </p:nvGrpSpPr>
+      <p:grpSpPr>
+        <a:xfrm>
+          <a:off x="0" y="0"/>
+          <a:ext cx="0" cy="0"/>
+          <a:chOff x="0" y="0"/>
+          <a:chExt cx="0" cy="0"/>
+        </a:xfrm>
+      </p:grpSpPr>
+      <p:sp>
+        <p:nvSpPr>
+          <p:cNvPr id="4" name="Marcador de número de diapositiva 3">
+            <a:extLst>
+              <a:ext uri="{FF2B5EF4-FFF2-40B4-BE49-F238E27FC236}">
+                <a16:creationId xmlns:a16="http://schemas.microsoft.com/office/drawing/2014/main" xmlns="" id="{BECB6303-ACC1-42AB-BBD3-41DE888250F6}"/>
+              </a:ext>
+            </a:extLst>
+          </p:cNvPr>
+          <p:cNvSpPr>
+            <a:spLocks noGrp="1"/>
+          </p:cNvSpPr>
+          <p:nvPr>
+            <p:ph type="sldNum" sz="quarter" idx="10"/>
+          </p:nvPr>
+        </p:nvSpPr>
+        <p:spPr>
+          <a:extLst>
+            <a:ext uri="{FAA26D3D-D897-4be2-8F04-BA451C77F1D7}">
+              <ma14:placeholderFlag xmlns="" xmlns:ma14="http://schemas.microsoft.com/office/mac/drawingml/2011/main" val="1"/>
+            </a:ext>
+          </a:extLst>
+        </p:spPr>
+        <p:txBody>
+          <a:bodyPr/>
+          <a:lstStyle>
+            <a:lvl1pPr>
+              <a:defRPr sz="2400">
+                <a:solidFill>
+                  <a:schemeClr val="tx1"/>
+                </a:solidFill>
+                <a:latin typeface="Arial" panose="020B0604020202020204" pitchFamily="34" charset="0"/>
+                <a:ea typeface="MS PGothic" panose="020B0600070205080204" pitchFamily="34" charset="-128"/>
+              </a:defRPr>
+            </a:lvl1pPr>
+            <a:lvl2pPr marL="742950" indent="-285750">
+              <a:defRPr sz="2400">
+                <a:solidFill>
+                  <a:schemeClr val="tx1"/>
+                </a:solidFill>
+                <a:latin typeface="Arial" panose="020B0604020202020204" pitchFamily="34" charset="0"/>
+                <a:ea typeface="MS PGothic" panose="020B0600070205080204" pitchFamily="34" charset="-128"/>
+              </a:defRPr>
+            </a:lvl2pPr>
+            <a:lvl3pPr marL="1143000" indent="-228600">
+              <a:defRPr sz="2400">
+                <a:solidFill>
+                  <a:schemeClr val="tx1"/>
+                </a:solidFill>
+                <a:latin typeface="Arial" panose="020B0604020202020204" pitchFamily="34" charset="0"/>
+                <a:ea typeface="MS PGothic" panose="020B0600070205080204" pitchFamily="34" charset="-128"/>
+              </a:defRPr>
+            </a:lvl3pPr>
+            <a:lvl4pPr marL="1600200" indent="-228600">
+              <a:defRPr sz="2400">
+                <a:solidFill>
+                  <a:schemeClr val="tx1"/>
+                </a:solidFill>
+                <a:latin typeface="Arial" panose="020B0604020202020204" pitchFamily="34" charset="0"/>
+                <a:ea typeface="MS PGothic" panose="020B0600070205080204" pitchFamily="34" charset="-128"/>
+              </a:defRPr>
+            </a:lvl4pPr>
+            <a:lvl5pPr marL="2057400" indent="-228600">
+              <a:defRPr sz="2400">
+                <a:solidFill>
+                  <a:schemeClr val="tx1"/>
+                </a:solidFill>
+                <a:latin typeface="Arial" panose="020B0604020202020204" pitchFamily="34" charset="0"/>
+                <a:ea typeface="MS PGothic" panose="020B0600070205080204" pitchFamily="34" charset="-128"/>
+              </a:defRPr>
+            </a:lvl5pPr>
+            <a:lvl6pPr marL="2514600" indent="-228600" eaLnBrk="0" fontAlgn="base" hangingPunct="0">
+              <a:spcBef>
+                <a:spcPct val="0"/>
+              </a:spcBef>
+              <a:spcAft>
+                <a:spcPct val="0"/>
+              </a:spcAft>
+              <a:defRPr sz="2400">
+                <a:solidFill>
+                  <a:schemeClr val="tx1"/>
+                </a:solidFill>
+                <a:latin typeface="Arial" panose="020B0604020202020204" pitchFamily="34" charset="0"/>
+                <a:ea typeface="MS PGothic" panose="020B0600070205080204" pitchFamily="34" charset="-128"/>
+              </a:defRPr>
+            </a:lvl6pPr>
+            <a:lvl7pPr marL="2971800" indent="-228600" eaLnBrk="0" fontAlgn="base" hangingPunct="0">
+              <a:spcBef>
+                <a:spcPct val="0"/>
+              </a:spcBef>
+              <a:spcAft>
+                <a:spcPct val="0"/>
+              </a:spcAft>
+              <a:defRPr sz="2400">
+                <a:solidFill>
+                  <a:schemeClr val="tx1"/>
+                </a:solidFill>
+                <a:latin typeface="Arial" panose="020B0604020202020204" pitchFamily="34" charset="0"/>
+                <a:ea typeface="MS PGothic" panose="020B0600070205080204" pitchFamily="34" charset="-128"/>
+              </a:defRPr>
+            </a:lvl7pPr>
+            <a:lvl8pPr marL="3429000" indent="-228600" eaLnBrk="0" fontAlgn="base" hangingPunct="0">
+              <a:spcBef>
+                <a:spcPct val="0"/>
+              </a:spcBef>
+              <a:spcAft>
+                <a:spcPct val="0"/>
+              </a:spcAft>
+              <a:defRPr sz="2400">
+                <a:solidFill>
+                  <a:schemeClr val="tx1"/>
+                </a:solidFill>
+                <a:latin typeface="Arial" panose="020B0604020202020204" pitchFamily="34" charset="0"/>
+                <a:ea typeface="MS PGothic" panose="020B0600070205080204" pitchFamily="34" charset="-128"/>
+              </a:defRPr>
+            </a:lvl8pPr>
+            <a:lvl9pPr marL="3886200" indent="-228600" eaLnBrk="0" fontAlgn="base" hangingPunct="0">
+              <a:spcBef>
+                <a:spcPct val="0"/>
+              </a:spcBef>
+              <a:spcAft>
+                <a:spcPct val="0"/>
+              </a:spcAft>
+              <a:defRPr sz="2400">
+                <a:solidFill>
+                  <a:schemeClr val="tx1"/>
+                </a:solidFill>
+                <a:latin typeface="Arial" panose="020B0604020202020204" pitchFamily="34" charset="0"/>
+                <a:ea typeface="MS PGothic" panose="020B0600070205080204" pitchFamily="34" charset="-128"/>
+              </a:defRPr>
+            </a:lvl9pPr>
+          </a:lstStyle>
+          <a:p>
+            <a:r>
+              <a:rPr lang="es-ES_tradnl" altLang="es-ES" sz="1000" dirty="0">
+                <a:solidFill>
+                  <a:srgbClr val="FFFFFF"/>
+                </a:solidFill>
+                <a:latin typeface="Arial Narrow" panose="020B0606020202030204" pitchFamily="34" charset="0"/>
+              </a:rPr>
+              <a:t>DIAPOSITIVA</a:t>
+            </a:r>
+            <a:r>
+              <a:rPr lang="es-ES_tradnl" altLang="es-ES" sz="800" dirty="0">
+                <a:solidFill>
+                  <a:srgbClr val="FFFFFF"/>
+                </a:solidFill>
+              </a:rPr>
+              <a:t> </a:t>
+            </a:r>
+            <a:fld id="{E4C275FF-0A0B-4646-8BBB-B5E655CF8361}" type="slidenum">
+              <a:rPr lang="es-ES_tradnl" altLang="es-ES" sz="1000">
+                <a:solidFill>
+                  <a:srgbClr val="FFFFFF"/>
+                </a:solidFill>
+                <a:latin typeface="Arial Narrow" panose="020B0606020202030204" pitchFamily="34" charset="0"/>
+              </a:rPr>
+              <a:pPr/>
+              <a:t>13</a:t>
+            </a:fld>
+            <a:endParaRPr lang="es-ES_tradnl" altLang="es-ES" sz="1000" dirty="0">
+              <a:solidFill>
+                <a:srgbClr val="FFFFFF"/>
+              </a:solidFill>
+              <a:latin typeface="Arial Narrow" panose="020B0606020202030204" pitchFamily="34" charset="0"/>
+            </a:endParaRPr>
+          </a:p>
+        </p:txBody>
+      </p:sp>
+      <p:sp>
+        <p:nvSpPr>
+          <p:cNvPr id="2" name="1 CuadroTexto"/>
+          <p:cNvSpPr txBox="1"/>
+          <p:nvPr/>
+        </p:nvSpPr>
+        <p:spPr>
+          <a:xfrm>
+            <a:off x="1343472" y="1340768"/>
+            <a:ext cx="9721080" cy="461665"/>
+          </a:xfrm>
+          <a:prstGeom prst="rect">
+            <a:avLst/>
+          </a:prstGeom>
+          <a:noFill/>
+        </p:spPr>
+        <p:txBody>
+          <a:bodyPr wrap="square" rtlCol="0">
+            <a:spAutoFit/>
+          </a:bodyPr>
+          <a:lstStyle/>
+          <a:p>
+            <a:pPr marL="0" lvl="1" algn="ctr"/>
+            <a:r>
+              <a:rPr lang="es-ES" b="1" dirty="0"/>
+              <a:t>Aplicación de gobierno y desarrollo de ficheros. </a:t>
+            </a:r>
+            <a:r>
+              <a:rPr lang="es-ES" b="1" dirty="0" err="1"/>
+              <a:t>Dev</a:t>
+            </a:r>
+            <a:r>
+              <a:rPr lang="es-ES" b="1" dirty="0"/>
+              <a:t>-C</a:t>
+            </a:r>
+            <a:r>
+              <a:rPr lang="es-ES" b="1" dirty="0" smtClean="0"/>
+              <a:t>++.</a:t>
+            </a:r>
+            <a:endParaRPr lang="es-ES" sz="2000" dirty="0"/>
+          </a:p>
+        </p:txBody>
+      </p:sp>
+      <p:pic>
+        <p:nvPicPr>
+          <p:cNvPr id="7" name="6 Imagen"/>
+          <p:cNvPicPr/>
+          <p:nvPr/>
+        </p:nvPicPr>
+        <p:blipFill>
+          <a:blip r:embed="rId3" cstate="print">
+            <a:extLst>
+              <a:ext uri="{28A0092B-C50C-407E-A947-70E740481C1C}">
+                <a14:useLocalDpi xmlns:a14="http://schemas.microsoft.com/office/drawing/2010/main" val="0"/>
+              </a:ext>
+            </a:extLst>
+          </a:blip>
+          <a:srcRect/>
+          <a:stretch>
+            <a:fillRect/>
+          </a:stretch>
+        </p:blipFill>
+        <p:spPr bwMode="auto">
+          <a:xfrm>
+            <a:off x="2639616" y="1925819"/>
+            <a:ext cx="6372428" cy="4389715"/>
+          </a:xfrm>
+          <a:prstGeom prst="rect">
+            <a:avLst/>
+          </a:prstGeom>
+          <a:noFill/>
+          <a:ln>
+            <a:noFill/>
+          </a:ln>
+        </p:spPr>
+      </p:pic>
+    </p:spTree>
+    <p:extLst>
+      <p:ext uri="{BB962C8B-B14F-4D97-AF65-F5344CB8AC3E}">
+        <p14:creationId xmlns:p14="http://schemas.microsoft.com/office/powerpoint/2010/main" val="1511045782"/>
+      </p:ext>
+    </p:extLst>
+  </p:cSld>
+  <p:clrMapOvr>
+    <a:masterClrMapping/>
+  </p:clrMapOvr>
+  <mc:AlternateContent xmlns:mc="http://schemas.openxmlformats.org/markup-compatibility/2006" xmlns:p14="http://schemas.microsoft.com/office/powerpoint/2010/main">
+    <mc:Choice Requires="p14">
+      <p:transition spd="med" p14:dur="700">
+        <p:fade/>
+      </p:transition>
+    </mc:Choice>
+    <mc:Fallback xmlns="">
+      <p:transition spd="med">
+        <p:fade/>
+      </p:transition>
+    </mc:Fallback>
+  </mc:AlternateContent>
+  <p:timing>
+    <p:tnLst>
+      <p:par>
+        <p:cTn id="1" dur="indefinite" restart="never" nodeType="tmRoot"/>
+      </p:par>
+    </p:tnLst>
+  </p:timing>
+</p:sld>
+</file>
+
+<file path=ppt/slides/slide15.xml><?xml version="1.0" encoding="utf-8"?>
+<p:sld xmlns:a="http://schemas.openxmlformats.org/drawingml/2006/main" xmlns:r="http://schemas.openxmlformats.org/officeDocument/2006/relationships" xmlns:p="http://schemas.openxmlformats.org/presentationml/2006/main">
+  <p:cSld>
+    <p:bg>
+      <p:bgPr>
+        <a:blipFill dpi="0" rotWithShape="0">
+          <a:blip r:embed="rId2"/>
+          <a:srcRect/>
+          <a:stretch>
+            <a:fillRect/>
+          </a:stretch>
+        </a:blipFill>
+        <a:effectLst/>
+      </p:bgPr>
+    </p:bg>
+    <p:spTree>
+      <p:nvGrpSpPr>
+        <p:cNvPr id="1" name=""/>
+        <p:cNvGrpSpPr/>
+        <p:nvPr/>
+      </p:nvGrpSpPr>
+      <p:grpSpPr>
+        <a:xfrm>
+          <a:off x="0" y="0"/>
+          <a:ext cx="0" cy="0"/>
+          <a:chOff x="0" y="0"/>
+          <a:chExt cx="0" cy="0"/>
+        </a:xfrm>
+      </p:grpSpPr>
+      <p:sp>
+        <p:nvSpPr>
+          <p:cNvPr id="4" name="Marcador de número de diapositiva 3">
+            <a:extLst>
+              <a:ext uri="{FF2B5EF4-FFF2-40B4-BE49-F238E27FC236}">
+                <a16:creationId xmlns:a16="http://schemas.microsoft.com/office/drawing/2014/main" xmlns="" id="{BECB6303-ACC1-42AB-BBD3-41DE888250F6}"/>
+              </a:ext>
+            </a:extLst>
+          </p:cNvPr>
+          <p:cNvSpPr>
+            <a:spLocks noGrp="1"/>
+          </p:cNvSpPr>
+          <p:nvPr>
+            <p:ph type="sldNum" sz="quarter" idx="10"/>
+          </p:nvPr>
+        </p:nvSpPr>
+        <p:spPr>
+          <a:extLst>
+            <a:ext uri="{FAA26D3D-D897-4be2-8F04-BA451C77F1D7}">
+              <ma14:placeholderFlag xmlns="" xmlns:ma14="http://schemas.microsoft.com/office/mac/drawingml/2011/main" val="1"/>
+            </a:ext>
+          </a:extLst>
+        </p:spPr>
+        <p:txBody>
+          <a:bodyPr/>
+          <a:lstStyle>
+            <a:lvl1pPr>
+              <a:defRPr sz="2400">
+                <a:solidFill>
+                  <a:schemeClr val="tx1"/>
+                </a:solidFill>
+                <a:latin typeface="Arial" panose="020B0604020202020204" pitchFamily="34" charset="0"/>
+                <a:ea typeface="MS PGothic" panose="020B0600070205080204" pitchFamily="34" charset="-128"/>
+              </a:defRPr>
+            </a:lvl1pPr>
+            <a:lvl2pPr marL="742950" indent="-285750">
+              <a:defRPr sz="2400">
+                <a:solidFill>
+                  <a:schemeClr val="tx1"/>
+                </a:solidFill>
+                <a:latin typeface="Arial" panose="020B0604020202020204" pitchFamily="34" charset="0"/>
+                <a:ea typeface="MS PGothic" panose="020B0600070205080204" pitchFamily="34" charset="-128"/>
+              </a:defRPr>
+            </a:lvl2pPr>
+            <a:lvl3pPr marL="1143000" indent="-228600">
+              <a:defRPr sz="2400">
+                <a:solidFill>
+                  <a:schemeClr val="tx1"/>
+                </a:solidFill>
+                <a:latin typeface="Arial" panose="020B0604020202020204" pitchFamily="34" charset="0"/>
+                <a:ea typeface="MS PGothic" panose="020B0600070205080204" pitchFamily="34" charset="-128"/>
+              </a:defRPr>
+            </a:lvl3pPr>
+            <a:lvl4pPr marL="1600200" indent="-228600">
+              <a:defRPr sz="2400">
+                <a:solidFill>
+                  <a:schemeClr val="tx1"/>
+                </a:solidFill>
+                <a:latin typeface="Arial" panose="020B0604020202020204" pitchFamily="34" charset="0"/>
+                <a:ea typeface="MS PGothic" panose="020B0600070205080204" pitchFamily="34" charset="-128"/>
+              </a:defRPr>
+            </a:lvl4pPr>
+            <a:lvl5pPr marL="2057400" indent="-228600">
+              <a:defRPr sz="2400">
+                <a:solidFill>
+                  <a:schemeClr val="tx1"/>
+                </a:solidFill>
+                <a:latin typeface="Arial" panose="020B0604020202020204" pitchFamily="34" charset="0"/>
+                <a:ea typeface="MS PGothic" panose="020B0600070205080204" pitchFamily="34" charset="-128"/>
+              </a:defRPr>
+            </a:lvl5pPr>
+            <a:lvl6pPr marL="2514600" indent="-228600" eaLnBrk="0" fontAlgn="base" hangingPunct="0">
+              <a:spcBef>
+                <a:spcPct val="0"/>
+              </a:spcBef>
+              <a:spcAft>
+                <a:spcPct val="0"/>
+              </a:spcAft>
+              <a:defRPr sz="2400">
+                <a:solidFill>
+                  <a:schemeClr val="tx1"/>
+                </a:solidFill>
+                <a:latin typeface="Arial" panose="020B0604020202020204" pitchFamily="34" charset="0"/>
+                <a:ea typeface="MS PGothic" panose="020B0600070205080204" pitchFamily="34" charset="-128"/>
+              </a:defRPr>
+            </a:lvl6pPr>
+            <a:lvl7pPr marL="2971800" indent="-228600" eaLnBrk="0" fontAlgn="base" hangingPunct="0">
+              <a:spcBef>
+                <a:spcPct val="0"/>
+              </a:spcBef>
+              <a:spcAft>
+                <a:spcPct val="0"/>
+              </a:spcAft>
+              <a:defRPr sz="2400">
+                <a:solidFill>
+                  <a:schemeClr val="tx1"/>
+                </a:solidFill>
+                <a:latin typeface="Arial" panose="020B0604020202020204" pitchFamily="34" charset="0"/>
+                <a:ea typeface="MS PGothic" panose="020B0600070205080204" pitchFamily="34" charset="-128"/>
+              </a:defRPr>
+            </a:lvl7pPr>
+            <a:lvl8pPr marL="3429000" indent="-228600" eaLnBrk="0" fontAlgn="base" hangingPunct="0">
+              <a:spcBef>
+                <a:spcPct val="0"/>
+              </a:spcBef>
+              <a:spcAft>
+                <a:spcPct val="0"/>
+              </a:spcAft>
+              <a:defRPr sz="2400">
+                <a:solidFill>
+                  <a:schemeClr val="tx1"/>
+                </a:solidFill>
+                <a:latin typeface="Arial" panose="020B0604020202020204" pitchFamily="34" charset="0"/>
+                <a:ea typeface="MS PGothic" panose="020B0600070205080204" pitchFamily="34" charset="-128"/>
+              </a:defRPr>
+            </a:lvl8pPr>
+            <a:lvl9pPr marL="3886200" indent="-228600" eaLnBrk="0" fontAlgn="base" hangingPunct="0">
+              <a:spcBef>
+                <a:spcPct val="0"/>
+              </a:spcBef>
+              <a:spcAft>
+                <a:spcPct val="0"/>
+              </a:spcAft>
+              <a:defRPr sz="2400">
+                <a:solidFill>
+                  <a:schemeClr val="tx1"/>
+                </a:solidFill>
+                <a:latin typeface="Arial" panose="020B0604020202020204" pitchFamily="34" charset="0"/>
+                <a:ea typeface="MS PGothic" panose="020B0600070205080204" pitchFamily="34" charset="-128"/>
+              </a:defRPr>
+            </a:lvl9pPr>
+          </a:lstStyle>
+          <a:p>
+            <a:r>
+              <a:rPr lang="es-ES_tradnl" altLang="es-ES" sz="1000" dirty="0">
+                <a:solidFill>
+                  <a:srgbClr val="FFFFFF"/>
+                </a:solidFill>
+                <a:latin typeface="Arial Narrow" panose="020B0606020202030204" pitchFamily="34" charset="0"/>
+              </a:rPr>
+              <a:t>DIAPOSITIVA</a:t>
+            </a:r>
+            <a:r>
+              <a:rPr lang="es-ES_tradnl" altLang="es-ES" sz="800" dirty="0">
+                <a:solidFill>
+                  <a:srgbClr val="FFFFFF"/>
+                </a:solidFill>
+              </a:rPr>
+              <a:t> </a:t>
+            </a:r>
+            <a:fld id="{E4C275FF-0A0B-4646-8BBB-B5E655CF8361}" type="slidenum">
+              <a:rPr lang="es-ES_tradnl" altLang="es-ES" sz="1000">
+                <a:solidFill>
+                  <a:srgbClr val="FFFFFF"/>
+                </a:solidFill>
+                <a:latin typeface="Arial Narrow" panose="020B0606020202030204" pitchFamily="34" charset="0"/>
+              </a:rPr>
+              <a:pPr/>
+              <a:t>14</a:t>
+            </a:fld>
+            <a:endParaRPr lang="es-ES_tradnl" altLang="es-ES" sz="1000" dirty="0">
+              <a:solidFill>
+                <a:srgbClr val="FFFFFF"/>
+              </a:solidFill>
+              <a:latin typeface="Arial Narrow" panose="020B0606020202030204" pitchFamily="34" charset="0"/>
+            </a:endParaRPr>
+          </a:p>
+        </p:txBody>
+      </p:sp>
+      <p:sp>
+        <p:nvSpPr>
+          <p:cNvPr id="2" name="1 CuadroTexto"/>
+          <p:cNvSpPr txBox="1"/>
+          <p:nvPr/>
+        </p:nvSpPr>
+        <p:spPr>
+          <a:xfrm>
+            <a:off x="1343472" y="1340768"/>
+            <a:ext cx="9721080" cy="400110"/>
+          </a:xfrm>
+          <a:prstGeom prst="rect">
+            <a:avLst/>
+          </a:prstGeom>
+          <a:noFill/>
+        </p:spPr>
+        <p:txBody>
+          <a:bodyPr wrap="square" rtlCol="0">
+            <a:spAutoFit/>
+          </a:bodyPr>
+          <a:lstStyle/>
+          <a:p>
+            <a:pPr marL="0" lvl="1" algn="ctr"/>
+            <a:r>
+              <a:rPr lang="es-ES" sz="2000" b="1" dirty="0"/>
+              <a:t>Aplicación de </a:t>
+            </a:r>
+            <a:r>
+              <a:rPr lang="es-ES" sz="2000" b="1" dirty="0" err="1"/>
+              <a:t>microcontrolador</a:t>
+            </a:r>
+            <a:r>
+              <a:rPr lang="es-ES" sz="2000" b="1" dirty="0"/>
+              <a:t>. </a:t>
+            </a:r>
+            <a:r>
+              <a:rPr lang="es-ES" sz="2000" b="1" dirty="0" err="1"/>
+              <a:t>Arduino</a:t>
+            </a:r>
+            <a:r>
+              <a:rPr lang="es-ES" sz="2000" b="1" dirty="0" smtClean="0"/>
+              <a:t>.</a:t>
+            </a:r>
+            <a:endParaRPr lang="es-ES" sz="2000" dirty="0"/>
+          </a:p>
+        </p:txBody>
+      </p:sp>
+      <p:pic>
+        <p:nvPicPr>
+          <p:cNvPr id="5" name="4 Imagen"/>
+          <p:cNvPicPr/>
+          <p:nvPr/>
+        </p:nvPicPr>
+        <p:blipFill rotWithShape="1">
+          <a:blip r:embed="rId3">
+            <a:extLst>
+              <a:ext uri="{28A0092B-C50C-407E-A947-70E740481C1C}">
+                <a14:useLocalDpi xmlns:a14="http://schemas.microsoft.com/office/drawing/2010/main" val="0"/>
+              </a:ext>
+            </a:extLst>
+          </a:blip>
+          <a:srcRect l="26283" t="33571" r="25916" b="9328"/>
+          <a:stretch/>
+        </p:blipFill>
+        <p:spPr bwMode="auto">
+          <a:xfrm>
+            <a:off x="1127448" y="1988840"/>
+            <a:ext cx="9937103" cy="4506887"/>
+          </a:xfrm>
+          <a:prstGeom prst="rect">
+            <a:avLst/>
+          </a:prstGeom>
+          <a:ln>
+            <a:noFill/>
+          </a:ln>
+          <a:extLst>
+            <a:ext uri="{53640926-AAD7-44D8-BBD7-CCE9431645EC}">
+              <a14:shadowObscured xmlns:a14="http://schemas.microsoft.com/office/drawing/2010/main"/>
+            </a:ext>
+          </a:extLst>
+        </p:spPr>
+      </p:pic>
+    </p:spTree>
+    <p:extLst>
+      <p:ext uri="{BB962C8B-B14F-4D97-AF65-F5344CB8AC3E}">
+        <p14:creationId xmlns:p14="http://schemas.microsoft.com/office/powerpoint/2010/main" val="3805108011"/>
+      </p:ext>
+    </p:extLst>
+  </p:cSld>
+  <p:clrMapOvr>
+    <a:masterClrMapping/>
+  </p:clrMapOvr>
+  <mc:AlternateContent xmlns:mc="http://schemas.openxmlformats.org/markup-compatibility/2006" xmlns:p14="http://schemas.microsoft.com/office/powerpoint/2010/main">
+    <mc:Choice Requires="p14">
+      <p:transition spd="med" p14:dur="700">
+        <p:fade/>
+      </p:transition>
+    </mc:Choice>
+    <mc:Fallback xmlns="">
+      <p:transition spd="med">
+        <p:fade/>
+      </p:transition>
+    </mc:Fallback>
+  </mc:AlternateContent>
+  <p:timing>
+    <p:tnLst>
+      <p:par>
+        <p:cTn id="1" dur="indefinite" restart="never" nodeType="tmRoot"/>
+      </p:par>
+    </p:tnLst>
+  </p:timing>
+</p:sld>
+</file>
+
+<file path=ppt/slides/slide16.xml><?xml version="1.0" encoding="utf-8"?>
+<p:sld xmlns:a="http://schemas.openxmlformats.org/drawingml/2006/main" xmlns:r="http://schemas.openxmlformats.org/officeDocument/2006/relationships" xmlns:p="http://schemas.openxmlformats.org/presentationml/2006/main">
+  <p:cSld>
+    <p:bg>
+      <p:bgPr>
+        <a:blipFill dpi="0" rotWithShape="0">
+          <a:blip r:embed="rId2"/>
+          <a:srcRect/>
+          <a:stretch>
+            <a:fillRect/>
+          </a:stretch>
+        </a:blipFill>
+        <a:effectLst/>
+      </p:bgPr>
+    </p:bg>
+    <p:spTree>
+      <p:nvGrpSpPr>
+        <p:cNvPr id="1" name=""/>
+        <p:cNvGrpSpPr/>
+        <p:nvPr/>
+      </p:nvGrpSpPr>
+      <p:grpSpPr>
+        <a:xfrm>
+          <a:off x="0" y="0"/>
+          <a:ext cx="0" cy="0"/>
+          <a:chOff x="0" y="0"/>
+          <a:chExt cx="0" cy="0"/>
+        </a:xfrm>
+      </p:grpSpPr>
+      <p:sp>
+        <p:nvSpPr>
+          <p:cNvPr id="4" name="Marcador de número de diapositiva 3">
+            <a:extLst>
+              <a:ext uri="{FF2B5EF4-FFF2-40B4-BE49-F238E27FC236}">
+                <a16:creationId xmlns:a16="http://schemas.microsoft.com/office/drawing/2014/main" xmlns="" id="{BECB6303-ACC1-42AB-BBD3-41DE888250F6}"/>
+              </a:ext>
+            </a:extLst>
+          </p:cNvPr>
+          <p:cNvSpPr>
+            <a:spLocks noGrp="1"/>
+          </p:cNvSpPr>
+          <p:nvPr>
+            <p:ph type="sldNum" sz="quarter" idx="10"/>
+          </p:nvPr>
+        </p:nvSpPr>
+        <p:spPr>
+          <a:extLst>
+            <a:ext uri="{FAA26D3D-D897-4be2-8F04-BA451C77F1D7}">
+              <ma14:placeholderFlag xmlns="" xmlns:ma14="http://schemas.microsoft.com/office/mac/drawingml/2011/main" val="1"/>
+            </a:ext>
+          </a:extLst>
+        </p:spPr>
+        <p:txBody>
+          <a:bodyPr/>
+          <a:lstStyle>
+            <a:lvl1pPr>
+              <a:defRPr sz="2400">
+                <a:solidFill>
+                  <a:schemeClr val="tx1"/>
+                </a:solidFill>
+                <a:latin typeface="Arial" panose="020B0604020202020204" pitchFamily="34" charset="0"/>
+                <a:ea typeface="MS PGothic" panose="020B0600070205080204" pitchFamily="34" charset="-128"/>
+              </a:defRPr>
+            </a:lvl1pPr>
+            <a:lvl2pPr marL="742950" indent="-285750">
+              <a:defRPr sz="2400">
+                <a:solidFill>
+                  <a:schemeClr val="tx1"/>
+                </a:solidFill>
+                <a:latin typeface="Arial" panose="020B0604020202020204" pitchFamily="34" charset="0"/>
+                <a:ea typeface="MS PGothic" panose="020B0600070205080204" pitchFamily="34" charset="-128"/>
+              </a:defRPr>
+            </a:lvl2pPr>
+            <a:lvl3pPr marL="1143000" indent="-228600">
+              <a:defRPr sz="2400">
+                <a:solidFill>
+                  <a:schemeClr val="tx1"/>
+                </a:solidFill>
+                <a:latin typeface="Arial" panose="020B0604020202020204" pitchFamily="34" charset="0"/>
+                <a:ea typeface="MS PGothic" panose="020B0600070205080204" pitchFamily="34" charset="-128"/>
+              </a:defRPr>
+            </a:lvl3pPr>
+            <a:lvl4pPr marL="1600200" indent="-228600">
+              <a:defRPr sz="2400">
+                <a:solidFill>
+                  <a:schemeClr val="tx1"/>
+                </a:solidFill>
+                <a:latin typeface="Arial" panose="020B0604020202020204" pitchFamily="34" charset="0"/>
+                <a:ea typeface="MS PGothic" panose="020B0600070205080204" pitchFamily="34" charset="-128"/>
+              </a:defRPr>
+            </a:lvl4pPr>
+            <a:lvl5pPr marL="2057400" indent="-228600">
+              <a:defRPr sz="2400">
+                <a:solidFill>
+                  <a:schemeClr val="tx1"/>
+                </a:solidFill>
+                <a:latin typeface="Arial" panose="020B0604020202020204" pitchFamily="34" charset="0"/>
+                <a:ea typeface="MS PGothic" panose="020B0600070205080204" pitchFamily="34" charset="-128"/>
+              </a:defRPr>
+            </a:lvl5pPr>
+            <a:lvl6pPr marL="2514600" indent="-228600" eaLnBrk="0" fontAlgn="base" hangingPunct="0">
+              <a:spcBef>
+                <a:spcPct val="0"/>
+              </a:spcBef>
+              <a:spcAft>
+                <a:spcPct val="0"/>
+              </a:spcAft>
+              <a:defRPr sz="2400">
+                <a:solidFill>
+                  <a:schemeClr val="tx1"/>
+                </a:solidFill>
+                <a:latin typeface="Arial" panose="020B0604020202020204" pitchFamily="34" charset="0"/>
+                <a:ea typeface="MS PGothic" panose="020B0600070205080204" pitchFamily="34" charset="-128"/>
+              </a:defRPr>
+            </a:lvl6pPr>
+            <a:lvl7pPr marL="2971800" indent="-228600" eaLnBrk="0" fontAlgn="base" hangingPunct="0">
+              <a:spcBef>
+                <a:spcPct val="0"/>
+              </a:spcBef>
+              <a:spcAft>
+                <a:spcPct val="0"/>
+              </a:spcAft>
+              <a:defRPr sz="2400">
+                <a:solidFill>
+                  <a:schemeClr val="tx1"/>
+                </a:solidFill>
+                <a:latin typeface="Arial" panose="020B0604020202020204" pitchFamily="34" charset="0"/>
+                <a:ea typeface="MS PGothic" panose="020B0600070205080204" pitchFamily="34" charset="-128"/>
+              </a:defRPr>
+            </a:lvl7pPr>
+            <a:lvl8pPr marL="3429000" indent="-228600" eaLnBrk="0" fontAlgn="base" hangingPunct="0">
+              <a:spcBef>
+                <a:spcPct val="0"/>
+              </a:spcBef>
+              <a:spcAft>
+                <a:spcPct val="0"/>
+              </a:spcAft>
+              <a:defRPr sz="2400">
+                <a:solidFill>
+                  <a:schemeClr val="tx1"/>
+                </a:solidFill>
+                <a:latin typeface="Arial" panose="020B0604020202020204" pitchFamily="34" charset="0"/>
+                <a:ea typeface="MS PGothic" panose="020B0600070205080204" pitchFamily="34" charset="-128"/>
+              </a:defRPr>
+            </a:lvl8pPr>
+            <a:lvl9pPr marL="3886200" indent="-228600" eaLnBrk="0" fontAlgn="base" hangingPunct="0">
+              <a:spcBef>
+                <a:spcPct val="0"/>
+              </a:spcBef>
+              <a:spcAft>
+                <a:spcPct val="0"/>
+              </a:spcAft>
+              <a:defRPr sz="2400">
+                <a:solidFill>
+                  <a:schemeClr val="tx1"/>
+                </a:solidFill>
+                <a:latin typeface="Arial" panose="020B0604020202020204" pitchFamily="34" charset="0"/>
+                <a:ea typeface="MS PGothic" panose="020B0600070205080204" pitchFamily="34" charset="-128"/>
+              </a:defRPr>
+            </a:lvl9pPr>
+          </a:lstStyle>
+          <a:p>
+            <a:r>
+              <a:rPr lang="es-ES_tradnl" altLang="es-ES" sz="1000" dirty="0">
+                <a:solidFill>
+                  <a:srgbClr val="FFFFFF"/>
+                </a:solidFill>
+                <a:latin typeface="Arial Narrow" panose="020B0606020202030204" pitchFamily="34" charset="0"/>
+              </a:rPr>
+              <a:t>DIAPOSITIVA</a:t>
+            </a:r>
+            <a:r>
+              <a:rPr lang="es-ES_tradnl" altLang="es-ES" sz="800" dirty="0">
+                <a:solidFill>
+                  <a:srgbClr val="FFFFFF"/>
+                </a:solidFill>
+              </a:rPr>
+              <a:t> </a:t>
+            </a:r>
+            <a:fld id="{E4C275FF-0A0B-4646-8BBB-B5E655CF8361}" type="slidenum">
+              <a:rPr lang="es-ES_tradnl" altLang="es-ES" sz="1000">
+                <a:solidFill>
+                  <a:srgbClr val="FFFFFF"/>
+                </a:solidFill>
+                <a:latin typeface="Arial Narrow" panose="020B0606020202030204" pitchFamily="34" charset="0"/>
+              </a:rPr>
+              <a:pPr/>
+              <a:t>15</a:t>
+            </a:fld>
+            <a:endParaRPr lang="es-ES_tradnl" altLang="es-ES" sz="1000" dirty="0">
+              <a:solidFill>
+                <a:srgbClr val="FFFFFF"/>
+              </a:solidFill>
+              <a:latin typeface="Arial Narrow" panose="020B0606020202030204" pitchFamily="34" charset="0"/>
+            </a:endParaRPr>
+          </a:p>
+        </p:txBody>
+      </p:sp>
+      <p:sp>
+        <p:nvSpPr>
+          <p:cNvPr id="2" name="1 CuadroTexto"/>
+          <p:cNvSpPr txBox="1"/>
+          <p:nvPr/>
+        </p:nvSpPr>
+        <p:spPr>
+          <a:xfrm>
+            <a:off x="1343472" y="1340768"/>
+            <a:ext cx="9721080" cy="707886"/>
+          </a:xfrm>
+          <a:prstGeom prst="rect">
+            <a:avLst/>
+          </a:prstGeom>
+          <a:noFill/>
+        </p:spPr>
+        <p:txBody>
+          <a:bodyPr wrap="square" rtlCol="0">
+            <a:spAutoFit/>
+          </a:bodyPr>
+          <a:lstStyle/>
+          <a:p>
+            <a:pPr lvl="0"/>
+            <a:r>
+              <a:rPr lang="es-ES" sz="3600" b="1" u="sng" dirty="0"/>
+              <a:t>FUTURAS APORTACIONES AL TRABAJO</a:t>
+            </a:r>
+            <a:r>
+              <a:rPr lang="es-ES" sz="4000" b="1" dirty="0"/>
+              <a:t>.</a:t>
+            </a:r>
+            <a:endParaRPr lang="es-ES" sz="4000" dirty="0"/>
+          </a:p>
+        </p:txBody>
+      </p:sp>
+      <p:sp>
+        <p:nvSpPr>
+          <p:cNvPr id="6" name="5 CuadroTexto"/>
+          <p:cNvSpPr txBox="1"/>
+          <p:nvPr/>
+        </p:nvSpPr>
+        <p:spPr>
+          <a:xfrm>
+            <a:off x="695400" y="2276872"/>
+            <a:ext cx="10369152" cy="4154984"/>
+          </a:xfrm>
+          <a:prstGeom prst="rect">
+            <a:avLst/>
+          </a:prstGeom>
+          <a:noFill/>
+        </p:spPr>
+        <p:txBody>
+          <a:bodyPr wrap="square" rtlCol="0">
+            <a:spAutoFit/>
+          </a:bodyPr>
+          <a:lstStyle/>
+          <a:p>
+            <a:pPr marL="342900" lvl="0" indent="-342900">
+              <a:buFont typeface="Arial" pitchFamily="34" charset="0"/>
+              <a:buChar char="•"/>
+            </a:pPr>
+            <a:r>
+              <a:rPr lang="es-ES" dirty="0"/>
+              <a:t>Que la persiana </a:t>
+            </a:r>
+            <a:r>
+              <a:rPr lang="es-ES" dirty="0" smtClean="0"/>
+              <a:t>funcione con </a:t>
+            </a:r>
+            <a:r>
+              <a:rPr lang="es-ES" dirty="0"/>
+              <a:t>el LDR.</a:t>
+            </a:r>
+          </a:p>
+          <a:p>
+            <a:pPr marL="342900" lvl="0" indent="-342900">
+              <a:buFont typeface="Arial" pitchFamily="34" charset="0"/>
+              <a:buChar char="•"/>
+            </a:pPr>
+            <a:r>
+              <a:rPr lang="es-ES" dirty="0"/>
+              <a:t>Que la puerta no se abra solo al introducir un </a:t>
+            </a:r>
+            <a:r>
+              <a:rPr lang="es-ES" dirty="0" smtClean="0"/>
+              <a:t>dígito, si no una contraseña</a:t>
+            </a:r>
+            <a:endParaRPr lang="es-ES" dirty="0"/>
+          </a:p>
+          <a:p>
+            <a:pPr marL="342900" lvl="0" indent="-342900">
+              <a:buFont typeface="Arial" pitchFamily="34" charset="0"/>
+              <a:buChar char="•"/>
+            </a:pPr>
+            <a:r>
+              <a:rPr lang="es-ES" dirty="0"/>
+              <a:t>Que el LED no funcionase con el LDR y con el sensor de presencia, sino en función de la persiana, que ya lleva integrado en su función el LDR.</a:t>
+            </a:r>
+          </a:p>
+          <a:p>
+            <a:pPr marL="342900" lvl="0" indent="-342900">
+              <a:buFont typeface="Arial" pitchFamily="34" charset="0"/>
+              <a:buChar char="•"/>
+            </a:pPr>
+            <a:r>
+              <a:rPr lang="es-ES" dirty="0"/>
+              <a:t>Incluir nuevos componentes como sensores de temperatura que active un motor como </a:t>
+            </a:r>
+            <a:r>
+              <a:rPr lang="es-ES" dirty="0" smtClean="0"/>
+              <a:t>ventilador.</a:t>
+            </a:r>
+            <a:endParaRPr lang="es-ES" dirty="0"/>
+          </a:p>
+          <a:p>
+            <a:pPr marL="342900" lvl="0" indent="-342900">
+              <a:buFont typeface="Arial" pitchFamily="34" charset="0"/>
+              <a:buChar char="•"/>
+            </a:pPr>
+            <a:r>
+              <a:rPr lang="es-ES" dirty="0"/>
+              <a:t>Pulsadores e interruptores que también permitan el gobierno por parte del usuario en la habitación.</a:t>
+            </a:r>
+          </a:p>
+          <a:p>
+            <a:endParaRPr lang="es-ES" dirty="0">
+              <a:solidFill>
+                <a:srgbClr val="000000"/>
+              </a:solidFill>
+            </a:endParaRPr>
+          </a:p>
+        </p:txBody>
+      </p:sp>
+    </p:spTree>
+    <p:extLst>
+      <p:ext uri="{BB962C8B-B14F-4D97-AF65-F5344CB8AC3E}">
+        <p14:creationId xmlns:p14="http://schemas.microsoft.com/office/powerpoint/2010/main" val="2504580260"/>
+      </p:ext>
+    </p:extLst>
+  </p:cSld>
+  <p:clrMapOvr>
+    <a:masterClrMapping/>
+  </p:clrMapOvr>
+  <mc:AlternateContent xmlns:mc="http://schemas.openxmlformats.org/markup-compatibility/2006" xmlns:p14="http://schemas.microsoft.com/office/powerpoint/2010/main">
+    <mc:Choice Requires="p14">
+      <p:transition spd="med" p14:dur="700">
+        <p:fade/>
+      </p:transition>
+    </mc:Choice>
+    <mc:Fallback xmlns="">
+      <p:transition spd="med">
+        <p:fade/>
+      </p:transition>
+    </mc:Fallback>
+  </mc:AlternateContent>
+  <p:timing>
+    <p:tnLst>
+      <p:par>
+        <p:cTn id="1" dur="indefinite" restart="never" nodeType="tmRoot"/>
+      </p:par>
+    </p:tnLst>
+  </p:timing>
+</p:sld>
+</file>
+
+<file path=ppt/slides/slide17.xml><?xml version="1.0" encoding="utf-8"?>
+<p:sld xmlns:a="http://schemas.openxmlformats.org/drawingml/2006/main" xmlns:r="http://schemas.openxmlformats.org/officeDocument/2006/relationships" xmlns:p="http://schemas.openxmlformats.org/presentationml/2006/main">
+  <p:cSld>
+    <p:bg>
+      <p:bgPr>
+        <a:blipFill dpi="0" rotWithShape="0">
+          <a:blip r:embed="rId2"/>
+          <a:srcRect/>
+          <a:stretch>
+            <a:fillRect/>
+          </a:stretch>
+        </a:blipFill>
+        <a:effectLst/>
+      </p:bgPr>
+    </p:bg>
+    <p:spTree>
+      <p:nvGrpSpPr>
+        <p:cNvPr id="1" name=""/>
+        <p:cNvGrpSpPr/>
+        <p:nvPr/>
+      </p:nvGrpSpPr>
+      <p:grpSpPr>
+        <a:xfrm>
+          <a:off x="0" y="0"/>
+          <a:ext cx="0" cy="0"/>
+          <a:chOff x="0" y="0"/>
+          <a:chExt cx="0" cy="0"/>
+        </a:xfrm>
+      </p:grpSpPr>
+      <p:sp>
+        <p:nvSpPr>
+          <p:cNvPr id="4" name="Marcador de número de diapositiva 3">
+            <a:extLst>
+              <a:ext uri="{FF2B5EF4-FFF2-40B4-BE49-F238E27FC236}">
+                <a16:creationId xmlns:a16="http://schemas.microsoft.com/office/drawing/2014/main" xmlns="" id="{BECB6303-ACC1-42AB-BBD3-41DE888250F6}"/>
+              </a:ext>
+            </a:extLst>
+          </p:cNvPr>
+          <p:cNvSpPr>
+            <a:spLocks noGrp="1"/>
+          </p:cNvSpPr>
+          <p:nvPr>
+            <p:ph type="sldNum" sz="quarter" idx="10"/>
+          </p:nvPr>
+        </p:nvSpPr>
+        <p:spPr>
+          <a:extLst>
+            <a:ext uri="{FAA26D3D-D897-4be2-8F04-BA451C77F1D7}">
+              <ma14:placeholderFlag xmlns="" xmlns:ma14="http://schemas.microsoft.com/office/mac/drawingml/2011/main" val="1"/>
+            </a:ext>
+          </a:extLst>
+        </p:spPr>
+        <p:txBody>
+          <a:bodyPr/>
+          <a:lstStyle>
+            <a:lvl1pPr>
+              <a:defRPr sz="2400">
+                <a:solidFill>
+                  <a:schemeClr val="tx1"/>
+                </a:solidFill>
+                <a:latin typeface="Arial" panose="020B0604020202020204" pitchFamily="34" charset="0"/>
+                <a:ea typeface="MS PGothic" panose="020B0600070205080204" pitchFamily="34" charset="-128"/>
+              </a:defRPr>
+            </a:lvl1pPr>
+            <a:lvl2pPr marL="742950" indent="-285750">
+              <a:defRPr sz="2400">
+                <a:solidFill>
+                  <a:schemeClr val="tx1"/>
+                </a:solidFill>
+                <a:latin typeface="Arial" panose="020B0604020202020204" pitchFamily="34" charset="0"/>
+                <a:ea typeface="MS PGothic" panose="020B0600070205080204" pitchFamily="34" charset="-128"/>
+              </a:defRPr>
+            </a:lvl2pPr>
+            <a:lvl3pPr marL="1143000" indent="-228600">
+              <a:defRPr sz="2400">
+                <a:solidFill>
+                  <a:schemeClr val="tx1"/>
+                </a:solidFill>
+                <a:latin typeface="Arial" panose="020B0604020202020204" pitchFamily="34" charset="0"/>
+                <a:ea typeface="MS PGothic" panose="020B0600070205080204" pitchFamily="34" charset="-128"/>
+              </a:defRPr>
+            </a:lvl3pPr>
+            <a:lvl4pPr marL="1600200" indent="-228600">
+              <a:defRPr sz="2400">
+                <a:solidFill>
+                  <a:schemeClr val="tx1"/>
+                </a:solidFill>
+                <a:latin typeface="Arial" panose="020B0604020202020204" pitchFamily="34" charset="0"/>
+                <a:ea typeface="MS PGothic" panose="020B0600070205080204" pitchFamily="34" charset="-128"/>
+              </a:defRPr>
+            </a:lvl4pPr>
+            <a:lvl5pPr marL="2057400" indent="-228600">
+              <a:defRPr sz="2400">
+                <a:solidFill>
+                  <a:schemeClr val="tx1"/>
+                </a:solidFill>
+                <a:latin typeface="Arial" panose="020B0604020202020204" pitchFamily="34" charset="0"/>
+                <a:ea typeface="MS PGothic" panose="020B0600070205080204" pitchFamily="34" charset="-128"/>
+              </a:defRPr>
+            </a:lvl5pPr>
+            <a:lvl6pPr marL="2514600" indent="-228600" eaLnBrk="0" fontAlgn="base" hangingPunct="0">
+              <a:spcBef>
+                <a:spcPct val="0"/>
+              </a:spcBef>
+              <a:spcAft>
+                <a:spcPct val="0"/>
+              </a:spcAft>
+              <a:defRPr sz="2400">
+                <a:solidFill>
+                  <a:schemeClr val="tx1"/>
+                </a:solidFill>
+                <a:latin typeface="Arial" panose="020B0604020202020204" pitchFamily="34" charset="0"/>
+                <a:ea typeface="MS PGothic" panose="020B0600070205080204" pitchFamily="34" charset="-128"/>
+              </a:defRPr>
+            </a:lvl6pPr>
+            <a:lvl7pPr marL="2971800" indent="-228600" eaLnBrk="0" fontAlgn="base" hangingPunct="0">
+              <a:spcBef>
+                <a:spcPct val="0"/>
+              </a:spcBef>
+              <a:spcAft>
+                <a:spcPct val="0"/>
+              </a:spcAft>
+              <a:defRPr sz="2400">
+                <a:solidFill>
+                  <a:schemeClr val="tx1"/>
+                </a:solidFill>
+                <a:latin typeface="Arial" panose="020B0604020202020204" pitchFamily="34" charset="0"/>
+                <a:ea typeface="MS PGothic" panose="020B0600070205080204" pitchFamily="34" charset="-128"/>
+              </a:defRPr>
+            </a:lvl7pPr>
+            <a:lvl8pPr marL="3429000" indent="-228600" eaLnBrk="0" fontAlgn="base" hangingPunct="0">
+              <a:spcBef>
+                <a:spcPct val="0"/>
+              </a:spcBef>
+              <a:spcAft>
+                <a:spcPct val="0"/>
+              </a:spcAft>
+              <a:defRPr sz="2400">
+                <a:solidFill>
+                  <a:schemeClr val="tx1"/>
+                </a:solidFill>
+                <a:latin typeface="Arial" panose="020B0604020202020204" pitchFamily="34" charset="0"/>
+                <a:ea typeface="MS PGothic" panose="020B0600070205080204" pitchFamily="34" charset="-128"/>
+              </a:defRPr>
+            </a:lvl8pPr>
+            <a:lvl9pPr marL="3886200" indent="-228600" eaLnBrk="0" fontAlgn="base" hangingPunct="0">
+              <a:spcBef>
+                <a:spcPct val="0"/>
+              </a:spcBef>
+              <a:spcAft>
+                <a:spcPct val="0"/>
+              </a:spcAft>
+              <a:defRPr sz="2400">
+                <a:solidFill>
+                  <a:schemeClr val="tx1"/>
+                </a:solidFill>
+                <a:latin typeface="Arial" panose="020B0604020202020204" pitchFamily="34" charset="0"/>
+                <a:ea typeface="MS PGothic" panose="020B0600070205080204" pitchFamily="34" charset="-128"/>
+              </a:defRPr>
+            </a:lvl9pPr>
+          </a:lstStyle>
+          <a:p>
+            <a:r>
+              <a:rPr lang="es-ES_tradnl" altLang="es-ES" sz="1000" dirty="0">
+                <a:solidFill>
+                  <a:srgbClr val="FFFFFF"/>
+                </a:solidFill>
+                <a:latin typeface="Arial Narrow" panose="020B0606020202030204" pitchFamily="34" charset="0"/>
+              </a:rPr>
+              <a:t>DIAPOSITIVA</a:t>
+            </a:r>
+            <a:r>
+              <a:rPr lang="es-ES_tradnl" altLang="es-ES" sz="800" dirty="0">
+                <a:solidFill>
+                  <a:srgbClr val="FFFFFF"/>
+                </a:solidFill>
+              </a:rPr>
+              <a:t> </a:t>
+            </a:r>
+            <a:fld id="{E4C275FF-0A0B-4646-8BBB-B5E655CF8361}" type="slidenum">
+              <a:rPr lang="es-ES_tradnl" altLang="es-ES" sz="1000">
+                <a:solidFill>
+                  <a:srgbClr val="FFFFFF"/>
+                </a:solidFill>
+                <a:latin typeface="Arial Narrow" panose="020B0606020202030204" pitchFamily="34" charset="0"/>
+              </a:rPr>
+              <a:pPr/>
+              <a:t>16</a:t>
+            </a:fld>
+            <a:endParaRPr lang="es-ES_tradnl" altLang="es-ES" sz="1000" dirty="0">
+              <a:solidFill>
+                <a:srgbClr val="FFFFFF"/>
+              </a:solidFill>
+              <a:latin typeface="Arial Narrow" panose="020B0606020202030204" pitchFamily="34" charset="0"/>
+            </a:endParaRPr>
+          </a:p>
+        </p:txBody>
+      </p:sp>
+      <p:sp>
+        <p:nvSpPr>
+          <p:cNvPr id="2" name="1 CuadroTexto"/>
+          <p:cNvSpPr txBox="1"/>
+          <p:nvPr/>
+        </p:nvSpPr>
+        <p:spPr>
+          <a:xfrm>
+            <a:off x="1329439" y="1340768"/>
+            <a:ext cx="9721080" cy="707886"/>
+          </a:xfrm>
+          <a:prstGeom prst="rect">
+            <a:avLst/>
+          </a:prstGeom>
+          <a:noFill/>
+        </p:spPr>
+        <p:txBody>
+          <a:bodyPr wrap="square" rtlCol="0">
+            <a:spAutoFit/>
+          </a:bodyPr>
+          <a:lstStyle/>
+          <a:p>
+            <a:pPr algn="ctr"/>
+            <a:r>
+              <a:rPr lang="es-ES" sz="4000" b="1" u="sng" dirty="0" smtClean="0">
+                <a:solidFill>
+                  <a:srgbClr val="000000"/>
+                </a:solidFill>
+              </a:rPr>
+              <a:t>FUNCIONAMIENTO.</a:t>
+            </a:r>
+            <a:endParaRPr lang="es-ES" sz="4000" u="sng" dirty="0">
+              <a:solidFill>
+                <a:srgbClr val="000000"/>
+              </a:solidFill>
+            </a:endParaRPr>
+          </a:p>
+        </p:txBody>
+      </p:sp>
+    </p:spTree>
+    <p:extLst>
+      <p:ext uri="{BB962C8B-B14F-4D97-AF65-F5344CB8AC3E}">
+        <p14:creationId xmlns:p14="http://schemas.microsoft.com/office/powerpoint/2010/main" val="1259921858"/>
+      </p:ext>
+    </p:extLst>
+  </p:cSld>
+  <p:clrMapOvr>
+    <a:masterClrMapping/>
+  </p:clrMapOvr>
+  <mc:AlternateContent xmlns:mc="http://schemas.openxmlformats.org/markup-compatibility/2006" xmlns:p14="http://schemas.microsoft.com/office/powerpoint/2010/main">
+    <mc:Choice Requires="p14">
+      <p:transition spd="med" p14:dur="700">
+        <p:fade/>
+      </p:transition>
+    </mc:Choice>
+    <mc:Fallback xmlns="">
+      <p:transition spd="med">
+        <p:fade/>
+      </p:transition>
+    </mc:Fallback>
+  </mc:AlternateContent>
+  <p:timing>
+    <p:tnLst>
+      <p:par>
+        <p:cTn id="1" dur="indefinite" restart="never" nodeType="tmRoot"/>
+      </p:par>
+    </p:tnLst>
+  </p:timing>
+</p:sld>
+</file>
+
+<file path=ppt/slides/slide18.xml><?xml version="1.0" encoding="utf-8"?>
+<p:sld xmlns:a="http://schemas.openxmlformats.org/drawingml/2006/main" xmlns:r="http://schemas.openxmlformats.org/officeDocument/2006/relationships" xmlns:p="http://schemas.openxmlformats.org/presentationml/2006/main">
+  <p:cSld>
+    <p:bg>
+      <p:bgPr>
+        <a:blipFill dpi="0" rotWithShape="0">
+          <a:blip r:embed="rId2"/>
+          <a:srcRect/>
+          <a:stretch>
+            <a:fillRect/>
+          </a:stretch>
+        </a:blipFill>
+        <a:effectLst/>
+      </p:bgPr>
+    </p:bg>
+    <p:spTree>
+      <p:nvGrpSpPr>
+        <p:cNvPr id="1" name=""/>
+        <p:cNvGrpSpPr/>
+        <p:nvPr/>
+      </p:nvGrpSpPr>
+      <p:grpSpPr>
+        <a:xfrm>
+          <a:off x="0" y="0"/>
+          <a:ext cx="0" cy="0"/>
+          <a:chOff x="0" y="0"/>
+          <a:chExt cx="0" cy="0"/>
+        </a:xfrm>
+      </p:grpSpPr>
+      <p:sp>
+        <p:nvSpPr>
+          <p:cNvPr id="4" name="Marcador de número de diapositiva 3">
+            <a:extLst>
+              <a:ext uri="{FF2B5EF4-FFF2-40B4-BE49-F238E27FC236}">
+                <a16:creationId xmlns:a16="http://schemas.microsoft.com/office/drawing/2014/main" xmlns="" id="{9A72C3AC-9873-45F9-A662-00BB10AC4A40}"/>
+              </a:ext>
+            </a:extLst>
+          </p:cNvPr>
+          <p:cNvSpPr>
+            <a:spLocks noGrp="1"/>
+          </p:cNvSpPr>
+          <p:nvPr>
+            <p:ph type="sldNum" sz="quarter" idx="10"/>
+          </p:nvPr>
+        </p:nvSpPr>
+        <p:spPr>
+          <a:extLst>
+            <a:ext uri="{FAA26D3D-D897-4be2-8F04-BA451C77F1D7}">
+              <ma14:placeholderFlag xmlns="" xmlns:ma14="http://schemas.microsoft.com/office/mac/drawingml/2011/main" val="1"/>
+            </a:ext>
+          </a:extLst>
+        </p:spPr>
+        <p:txBody>
+          <a:bodyPr/>
+          <a:lstStyle>
+            <a:lvl1pPr>
+              <a:defRPr sz="2400">
+                <a:solidFill>
+                  <a:schemeClr val="tx1"/>
+                </a:solidFill>
+                <a:latin typeface="Arial" panose="020B0604020202020204" pitchFamily="34" charset="0"/>
+                <a:ea typeface="MS PGothic" panose="020B0600070205080204" pitchFamily="34" charset="-128"/>
+              </a:defRPr>
+            </a:lvl1pPr>
+            <a:lvl2pPr marL="742950" indent="-285750">
+              <a:defRPr sz="2400">
+                <a:solidFill>
+                  <a:schemeClr val="tx1"/>
+                </a:solidFill>
+                <a:latin typeface="Arial" panose="020B0604020202020204" pitchFamily="34" charset="0"/>
+                <a:ea typeface="MS PGothic" panose="020B0600070205080204" pitchFamily="34" charset="-128"/>
+              </a:defRPr>
+            </a:lvl2pPr>
+            <a:lvl3pPr marL="1143000" indent="-228600">
+              <a:defRPr sz="2400">
+                <a:solidFill>
+                  <a:schemeClr val="tx1"/>
+                </a:solidFill>
+                <a:latin typeface="Arial" panose="020B0604020202020204" pitchFamily="34" charset="0"/>
+                <a:ea typeface="MS PGothic" panose="020B0600070205080204" pitchFamily="34" charset="-128"/>
+              </a:defRPr>
+            </a:lvl3pPr>
+            <a:lvl4pPr marL="1600200" indent="-228600">
+              <a:defRPr sz="2400">
+                <a:solidFill>
+                  <a:schemeClr val="tx1"/>
+                </a:solidFill>
+                <a:latin typeface="Arial" panose="020B0604020202020204" pitchFamily="34" charset="0"/>
+                <a:ea typeface="MS PGothic" panose="020B0600070205080204" pitchFamily="34" charset="-128"/>
+              </a:defRPr>
+            </a:lvl4pPr>
+            <a:lvl5pPr marL="2057400" indent="-228600">
+              <a:defRPr sz="2400">
+                <a:solidFill>
+                  <a:schemeClr val="tx1"/>
+                </a:solidFill>
+                <a:latin typeface="Arial" panose="020B0604020202020204" pitchFamily="34" charset="0"/>
+                <a:ea typeface="MS PGothic" panose="020B0600070205080204" pitchFamily="34" charset="-128"/>
+              </a:defRPr>
+            </a:lvl5pPr>
+            <a:lvl6pPr marL="2514600" indent="-228600" eaLnBrk="0" fontAlgn="base" hangingPunct="0">
+              <a:spcBef>
+                <a:spcPct val="0"/>
+              </a:spcBef>
+              <a:spcAft>
+                <a:spcPct val="0"/>
+              </a:spcAft>
+              <a:defRPr sz="2400">
+                <a:solidFill>
+                  <a:schemeClr val="tx1"/>
+                </a:solidFill>
+                <a:latin typeface="Arial" panose="020B0604020202020204" pitchFamily="34" charset="0"/>
+                <a:ea typeface="MS PGothic" panose="020B0600070205080204" pitchFamily="34" charset="-128"/>
+              </a:defRPr>
+            </a:lvl6pPr>
+            <a:lvl7pPr marL="2971800" indent="-228600" eaLnBrk="0" fontAlgn="base" hangingPunct="0">
+              <a:spcBef>
+                <a:spcPct val="0"/>
+              </a:spcBef>
+              <a:spcAft>
+                <a:spcPct val="0"/>
+              </a:spcAft>
+              <a:defRPr sz="2400">
+                <a:solidFill>
+                  <a:schemeClr val="tx1"/>
+                </a:solidFill>
+                <a:latin typeface="Arial" panose="020B0604020202020204" pitchFamily="34" charset="0"/>
+                <a:ea typeface="MS PGothic" panose="020B0600070205080204" pitchFamily="34" charset="-128"/>
+              </a:defRPr>
+            </a:lvl7pPr>
+            <a:lvl8pPr marL="3429000" indent="-228600" eaLnBrk="0" fontAlgn="base" hangingPunct="0">
+              <a:spcBef>
+                <a:spcPct val="0"/>
+              </a:spcBef>
+              <a:spcAft>
+                <a:spcPct val="0"/>
+              </a:spcAft>
+              <a:defRPr sz="2400">
+                <a:solidFill>
+                  <a:schemeClr val="tx1"/>
+                </a:solidFill>
+                <a:latin typeface="Arial" panose="020B0604020202020204" pitchFamily="34" charset="0"/>
+                <a:ea typeface="MS PGothic" panose="020B0600070205080204" pitchFamily="34" charset="-128"/>
+              </a:defRPr>
+            </a:lvl8pPr>
+            <a:lvl9pPr marL="3886200" indent="-228600" eaLnBrk="0" fontAlgn="base" hangingPunct="0">
+              <a:spcBef>
+                <a:spcPct val="0"/>
+              </a:spcBef>
+              <a:spcAft>
+                <a:spcPct val="0"/>
+              </a:spcAft>
+              <a:defRPr sz="2400">
+                <a:solidFill>
+                  <a:schemeClr val="tx1"/>
+                </a:solidFill>
+                <a:latin typeface="Arial" panose="020B0604020202020204" pitchFamily="34" charset="0"/>
+                <a:ea typeface="MS PGothic" panose="020B0600070205080204" pitchFamily="34" charset="-128"/>
+              </a:defRPr>
+            </a:lvl9pPr>
+          </a:lstStyle>
+          <a:p>
+            <a:r>
+              <a:rPr lang="es-ES_tradnl" altLang="es-ES" sz="1000">
+                <a:solidFill>
+                  <a:srgbClr val="FFFFFF"/>
+                </a:solidFill>
+                <a:latin typeface="Arial Narrow" panose="020B0606020202030204" pitchFamily="34" charset="0"/>
+              </a:rPr>
+              <a:t>DIAPOSITIVA</a:t>
+            </a:r>
+            <a:r>
+              <a:rPr lang="es-ES_tradnl" altLang="es-ES" sz="800">
+                <a:solidFill>
+                  <a:srgbClr val="FFFFFF"/>
+                </a:solidFill>
+              </a:rPr>
+              <a:t> </a:t>
+            </a:r>
+            <a:fld id="{92A2F948-1CB8-41BD-88F0-49FD132A4207}" type="slidenum">
+              <a:rPr lang="es-ES_tradnl" altLang="es-ES" sz="1000">
+                <a:solidFill>
+                  <a:srgbClr val="FFFFFF"/>
+                </a:solidFill>
+                <a:latin typeface="Arial Narrow" panose="020B0606020202030204" pitchFamily="34" charset="0"/>
+              </a:rPr>
+              <a:pPr/>
+              <a:t>17</a:t>
+            </a:fld>
+            <a:endParaRPr lang="es-ES_tradnl" altLang="es-ES" sz="1000">
+              <a:solidFill>
+                <a:srgbClr val="FFFFFF"/>
+              </a:solidFill>
+              <a:latin typeface="Arial Narrow" panose="020B0606020202030204" pitchFamily="34" charset="0"/>
+            </a:endParaRPr>
+          </a:p>
+        </p:txBody>
+      </p:sp>
+    </p:spTree>
+  </p:cSld>
+  <p:clrMapOvr>
+    <a:masterClrMapping/>
+  </p:clrMapOvr>
+  <mc:AlternateContent xmlns:mc="http://schemas.openxmlformats.org/markup-compatibility/2006" xmlns:p14="http://schemas.microsoft.com/office/powerpoint/2010/main">
+    <mc:Choice Requires="p14">
+      <p:transition spd="med" p14:dur="700">
+        <p:fade/>
+      </p:transition>
+    </mc:Choice>
+    <mc:Fallback xmlns="">
+      <p:transition spd="med">
+        <p:fade/>
+      </p:transition>
+    </mc:Fallback>
+  </mc:AlternateContent>
+  <p:timing>
+    <p:tnLst>
+      <p:par>
+        <p:cTn id="1" dur="indefinite" restart="never" nodeType="tmRoot"/>
+      </p:par>
+    </p:tnLst>
+  </p:timing>
 </p:sld>
 </file>
 
@@ -4564,7 +7675,7 @@
           <p:cNvPr id="4" name="Marcador de número de diapositiva 3">
             <a:extLst>
               <a:ext uri="{FF2B5EF4-FFF2-40B4-BE49-F238E27FC236}">
-                <a16:creationId xmlns:a16="http://schemas.microsoft.com/office/drawing/2014/main" id="{BED5CE98-0519-42AB-96B4-096EF7635CDD}"/>
+                <a16:creationId xmlns:a16="http://schemas.microsoft.com/office/drawing/2014/main" xmlns="" id="{BED5CE98-0519-42AB-96B4-096EF7635CDD}"/>
               </a:ext>
             </a:extLst>
           </p:cNvPr>
@@ -4578,7 +7689,7 @@
         <p:spPr>
           <a:extLst>
             <a:ext uri="{FAA26D3D-D897-4be2-8F04-BA451C77F1D7}">
-              <ma14:placeholderFlag xmlns:ma14="http://schemas.microsoft.com/office/mac/drawingml/2011/main" xmlns="" val="1"/>
+              <ma14:placeholderFlag xmlns="" xmlns:ma14="http://schemas.microsoft.com/office/mac/drawingml/2011/main" val="1"/>
             </a:ext>
           </a:extLst>
         </p:spPr>
@@ -4733,7 +7844,7 @@
           <p:cNvPr id="3" name="Elipse 2">
             <a:extLst>
               <a:ext uri="{FF2B5EF4-FFF2-40B4-BE49-F238E27FC236}">
-                <a16:creationId xmlns:a16="http://schemas.microsoft.com/office/drawing/2014/main" id="{41EF50AD-EE1B-4794-B621-85AA11F2B2CE}"/>
+                <a16:creationId xmlns:a16="http://schemas.microsoft.com/office/drawing/2014/main" xmlns="" id="{41EF50AD-EE1B-4794-B621-85AA11F2B2CE}"/>
               </a:ext>
             </a:extLst>
           </p:cNvPr>
@@ -4762,8 +7873,8 @@
           </a:ln>
           <a:effectLst/>
           <a:extLst>
-            <a:ext uri="{AF507438-7753-43e0-B8FC-AC1667EBCBE1}">
-              <a14:hiddenEffects xmlns:a14="http://schemas.microsoft.com/office/drawing/2010/main" xmlns="">
+            <a:ext uri="{AF507438-7753-43E0-B8FC-AC1667EBCBE1}">
+              <a14:hiddenEffects xmlns:a14="http://schemas.microsoft.com/office/drawing/2010/main">
                 <a:effectLst>
                   <a:outerShdw blurRad="63500" dist="38099" dir="2700000" algn="ctr" rotWithShape="0">
                     <a:schemeClr val="bg2">
@@ -4822,7 +7933,7 @@
           <p:cNvPr id="5" name="Elipse 4">
             <a:extLst>
               <a:ext uri="{FF2B5EF4-FFF2-40B4-BE49-F238E27FC236}">
-                <a16:creationId xmlns:a16="http://schemas.microsoft.com/office/drawing/2014/main" id="{7561A3BE-3D57-433D-B8A9-6F16067B9AC8}"/>
+                <a16:creationId xmlns:a16="http://schemas.microsoft.com/office/drawing/2014/main" xmlns="" id="{7561A3BE-3D57-433D-B8A9-6F16067B9AC8}"/>
               </a:ext>
             </a:extLst>
           </p:cNvPr>
@@ -4851,8 +7962,8 @@
           </a:ln>
           <a:effectLst/>
           <a:extLst>
-            <a:ext uri="{AF507438-7753-43e0-B8FC-AC1667EBCBE1}">
-              <a14:hiddenEffects xmlns:a14="http://schemas.microsoft.com/office/drawing/2010/main" xmlns="">
+            <a:ext uri="{AF507438-7753-43E0-B8FC-AC1667EBCBE1}">
+              <a14:hiddenEffects xmlns:a14="http://schemas.microsoft.com/office/drawing/2010/main">
                 <a:effectLst>
                   <a:outerShdw blurRad="63500" dist="38099" dir="2700000" algn="ctr" rotWithShape="0">
                     <a:schemeClr val="bg2">
@@ -4931,7 +8042,7 @@
           <p:cNvPr id="6" name="Elipse 5">
             <a:extLst>
               <a:ext uri="{FF2B5EF4-FFF2-40B4-BE49-F238E27FC236}">
-                <a16:creationId xmlns:a16="http://schemas.microsoft.com/office/drawing/2014/main" id="{F1B80AB0-15D8-4564-9C68-D8B7627CF822}"/>
+                <a16:creationId xmlns:a16="http://schemas.microsoft.com/office/drawing/2014/main" xmlns="" id="{F1B80AB0-15D8-4564-9C68-D8B7627CF822}"/>
               </a:ext>
             </a:extLst>
           </p:cNvPr>
@@ -4960,8 +8071,8 @@
           </a:ln>
           <a:effectLst/>
           <a:extLst>
-            <a:ext uri="{AF507438-7753-43e0-B8FC-AC1667EBCBE1}">
-              <a14:hiddenEffects xmlns:a14="http://schemas.microsoft.com/office/drawing/2010/main" xmlns="">
+            <a:ext uri="{AF507438-7753-43E0-B8FC-AC1667EBCBE1}">
+              <a14:hiddenEffects xmlns:a14="http://schemas.microsoft.com/office/drawing/2010/main">
                 <a:effectLst>
                   <a:outerShdw blurRad="63500" dist="38099" dir="2700000" algn="ctr" rotWithShape="0">
                     <a:schemeClr val="bg2">
@@ -5020,7 +8131,7 @@
           <p:cNvPr id="7" name="Elipse 6">
             <a:extLst>
               <a:ext uri="{FF2B5EF4-FFF2-40B4-BE49-F238E27FC236}">
-                <a16:creationId xmlns:a16="http://schemas.microsoft.com/office/drawing/2014/main" id="{CF8D3F47-1AB8-4228-B44F-FFBF582C6D81}"/>
+                <a16:creationId xmlns:a16="http://schemas.microsoft.com/office/drawing/2014/main" xmlns="" id="{CF8D3F47-1AB8-4228-B44F-FFBF582C6D81}"/>
               </a:ext>
             </a:extLst>
           </p:cNvPr>
@@ -5049,8 +8160,8 @@
           </a:ln>
           <a:effectLst/>
           <a:extLst>
-            <a:ext uri="{AF507438-7753-43e0-B8FC-AC1667EBCBE1}">
-              <a14:hiddenEffects xmlns:a14="http://schemas.microsoft.com/office/drawing/2010/main" xmlns="">
+            <a:ext uri="{AF507438-7753-43E0-B8FC-AC1667EBCBE1}">
+              <a14:hiddenEffects xmlns:a14="http://schemas.microsoft.com/office/drawing/2010/main">
                 <a:effectLst>
                   <a:outerShdw blurRad="63500" dist="38099" dir="2700000" algn="ctr" rotWithShape="0">
                     <a:schemeClr val="bg2">
@@ -5105,7 +8216,7 @@
           <p:cNvPr id="8" name="Elipse 7">
             <a:extLst>
               <a:ext uri="{FF2B5EF4-FFF2-40B4-BE49-F238E27FC236}">
-                <a16:creationId xmlns:a16="http://schemas.microsoft.com/office/drawing/2014/main" id="{6A8C3EF0-C061-4B2D-8B5C-79BBF49F0B4C}"/>
+                <a16:creationId xmlns:a16="http://schemas.microsoft.com/office/drawing/2014/main" xmlns="" id="{6A8C3EF0-C061-4B2D-8B5C-79BBF49F0B4C}"/>
               </a:ext>
             </a:extLst>
           </p:cNvPr>
@@ -5134,8 +8245,8 @@
           </a:ln>
           <a:effectLst/>
           <a:extLst>
-            <a:ext uri="{AF507438-7753-43e0-B8FC-AC1667EBCBE1}">
-              <a14:hiddenEffects xmlns:a14="http://schemas.microsoft.com/office/drawing/2010/main" xmlns="">
+            <a:ext uri="{AF507438-7753-43E0-B8FC-AC1667EBCBE1}">
+              <a14:hiddenEffects xmlns:a14="http://schemas.microsoft.com/office/drawing/2010/main">
                 <a:effectLst>
                   <a:outerShdw blurRad="63500" dist="38099" dir="2700000" algn="ctr" rotWithShape="0">
                     <a:schemeClr val="bg2">
@@ -5194,7 +8305,7 @@
           <p:cNvPr id="9" name="Elipse 8">
             <a:extLst>
               <a:ext uri="{FF2B5EF4-FFF2-40B4-BE49-F238E27FC236}">
-                <a16:creationId xmlns:a16="http://schemas.microsoft.com/office/drawing/2014/main" id="{0CF7E964-8509-47B1-9586-894AF2E23509}"/>
+                <a16:creationId xmlns:a16="http://schemas.microsoft.com/office/drawing/2014/main" xmlns="" id="{0CF7E964-8509-47B1-9586-894AF2E23509}"/>
               </a:ext>
             </a:extLst>
           </p:cNvPr>
@@ -5223,8 +8334,8 @@
           </a:ln>
           <a:effectLst/>
           <a:extLst>
-            <a:ext uri="{AF507438-7753-43e0-B8FC-AC1667EBCBE1}">
-              <a14:hiddenEffects xmlns:a14="http://schemas.microsoft.com/office/drawing/2010/main" xmlns="">
+            <a:ext uri="{AF507438-7753-43E0-B8FC-AC1667EBCBE1}">
+              <a14:hiddenEffects xmlns:a14="http://schemas.microsoft.com/office/drawing/2010/main">
                 <a:effectLst>
                   <a:outerShdw blurRad="63500" dist="38099" dir="2700000" algn="ctr" rotWithShape="0">
                     <a:schemeClr val="bg2">
@@ -5278,18 +8389,25 @@
   <p:clrMapOvr>
     <a:masterClrMapping/>
   </p:clrMapOvr>
-  <mc:AlternateContent xmlns:mc="http://schemas.openxmlformats.org/markup-compatibility/2006">
-    <mc:Choice xmlns:p14="http://schemas.microsoft.com/office/powerpoint/2010/main" Requires="p14">
+  <mc:AlternateContent xmlns:mc="http://schemas.openxmlformats.org/markup-compatibility/2006" xmlns:p14="http://schemas.microsoft.com/office/powerpoint/2010/main">
+    <mc:Choice Requires="p14">
       <p:transition spd="med" p14:dur="700">
         <p:fade/>
       </p:transition>
     </mc:Choice>
-    <mc:Fallback>
+    <mc:Fallback xmlns="">
       <p:transition spd="med">
         <p:fade/>
       </p:transition>
     </mc:Fallback>
   </mc:AlternateContent>
+  <p:timing>
+    <p:tnLst>
+      <p:par>
+        <p:cTn id="1" dur="indefinite" restart="never" nodeType="tmRoot"/>
+      </p:par>
+    </p:tnLst>
+  </p:timing>
 </p:sld>
 </file>
 
@@ -5327,7 +8445,7 @@
           <p:cNvPr id="4" name="Marcador de número de diapositiva 3">
             <a:extLst>
               <a:ext uri="{FF2B5EF4-FFF2-40B4-BE49-F238E27FC236}">
-                <a16:creationId xmlns:a16="http://schemas.microsoft.com/office/drawing/2014/main" id="{BECB6303-ACC1-42AB-BBD3-41DE888250F6}"/>
+                <a16:creationId xmlns:a16="http://schemas.microsoft.com/office/drawing/2014/main" xmlns="" id="{BECB6303-ACC1-42AB-BBD3-41DE888250F6}"/>
               </a:ext>
             </a:extLst>
           </p:cNvPr>
@@ -5341,7 +8459,7 @@
         <p:spPr>
           <a:extLst>
             <a:ext uri="{FAA26D3D-D897-4be2-8F04-BA451C77F1D7}">
-              <ma14:placeholderFlag xmlns:ma14="http://schemas.microsoft.com/office/mac/drawingml/2011/main" xmlns="" val="1"/>
+              <ma14:placeholderFlag xmlns="" xmlns:ma14="http://schemas.microsoft.com/office/mac/drawingml/2011/main" val="1"/>
             </a:ext>
           </a:extLst>
         </p:spPr>
@@ -5491,23 +8609,192 @@
           </a:p>
         </p:txBody>
       </p:sp>
+      <p:sp>
+        <p:nvSpPr>
+          <p:cNvPr id="2" name="1 CuadroTexto"/>
+          <p:cNvSpPr txBox="1"/>
+          <p:nvPr/>
+        </p:nvSpPr>
+        <p:spPr>
+          <a:xfrm>
+            <a:off x="1343472" y="1340768"/>
+            <a:ext cx="9721080" cy="707886"/>
+          </a:xfrm>
+          <a:prstGeom prst="rect">
+            <a:avLst/>
+          </a:prstGeom>
+          <a:noFill/>
+        </p:spPr>
+        <p:txBody>
+          <a:bodyPr wrap="square" rtlCol="0">
+            <a:spAutoFit/>
+          </a:bodyPr>
+          <a:lstStyle/>
+          <a:p>
+            <a:pPr algn="ctr"/>
+            <a:r>
+              <a:rPr lang="es-ES" sz="4000" b="1" u="sng" dirty="0" smtClean="0"/>
+              <a:t>INTRODUCCIÓN</a:t>
+            </a:r>
+            <a:endParaRPr lang="es-ES" sz="4000" b="1" u="sng" dirty="0"/>
+          </a:p>
+        </p:txBody>
+      </p:sp>
+      <p:sp>
+        <p:nvSpPr>
+          <p:cNvPr id="5" name="4 CuadroTexto"/>
+          <p:cNvSpPr txBox="1"/>
+          <p:nvPr/>
+        </p:nvSpPr>
+        <p:spPr>
+          <a:xfrm>
+            <a:off x="695400" y="2276872"/>
+            <a:ext cx="10657184" cy="830997"/>
+          </a:xfrm>
+          <a:prstGeom prst="rect">
+            <a:avLst/>
+          </a:prstGeom>
+          <a:noFill/>
+        </p:spPr>
+        <p:txBody>
+          <a:bodyPr wrap="square" rtlCol="0">
+            <a:spAutoFit/>
+          </a:bodyPr>
+          <a:lstStyle/>
+          <a:p>
+            <a:r>
+              <a:rPr lang="es-ES" dirty="0"/>
+              <a:t>Sistema electrónico que </a:t>
+            </a:r>
+            <a:r>
+              <a:rPr lang="es-ES" dirty="0" smtClean="0"/>
+              <a:t>activa </a:t>
+            </a:r>
+            <a:r>
+              <a:rPr lang="es-ES" dirty="0"/>
+              <a:t>los actuadores necesarios según los diferentes </a:t>
+            </a:r>
+            <a:r>
+              <a:rPr lang="es-ES" dirty="0" smtClean="0"/>
+              <a:t>condicionantes que simulan una habitación automatizada. </a:t>
+            </a:r>
+            <a:endParaRPr lang="es-ES" dirty="0"/>
+          </a:p>
+        </p:txBody>
+      </p:sp>
+      <p:sp>
+        <p:nvSpPr>
+          <p:cNvPr id="6" name="5 CuadroTexto"/>
+          <p:cNvSpPr txBox="1"/>
+          <p:nvPr/>
+        </p:nvSpPr>
+        <p:spPr>
+          <a:xfrm>
+            <a:off x="695400" y="3212976"/>
+            <a:ext cx="10369152" cy="2308324"/>
+          </a:xfrm>
+          <a:prstGeom prst="rect">
+            <a:avLst/>
+          </a:prstGeom>
+          <a:noFill/>
+        </p:spPr>
+        <p:txBody>
+          <a:bodyPr wrap="square" rtlCol="0">
+            <a:spAutoFit/>
+          </a:bodyPr>
+          <a:lstStyle/>
+          <a:p>
+            <a:r>
+              <a:rPr lang="es-ES" sz="2000" dirty="0"/>
+              <a:t>1º - </a:t>
+            </a:r>
+            <a:r>
+              <a:rPr lang="es-ES" sz="2000" dirty="0" smtClean="0"/>
+              <a:t>Control en </a:t>
+            </a:r>
+            <a:r>
+              <a:rPr lang="es-ES" sz="2000" dirty="0"/>
+              <a:t>pantalla para iniciar y finalizar la placa.</a:t>
+            </a:r>
+          </a:p>
+          <a:p>
+            <a:r>
+              <a:rPr lang="es-ES" sz="2000" dirty="0"/>
+              <a:t>2º - </a:t>
+            </a:r>
+            <a:r>
+              <a:rPr lang="es-ES" sz="2000" dirty="0" smtClean="0"/>
+              <a:t>Pone en </a:t>
+            </a:r>
+            <a:r>
+              <a:rPr lang="es-ES" sz="2000" dirty="0"/>
+              <a:t>marcha los sensores.</a:t>
+            </a:r>
+          </a:p>
+          <a:p>
+            <a:r>
+              <a:rPr lang="es-ES" sz="2000" dirty="0"/>
+              <a:t>3º - Se realizan o </a:t>
+            </a:r>
+            <a:r>
+              <a:rPr lang="es-ES" sz="2000" dirty="0" smtClean="0"/>
+              <a:t>no </a:t>
+            </a:r>
+            <a:r>
+              <a:rPr lang="es-ES" sz="2000" dirty="0"/>
+              <a:t>acción los actuadores</a:t>
+            </a:r>
+            <a:r>
+              <a:rPr lang="es-ES" sz="2000" dirty="0" smtClean="0"/>
+              <a:t>.</a:t>
+            </a:r>
+          </a:p>
+          <a:p>
+            <a:r>
+              <a:rPr lang="es-ES" sz="2000" dirty="0"/>
+              <a:t>4º - </a:t>
+            </a:r>
+            <a:r>
+              <a:rPr lang="es-ES" sz="2000" dirty="0" smtClean="0"/>
+              <a:t>Almacena información de los actuadores en un fichero</a:t>
+            </a:r>
+            <a:endParaRPr lang="es-ES" sz="2000" dirty="0"/>
+          </a:p>
+          <a:p>
+            <a:r>
+              <a:rPr lang="es-ES" sz="2000" dirty="0"/>
+              <a:t>5º - Podemos abrir el fichero para ver y estudiar las veces que se realizan las diferentes acciones y realizar ajustes para el futuro.</a:t>
+            </a:r>
+          </a:p>
+          <a:p>
+            <a:endParaRPr lang="es-ES" dirty="0"/>
+          </a:p>
+        </p:txBody>
+      </p:sp>
     </p:spTree>
   </p:cSld>
   <p:clrMapOvr>
     <a:masterClrMapping/>
   </p:clrMapOvr>
-  <mc:AlternateContent xmlns:mc="http://schemas.openxmlformats.org/markup-compatibility/2006">
-    <mc:Choice xmlns:p14="http://schemas.microsoft.com/office/powerpoint/2010/main" Requires="p14">
+  <mc:AlternateContent xmlns:mc="http://schemas.openxmlformats.org/markup-compatibility/2006" xmlns:p14="http://schemas.microsoft.com/office/powerpoint/2010/main">
+    <mc:Choice Requires="p14">
       <p:transition spd="med" p14:dur="700">
         <p:fade/>
       </p:transition>
     </mc:Choice>
-    <mc:Fallback>
+    <mc:Fallback xmlns="">
       <p:transition spd="med">
         <p:fade/>
       </p:transition>
     </mc:Fallback>
   </mc:AlternateContent>
+  <p:timing>
+    <p:tnLst>
+      <p:par>
+        <p:cTn id="1" dur="indefinite" restart="never" nodeType="tmRoot"/>
+      </p:par>
+    </p:tnLst>
+  </p:timing>
 </p:sld>
 </file>
 
@@ -5545,7 +8832,7 @@
           <p:cNvPr id="4" name="Marcador de número de diapositiva 3">
             <a:extLst>
               <a:ext uri="{FF2B5EF4-FFF2-40B4-BE49-F238E27FC236}">
-                <a16:creationId xmlns:a16="http://schemas.microsoft.com/office/drawing/2014/main" id="{4C170D80-EB60-4BAA-90F3-B392B24C9FD2}"/>
+                <a16:creationId xmlns:a16="http://schemas.microsoft.com/office/drawing/2014/main" xmlns="" id="{4C170D80-EB60-4BAA-90F3-B392B24C9FD2}"/>
               </a:ext>
             </a:extLst>
           </p:cNvPr>
@@ -5559,7 +8846,7 @@
         <p:spPr>
           <a:extLst>
             <a:ext uri="{FAA26D3D-D897-4be2-8F04-BA451C77F1D7}">
-              <ma14:placeholderFlag xmlns:ma14="http://schemas.microsoft.com/office/mac/drawingml/2011/main" xmlns="" val="1"/>
+              <ma14:placeholderFlag xmlns="" xmlns:ma14="http://schemas.microsoft.com/office/mac/drawingml/2011/main" val="1"/>
             </a:ext>
           </a:extLst>
         </p:spPr>
@@ -5709,23 +8996,203 @@
           </a:p>
         </p:txBody>
       </p:sp>
+      <p:sp>
+        <p:nvSpPr>
+          <p:cNvPr id="3" name="2 CuadroTexto"/>
+          <p:cNvSpPr txBox="1"/>
+          <p:nvPr/>
+        </p:nvSpPr>
+        <p:spPr>
+          <a:xfrm>
+            <a:off x="1415480" y="1196752"/>
+            <a:ext cx="8928992" cy="1323439"/>
+          </a:xfrm>
+          <a:prstGeom prst="rect">
+            <a:avLst/>
+          </a:prstGeom>
+          <a:noFill/>
+        </p:spPr>
+        <p:txBody>
+          <a:bodyPr wrap="square" rtlCol="0">
+            <a:spAutoFit/>
+          </a:bodyPr>
+          <a:lstStyle/>
+          <a:p>
+            <a:pPr algn="ctr"/>
+            <a:r>
+              <a:rPr lang="es-ES" sz="4000" b="1" u="sng" dirty="0" smtClean="0"/>
+              <a:t>HARDWARE Y FUNDAMENTOS TÉCNICOS</a:t>
+            </a:r>
+            <a:endParaRPr lang="es-ES" sz="4000" b="1" u="sng" dirty="0"/>
+          </a:p>
+        </p:txBody>
+      </p:sp>
+      <p:sp>
+        <p:nvSpPr>
+          <p:cNvPr id="5" name="4 CuadroTexto"/>
+          <p:cNvSpPr txBox="1"/>
+          <p:nvPr/>
+        </p:nvSpPr>
+        <p:spPr>
+          <a:xfrm>
+            <a:off x="1703512" y="2708920"/>
+            <a:ext cx="8640960" cy="3416320"/>
+          </a:xfrm>
+          <a:prstGeom prst="rect">
+            <a:avLst/>
+          </a:prstGeom>
+          <a:noFill/>
+        </p:spPr>
+        <p:txBody>
+          <a:bodyPr wrap="square" rtlCol="0">
+            <a:spAutoFit/>
+          </a:bodyPr>
+          <a:lstStyle/>
+          <a:p>
+            <a:pPr marL="800100" lvl="1" indent="-342900">
+              <a:buFont typeface="Arial" pitchFamily="34" charset="0"/>
+              <a:buChar char="•"/>
+            </a:pPr>
+            <a:r>
+              <a:rPr lang="es-ES" dirty="0"/>
+              <a:t>Detección de movimiento. PIR HC-SR501</a:t>
+            </a:r>
+            <a:endParaRPr lang="es-ES" sz="2000" dirty="0"/>
+          </a:p>
+          <a:p>
+            <a:pPr marL="800100" lvl="1" indent="-342900">
+              <a:buFont typeface="Arial" pitchFamily="34" charset="0"/>
+              <a:buChar char="•"/>
+            </a:pPr>
+            <a:r>
+              <a:rPr lang="es-ES" dirty="0" smtClean="0"/>
+              <a:t>Detección </a:t>
+            </a:r>
+            <a:r>
+              <a:rPr lang="es-ES" dirty="0"/>
+              <a:t>de la señal IR del mando a distancia.</a:t>
+            </a:r>
+            <a:endParaRPr lang="es-ES" sz="2000" dirty="0"/>
+          </a:p>
+          <a:p>
+            <a:pPr marL="800100" lvl="1" indent="-342900">
+              <a:buFont typeface="Arial" pitchFamily="34" charset="0"/>
+              <a:buChar char="•"/>
+            </a:pPr>
+            <a:r>
+              <a:rPr lang="es-ES" dirty="0"/>
+              <a:t>Desbloqueo de la puerta. Servomotor SG90.</a:t>
+            </a:r>
+            <a:endParaRPr lang="es-ES" sz="2000" dirty="0"/>
+          </a:p>
+          <a:p>
+            <a:pPr marL="800100" lvl="1" indent="-342900">
+              <a:buFont typeface="Arial" pitchFamily="34" charset="0"/>
+              <a:buChar char="•"/>
+            </a:pPr>
+            <a:r>
+              <a:rPr lang="es-ES" dirty="0"/>
+              <a:t>Receptor de cantidad de luz. LDR</a:t>
+            </a:r>
+            <a:endParaRPr lang="es-ES" sz="2000" dirty="0"/>
+          </a:p>
+          <a:p>
+            <a:pPr marL="800100" lvl="1" indent="-342900">
+              <a:buFont typeface="Arial" pitchFamily="34" charset="0"/>
+              <a:buChar char="•"/>
+            </a:pPr>
+            <a:r>
+              <a:rPr lang="es-ES" dirty="0"/>
+              <a:t>Iluminación de la habitación. LED</a:t>
+            </a:r>
+            <a:endParaRPr lang="es-ES" sz="2000" dirty="0"/>
+          </a:p>
+          <a:p>
+            <a:pPr marL="800100" lvl="1" indent="-342900">
+              <a:buFont typeface="Arial" pitchFamily="34" charset="0"/>
+              <a:buChar char="•"/>
+            </a:pPr>
+            <a:r>
+              <a:rPr lang="es-ES" dirty="0" smtClean="0"/>
+              <a:t>Controlador </a:t>
+            </a:r>
+            <a:r>
+              <a:rPr lang="es-ES" dirty="0"/>
+              <a:t>de tiempo.</a:t>
+            </a:r>
+            <a:endParaRPr lang="es-ES" sz="2000" dirty="0"/>
+          </a:p>
+          <a:p>
+            <a:pPr marL="800100" lvl="1" indent="-342900">
+              <a:buFont typeface="Arial" pitchFamily="34" charset="0"/>
+              <a:buChar char="•"/>
+            </a:pPr>
+            <a:r>
+              <a:rPr lang="es-ES" dirty="0"/>
+              <a:t>Movimiento de persiana. </a:t>
+            </a:r>
+            <a:r>
+              <a:rPr lang="es-ES" dirty="0" err="1"/>
+              <a:t>Motorreductor</a:t>
+            </a:r>
+            <a:r>
+              <a:rPr lang="es-ES" dirty="0"/>
+              <a:t>.</a:t>
+            </a:r>
+            <a:endParaRPr lang="es-ES" sz="2000" dirty="0"/>
+          </a:p>
+          <a:p>
+            <a:pPr marL="800100" lvl="1" indent="-342900">
+              <a:buFont typeface="Arial" pitchFamily="34" charset="0"/>
+              <a:buChar char="•"/>
+            </a:pPr>
+            <a:r>
+              <a:rPr lang="es-ES" dirty="0" smtClean="0"/>
+              <a:t>Comunicación </a:t>
+            </a:r>
+            <a:r>
+              <a:rPr lang="es-ES" dirty="0"/>
+              <a:t>serie. </a:t>
+            </a:r>
+            <a:r>
+              <a:rPr lang="es-ES" dirty="0" err="1"/>
+              <a:t>Arduino</a:t>
+            </a:r>
+            <a:r>
+              <a:rPr lang="es-ES" dirty="0"/>
+              <a:t> y Ordenador</a:t>
+            </a:r>
+            <a:endParaRPr lang="es-ES" sz="2000" dirty="0"/>
+          </a:p>
+          <a:p>
+            <a:endParaRPr lang="es-ES" dirty="0"/>
+          </a:p>
+        </p:txBody>
+      </p:sp>
     </p:spTree>
   </p:cSld>
   <p:clrMapOvr>
     <a:masterClrMapping/>
   </p:clrMapOvr>
-  <mc:AlternateContent xmlns:mc="http://schemas.openxmlformats.org/markup-compatibility/2006">
-    <mc:Choice xmlns:p14="http://schemas.microsoft.com/office/powerpoint/2010/main" Requires="p14">
+  <mc:AlternateContent xmlns:mc="http://schemas.openxmlformats.org/markup-compatibility/2006" xmlns:p14="http://schemas.microsoft.com/office/powerpoint/2010/main">
+    <mc:Choice Requires="p14">
       <p:transition spd="med" p14:dur="700">
         <p:fade/>
       </p:transition>
     </mc:Choice>
-    <mc:Fallback>
+    <mc:Fallback xmlns="">
       <p:transition spd="med">
         <p:fade/>
       </p:transition>
     </mc:Fallback>
   </mc:AlternateContent>
+  <p:timing>
+    <p:tnLst>
+      <p:par>
+        <p:cTn id="1" dur="indefinite" restart="never" nodeType="tmRoot"/>
+      </p:par>
+    </p:tnLst>
+  </p:timing>
 </p:sld>
 </file>
 
@@ -5763,7 +9230,7 @@
           <p:cNvPr id="4" name="Marcador de número de diapositiva 3">
             <a:extLst>
               <a:ext uri="{FF2B5EF4-FFF2-40B4-BE49-F238E27FC236}">
-                <a16:creationId xmlns:a16="http://schemas.microsoft.com/office/drawing/2014/main" id="{9A72C3AC-9873-45F9-A662-00BB10AC4A40}"/>
+                <a16:creationId xmlns:a16="http://schemas.microsoft.com/office/drawing/2014/main" xmlns="" id="{4C170D80-EB60-4BAA-90F3-B392B24C9FD2}"/>
               </a:ext>
             </a:extLst>
           </p:cNvPr>
@@ -5777,7 +9244,7 @@
         <p:spPr>
           <a:extLst>
             <a:ext uri="{FAA26D3D-D897-4be2-8F04-BA451C77F1D7}">
-              <ma14:placeholderFlag xmlns:ma14="http://schemas.microsoft.com/office/mac/drawingml/2011/main" xmlns="" val="1"/>
+              <ma14:placeholderFlag xmlns="" xmlns:ma14="http://schemas.microsoft.com/office/mac/drawingml/2011/main" val="1"/>
             </a:ext>
           </a:extLst>
         </p:spPr>
@@ -5908,7 +9375,7 @@
               </a:rPr>
               <a:t> </a:t>
             </a:r>
-            <a:fld id="{92A2F948-1CB8-41BD-88F0-49FD132A4207}" type="slidenum">
+            <a:fld id="{3AAEB521-78D9-49A1-99FB-59F3C17A9997}" type="slidenum">
               <a:rPr lang="es-ES_tradnl" altLang="es-ES" sz="1000">
                 <a:solidFill>
                   <a:srgbClr val="FFFFFF"/>
@@ -5927,23 +9394,1635 @@
           </a:p>
         </p:txBody>
       </p:sp>
+      <p:sp>
+        <p:nvSpPr>
+          <p:cNvPr id="2" name="1 CuadroTexto"/>
+          <p:cNvSpPr txBox="1"/>
+          <p:nvPr/>
+        </p:nvSpPr>
+        <p:spPr>
+          <a:xfrm>
+            <a:off x="1487488" y="1543325"/>
+            <a:ext cx="9289032" cy="461665"/>
+          </a:xfrm>
+          <a:prstGeom prst="rect">
+            <a:avLst/>
+          </a:prstGeom>
+          <a:noFill/>
+        </p:spPr>
+        <p:txBody>
+          <a:bodyPr wrap="square" rtlCol="0">
+            <a:spAutoFit/>
+          </a:bodyPr>
+          <a:lstStyle/>
+          <a:p>
+            <a:pPr marL="0" lvl="1" algn="ctr"/>
+            <a:r>
+              <a:rPr lang="es-ES" b="1" dirty="0"/>
+              <a:t>Detección de movimiento. PIR </a:t>
+            </a:r>
+            <a:r>
+              <a:rPr lang="es-ES" b="1" dirty="0" smtClean="0"/>
+              <a:t>HC-SR501</a:t>
+            </a:r>
+            <a:endParaRPr lang="es-ES" sz="2000" dirty="0"/>
+          </a:p>
+        </p:txBody>
+      </p:sp>
+      <p:sp>
+        <p:nvSpPr>
+          <p:cNvPr id="6" name="5 CuadroTexto"/>
+          <p:cNvSpPr txBox="1"/>
+          <p:nvPr/>
+        </p:nvSpPr>
+        <p:spPr>
+          <a:xfrm>
+            <a:off x="551384" y="2780928"/>
+            <a:ext cx="4824536" cy="2677656"/>
+          </a:xfrm>
+          <a:prstGeom prst="rect">
+            <a:avLst/>
+          </a:prstGeom>
+          <a:noFill/>
+        </p:spPr>
+        <p:txBody>
+          <a:bodyPr wrap="square" rtlCol="0">
+            <a:spAutoFit/>
+          </a:bodyPr>
+          <a:lstStyle/>
+          <a:p>
+            <a:r>
+              <a:rPr lang="es-ES" dirty="0" smtClean="0"/>
+              <a:t>Dispositivos de medición de radiación infrarroja.</a:t>
+            </a:r>
+          </a:p>
+          <a:p>
+            <a:endParaRPr lang="es-ES" dirty="0"/>
+          </a:p>
+          <a:p>
+            <a:endParaRPr lang="es-ES" dirty="0"/>
+          </a:p>
+          <a:p>
+            <a:r>
+              <a:rPr lang="es-ES" dirty="0" smtClean="0"/>
+              <a:t>Si algo pasa por su campo de </a:t>
+            </a:r>
+            <a:r>
+              <a:rPr lang="es-ES" dirty="0" err="1" smtClean="0"/>
+              <a:t>actuacion</a:t>
+            </a:r>
+            <a:r>
+              <a:rPr lang="es-ES" dirty="0" smtClean="0"/>
+              <a:t> genera una señal digital que indica presencia</a:t>
+            </a:r>
+            <a:endParaRPr lang="es-ES" dirty="0"/>
+          </a:p>
+        </p:txBody>
+      </p:sp>
+      <p:pic>
+        <p:nvPicPr>
+          <p:cNvPr id="10" name="9 Marcador de contenido"/>
+          <p:cNvPicPr>
+            <a:picLocks noGrp="1"/>
+          </p:cNvPicPr>
+          <p:nvPr>
+            <p:ph idx="1"/>
+          </p:nvPr>
+        </p:nvPicPr>
+        <p:blipFill>
+          <a:blip r:embed="rId3">
+            <a:extLst>
+              <a:ext uri="{28A0092B-C50C-407E-A947-70E740481C1C}">
+                <a14:useLocalDpi xmlns:a14="http://schemas.microsoft.com/office/drawing/2010/main" val="0"/>
+              </a:ext>
+            </a:extLst>
+          </a:blip>
+          <a:srcRect/>
+          <a:stretch>
+            <a:fillRect/>
+          </a:stretch>
+        </p:blipFill>
+        <p:spPr bwMode="auto">
+          <a:xfrm>
+            <a:off x="5735960" y="2492896"/>
+            <a:ext cx="5535659" cy="3656197"/>
+          </a:xfrm>
+          <a:prstGeom prst="rect">
+            <a:avLst/>
+          </a:prstGeom>
+          <a:noFill/>
+          <a:ln>
+            <a:solidFill>
+              <a:schemeClr val="tx1"/>
+            </a:solidFill>
+          </a:ln>
+        </p:spPr>
+      </p:pic>
     </p:spTree>
+    <p:extLst>
+      <p:ext uri="{BB962C8B-B14F-4D97-AF65-F5344CB8AC3E}">
+        <p14:creationId xmlns:p14="http://schemas.microsoft.com/office/powerpoint/2010/main" val="3552775799"/>
+      </p:ext>
+    </p:extLst>
   </p:cSld>
   <p:clrMapOvr>
     <a:masterClrMapping/>
   </p:clrMapOvr>
-  <mc:AlternateContent xmlns:mc="http://schemas.openxmlformats.org/markup-compatibility/2006">
-    <mc:Choice xmlns:p14="http://schemas.microsoft.com/office/powerpoint/2010/main" Requires="p14">
+  <mc:AlternateContent xmlns:mc="http://schemas.openxmlformats.org/markup-compatibility/2006" xmlns:p14="http://schemas.microsoft.com/office/powerpoint/2010/main">
+    <mc:Choice Requires="p14">
       <p:transition spd="med" p14:dur="700">
         <p:fade/>
       </p:transition>
     </mc:Choice>
-    <mc:Fallback>
+    <mc:Fallback xmlns="">
       <p:transition spd="med">
         <p:fade/>
       </p:transition>
     </mc:Fallback>
   </mc:AlternateContent>
+  <p:timing>
+    <p:tnLst>
+      <p:par>
+        <p:cTn id="1" dur="indefinite" restart="never" nodeType="tmRoot"/>
+      </p:par>
+    </p:tnLst>
+  </p:timing>
+</p:sld>
+</file>
+
+<file path=ppt/slides/slide6.xml><?xml version="1.0" encoding="utf-8"?>
+<p:sld xmlns:a="http://schemas.openxmlformats.org/drawingml/2006/main" xmlns:r="http://schemas.openxmlformats.org/officeDocument/2006/relationships" xmlns:p="http://schemas.openxmlformats.org/presentationml/2006/main">
+  <p:cSld>
+    <p:bg>
+      <p:bgPr>
+        <a:blipFill dpi="0" rotWithShape="0">
+          <a:blip r:embed="rId2"/>
+          <a:srcRect/>
+          <a:stretch>
+            <a:fillRect/>
+          </a:stretch>
+        </a:blipFill>
+        <a:effectLst/>
+      </p:bgPr>
+    </p:bg>
+    <p:spTree>
+      <p:nvGrpSpPr>
+        <p:cNvPr id="1" name=""/>
+        <p:cNvGrpSpPr/>
+        <p:nvPr/>
+      </p:nvGrpSpPr>
+      <p:grpSpPr>
+        <a:xfrm>
+          <a:off x="0" y="0"/>
+          <a:ext cx="0" cy="0"/>
+          <a:chOff x="0" y="0"/>
+          <a:chExt cx="0" cy="0"/>
+        </a:xfrm>
+      </p:grpSpPr>
+      <p:sp>
+        <p:nvSpPr>
+          <p:cNvPr id="4" name="Marcador de número de diapositiva 3">
+            <a:extLst>
+              <a:ext uri="{FF2B5EF4-FFF2-40B4-BE49-F238E27FC236}">
+                <a16:creationId xmlns:a16="http://schemas.microsoft.com/office/drawing/2014/main" xmlns="" id="{4C170D80-EB60-4BAA-90F3-B392B24C9FD2}"/>
+              </a:ext>
+            </a:extLst>
+          </p:cNvPr>
+          <p:cNvSpPr>
+            <a:spLocks noGrp="1"/>
+          </p:cNvSpPr>
+          <p:nvPr>
+            <p:ph type="sldNum" sz="quarter" idx="10"/>
+          </p:nvPr>
+        </p:nvSpPr>
+        <p:spPr>
+          <a:extLst>
+            <a:ext uri="{FAA26D3D-D897-4be2-8F04-BA451C77F1D7}">
+              <ma14:placeholderFlag xmlns="" xmlns:ma14="http://schemas.microsoft.com/office/mac/drawingml/2011/main" val="1"/>
+            </a:ext>
+          </a:extLst>
+        </p:spPr>
+        <p:txBody>
+          <a:bodyPr/>
+          <a:lstStyle>
+            <a:lvl1pPr>
+              <a:defRPr sz="2400">
+                <a:solidFill>
+                  <a:schemeClr val="tx1"/>
+                </a:solidFill>
+                <a:latin typeface="Arial" panose="020B0604020202020204" pitchFamily="34" charset="0"/>
+                <a:ea typeface="MS PGothic" panose="020B0600070205080204" pitchFamily="34" charset="-128"/>
+              </a:defRPr>
+            </a:lvl1pPr>
+            <a:lvl2pPr marL="742950" indent="-285750">
+              <a:defRPr sz="2400">
+                <a:solidFill>
+                  <a:schemeClr val="tx1"/>
+                </a:solidFill>
+                <a:latin typeface="Arial" panose="020B0604020202020204" pitchFamily="34" charset="0"/>
+                <a:ea typeface="MS PGothic" panose="020B0600070205080204" pitchFamily="34" charset="-128"/>
+              </a:defRPr>
+            </a:lvl2pPr>
+            <a:lvl3pPr marL="1143000" indent="-228600">
+              <a:defRPr sz="2400">
+                <a:solidFill>
+                  <a:schemeClr val="tx1"/>
+                </a:solidFill>
+                <a:latin typeface="Arial" panose="020B0604020202020204" pitchFamily="34" charset="0"/>
+                <a:ea typeface="MS PGothic" panose="020B0600070205080204" pitchFamily="34" charset="-128"/>
+              </a:defRPr>
+            </a:lvl3pPr>
+            <a:lvl4pPr marL="1600200" indent="-228600">
+              <a:defRPr sz="2400">
+                <a:solidFill>
+                  <a:schemeClr val="tx1"/>
+                </a:solidFill>
+                <a:latin typeface="Arial" panose="020B0604020202020204" pitchFamily="34" charset="0"/>
+                <a:ea typeface="MS PGothic" panose="020B0600070205080204" pitchFamily="34" charset="-128"/>
+              </a:defRPr>
+            </a:lvl4pPr>
+            <a:lvl5pPr marL="2057400" indent="-228600">
+              <a:defRPr sz="2400">
+                <a:solidFill>
+                  <a:schemeClr val="tx1"/>
+                </a:solidFill>
+                <a:latin typeface="Arial" panose="020B0604020202020204" pitchFamily="34" charset="0"/>
+                <a:ea typeface="MS PGothic" panose="020B0600070205080204" pitchFamily="34" charset="-128"/>
+              </a:defRPr>
+            </a:lvl5pPr>
+            <a:lvl6pPr marL="2514600" indent="-228600" eaLnBrk="0" fontAlgn="base" hangingPunct="0">
+              <a:spcBef>
+                <a:spcPct val="0"/>
+              </a:spcBef>
+              <a:spcAft>
+                <a:spcPct val="0"/>
+              </a:spcAft>
+              <a:defRPr sz="2400">
+                <a:solidFill>
+                  <a:schemeClr val="tx1"/>
+                </a:solidFill>
+                <a:latin typeface="Arial" panose="020B0604020202020204" pitchFamily="34" charset="0"/>
+                <a:ea typeface="MS PGothic" panose="020B0600070205080204" pitchFamily="34" charset="-128"/>
+              </a:defRPr>
+            </a:lvl6pPr>
+            <a:lvl7pPr marL="2971800" indent="-228600" eaLnBrk="0" fontAlgn="base" hangingPunct="0">
+              <a:spcBef>
+                <a:spcPct val="0"/>
+              </a:spcBef>
+              <a:spcAft>
+                <a:spcPct val="0"/>
+              </a:spcAft>
+              <a:defRPr sz="2400">
+                <a:solidFill>
+                  <a:schemeClr val="tx1"/>
+                </a:solidFill>
+                <a:latin typeface="Arial" panose="020B0604020202020204" pitchFamily="34" charset="0"/>
+                <a:ea typeface="MS PGothic" panose="020B0600070205080204" pitchFamily="34" charset="-128"/>
+              </a:defRPr>
+            </a:lvl7pPr>
+            <a:lvl8pPr marL="3429000" indent="-228600" eaLnBrk="0" fontAlgn="base" hangingPunct="0">
+              <a:spcBef>
+                <a:spcPct val="0"/>
+              </a:spcBef>
+              <a:spcAft>
+                <a:spcPct val="0"/>
+              </a:spcAft>
+              <a:defRPr sz="2400">
+                <a:solidFill>
+                  <a:schemeClr val="tx1"/>
+                </a:solidFill>
+                <a:latin typeface="Arial" panose="020B0604020202020204" pitchFamily="34" charset="0"/>
+                <a:ea typeface="MS PGothic" panose="020B0600070205080204" pitchFamily="34" charset="-128"/>
+              </a:defRPr>
+            </a:lvl8pPr>
+            <a:lvl9pPr marL="3886200" indent="-228600" eaLnBrk="0" fontAlgn="base" hangingPunct="0">
+              <a:spcBef>
+                <a:spcPct val="0"/>
+              </a:spcBef>
+              <a:spcAft>
+                <a:spcPct val="0"/>
+              </a:spcAft>
+              <a:defRPr sz="2400">
+                <a:solidFill>
+                  <a:schemeClr val="tx1"/>
+                </a:solidFill>
+                <a:latin typeface="Arial" panose="020B0604020202020204" pitchFamily="34" charset="0"/>
+                <a:ea typeface="MS PGothic" panose="020B0600070205080204" pitchFamily="34" charset="-128"/>
+              </a:defRPr>
+            </a:lvl9pPr>
+          </a:lstStyle>
+          <a:p>
+            <a:r>
+              <a:rPr lang="es-ES_tradnl" altLang="es-ES" sz="1000">
+                <a:solidFill>
+                  <a:srgbClr val="FFFFFF"/>
+                </a:solidFill>
+                <a:latin typeface="Arial Narrow" panose="020B0606020202030204" pitchFamily="34" charset="0"/>
+              </a:rPr>
+              <a:t>DIAPOSITIVA</a:t>
+            </a:r>
+            <a:r>
+              <a:rPr lang="es-ES_tradnl" altLang="es-ES" sz="800">
+                <a:solidFill>
+                  <a:srgbClr val="FFFFFF"/>
+                </a:solidFill>
+              </a:rPr>
+              <a:t> </a:t>
+            </a:r>
+            <a:fld id="{3AAEB521-78D9-49A1-99FB-59F3C17A9997}" type="slidenum">
+              <a:rPr lang="es-ES_tradnl" altLang="es-ES" sz="1000">
+                <a:solidFill>
+                  <a:srgbClr val="FFFFFF"/>
+                </a:solidFill>
+                <a:latin typeface="Arial Narrow" panose="020B0606020202030204" pitchFamily="34" charset="0"/>
+              </a:rPr>
+              <a:pPr/>
+              <a:t>5</a:t>
+            </a:fld>
+            <a:endParaRPr lang="es-ES_tradnl" altLang="es-ES" sz="1000">
+              <a:solidFill>
+                <a:srgbClr val="FFFFFF"/>
+              </a:solidFill>
+              <a:latin typeface="Arial Narrow" panose="020B0606020202030204" pitchFamily="34" charset="0"/>
+            </a:endParaRPr>
+          </a:p>
+        </p:txBody>
+      </p:sp>
+      <p:sp>
+        <p:nvSpPr>
+          <p:cNvPr id="2" name="1 CuadroTexto"/>
+          <p:cNvSpPr txBox="1"/>
+          <p:nvPr/>
+        </p:nvSpPr>
+        <p:spPr>
+          <a:xfrm>
+            <a:off x="1487488" y="1543325"/>
+            <a:ext cx="9289032" cy="461665"/>
+          </a:xfrm>
+          <a:prstGeom prst="rect">
+            <a:avLst/>
+          </a:prstGeom>
+          <a:noFill/>
+        </p:spPr>
+        <p:txBody>
+          <a:bodyPr wrap="square" rtlCol="0">
+            <a:spAutoFit/>
+          </a:bodyPr>
+          <a:lstStyle/>
+          <a:p>
+            <a:pPr marL="0" lvl="1" algn="ctr"/>
+            <a:r>
+              <a:rPr lang="es-ES" b="1" dirty="0"/>
+              <a:t>Detección de la señal IR del mando a distancia</a:t>
+            </a:r>
+            <a:r>
+              <a:rPr lang="es-ES" b="1" dirty="0" smtClean="0"/>
+              <a:t>.</a:t>
+            </a:r>
+            <a:endParaRPr lang="es-ES" b="1" dirty="0"/>
+          </a:p>
+        </p:txBody>
+      </p:sp>
+      <p:sp>
+        <p:nvSpPr>
+          <p:cNvPr id="6" name="5 CuadroTexto"/>
+          <p:cNvSpPr txBox="1"/>
+          <p:nvPr/>
+        </p:nvSpPr>
+        <p:spPr>
+          <a:xfrm>
+            <a:off x="6549396" y="2924944"/>
+            <a:ext cx="4824536" cy="2308324"/>
+          </a:xfrm>
+          <a:prstGeom prst="rect">
+            <a:avLst/>
+          </a:prstGeom>
+          <a:noFill/>
+        </p:spPr>
+        <p:txBody>
+          <a:bodyPr wrap="square" rtlCol="0">
+            <a:spAutoFit/>
+          </a:bodyPr>
+          <a:lstStyle/>
+          <a:p>
+            <a:r>
+              <a:rPr lang="es-ES" dirty="0" smtClean="0"/>
+              <a:t>Dispositivo </a:t>
+            </a:r>
+            <a:r>
+              <a:rPr lang="es-ES" dirty="0"/>
+              <a:t>de control </a:t>
+            </a:r>
+            <a:r>
+              <a:rPr lang="es-ES" dirty="0" smtClean="0"/>
+              <a:t>con un </a:t>
+            </a:r>
+            <a:r>
+              <a:rPr lang="es-ES" dirty="0"/>
+              <a:t>LED </a:t>
+            </a:r>
+            <a:r>
+              <a:rPr lang="es-ES" dirty="0" smtClean="0"/>
+              <a:t>infrarrojo que </a:t>
+            </a:r>
+            <a:r>
+              <a:rPr lang="es-ES" dirty="0" err="1" smtClean="0"/>
+              <a:t>envia</a:t>
+            </a:r>
+            <a:r>
+              <a:rPr lang="es-ES" dirty="0" smtClean="0"/>
+              <a:t> una señal invisible, a un receptor infrarrojo.</a:t>
+            </a:r>
+          </a:p>
+          <a:p>
+            <a:endParaRPr lang="es-ES" dirty="0" smtClean="0"/>
+          </a:p>
+          <a:p>
+            <a:r>
+              <a:rPr lang="es-ES" dirty="0" smtClean="0"/>
+              <a:t>Para recibir </a:t>
+            </a:r>
+            <a:r>
+              <a:rPr lang="es-ES" dirty="0"/>
+              <a:t>la </a:t>
+            </a:r>
+            <a:r>
+              <a:rPr lang="es-ES" dirty="0" smtClean="0"/>
+              <a:t>señal </a:t>
+            </a:r>
+            <a:r>
+              <a:rPr lang="es-ES" dirty="0"/>
+              <a:t>se emplea un </a:t>
+            </a:r>
+            <a:r>
+              <a:rPr lang="es-ES" dirty="0" smtClean="0"/>
+              <a:t>sensor infrarrojo.</a:t>
+            </a:r>
+            <a:endParaRPr lang="es-ES" dirty="0"/>
+          </a:p>
+        </p:txBody>
+      </p:sp>
+      <p:pic>
+        <p:nvPicPr>
+          <p:cNvPr id="7" name="6 Marcador de contenido" descr="arduino-mando-a-distancia-esquema"/>
+          <p:cNvPicPr>
+            <a:picLocks noGrp="1"/>
+          </p:cNvPicPr>
+          <p:nvPr>
+            <p:ph idx="1"/>
+          </p:nvPr>
+        </p:nvPicPr>
+        <p:blipFill>
+          <a:blip r:embed="rId3">
+            <a:extLst>
+              <a:ext uri="{28A0092B-C50C-407E-A947-70E740481C1C}">
+                <a14:useLocalDpi xmlns:a14="http://schemas.microsoft.com/office/drawing/2010/main" val="0"/>
+              </a:ext>
+            </a:extLst>
+          </a:blip>
+          <a:srcRect/>
+          <a:stretch>
+            <a:fillRect/>
+          </a:stretch>
+        </p:blipFill>
+        <p:spPr bwMode="auto">
+          <a:xfrm>
+            <a:off x="695400" y="2920574"/>
+            <a:ext cx="4428492" cy="2088232"/>
+          </a:xfrm>
+          <a:prstGeom prst="rect">
+            <a:avLst/>
+          </a:prstGeom>
+          <a:noFill/>
+          <a:ln>
+            <a:noFill/>
+          </a:ln>
+        </p:spPr>
+      </p:pic>
+    </p:spTree>
+    <p:extLst>
+      <p:ext uri="{BB962C8B-B14F-4D97-AF65-F5344CB8AC3E}">
+        <p14:creationId xmlns:p14="http://schemas.microsoft.com/office/powerpoint/2010/main" val="91150604"/>
+      </p:ext>
+    </p:extLst>
+  </p:cSld>
+  <p:clrMapOvr>
+    <a:masterClrMapping/>
+  </p:clrMapOvr>
+  <mc:AlternateContent xmlns:mc="http://schemas.openxmlformats.org/markup-compatibility/2006" xmlns:p14="http://schemas.microsoft.com/office/powerpoint/2010/main">
+    <mc:Choice Requires="p14">
+      <p:transition spd="med" p14:dur="700">
+        <p:fade/>
+      </p:transition>
+    </mc:Choice>
+    <mc:Fallback xmlns="">
+      <p:transition spd="med">
+        <p:fade/>
+      </p:transition>
+    </mc:Fallback>
+  </mc:AlternateContent>
+  <p:timing>
+    <p:tnLst>
+      <p:par>
+        <p:cTn id="1" dur="indefinite" restart="never" nodeType="tmRoot"/>
+      </p:par>
+    </p:tnLst>
+  </p:timing>
+</p:sld>
+</file>
+
+<file path=ppt/slides/slide7.xml><?xml version="1.0" encoding="utf-8"?>
+<p:sld xmlns:a="http://schemas.openxmlformats.org/drawingml/2006/main" xmlns:r="http://schemas.openxmlformats.org/officeDocument/2006/relationships" xmlns:p="http://schemas.openxmlformats.org/presentationml/2006/main">
+  <p:cSld>
+    <p:bg>
+      <p:bgPr>
+        <a:blipFill dpi="0" rotWithShape="0">
+          <a:blip r:embed="rId2"/>
+          <a:srcRect/>
+          <a:stretch>
+            <a:fillRect/>
+          </a:stretch>
+        </a:blipFill>
+        <a:effectLst/>
+      </p:bgPr>
+    </p:bg>
+    <p:spTree>
+      <p:nvGrpSpPr>
+        <p:cNvPr id="1" name=""/>
+        <p:cNvGrpSpPr/>
+        <p:nvPr/>
+      </p:nvGrpSpPr>
+      <p:grpSpPr>
+        <a:xfrm>
+          <a:off x="0" y="0"/>
+          <a:ext cx="0" cy="0"/>
+          <a:chOff x="0" y="0"/>
+          <a:chExt cx="0" cy="0"/>
+        </a:xfrm>
+      </p:grpSpPr>
+      <p:sp>
+        <p:nvSpPr>
+          <p:cNvPr id="4" name="Marcador de número de diapositiva 3">
+            <a:extLst>
+              <a:ext uri="{FF2B5EF4-FFF2-40B4-BE49-F238E27FC236}">
+                <a16:creationId xmlns:a16="http://schemas.microsoft.com/office/drawing/2014/main" xmlns="" id="{4C170D80-EB60-4BAA-90F3-B392B24C9FD2}"/>
+              </a:ext>
+            </a:extLst>
+          </p:cNvPr>
+          <p:cNvSpPr>
+            <a:spLocks noGrp="1"/>
+          </p:cNvSpPr>
+          <p:nvPr>
+            <p:ph type="sldNum" sz="quarter" idx="10"/>
+          </p:nvPr>
+        </p:nvSpPr>
+        <p:spPr>
+          <a:extLst>
+            <a:ext uri="{FAA26D3D-D897-4be2-8F04-BA451C77F1D7}">
+              <ma14:placeholderFlag xmlns="" xmlns:ma14="http://schemas.microsoft.com/office/mac/drawingml/2011/main" val="1"/>
+            </a:ext>
+          </a:extLst>
+        </p:spPr>
+        <p:txBody>
+          <a:bodyPr/>
+          <a:lstStyle>
+            <a:lvl1pPr>
+              <a:defRPr sz="2400">
+                <a:solidFill>
+                  <a:schemeClr val="tx1"/>
+                </a:solidFill>
+                <a:latin typeface="Arial" panose="020B0604020202020204" pitchFamily="34" charset="0"/>
+                <a:ea typeface="MS PGothic" panose="020B0600070205080204" pitchFamily="34" charset="-128"/>
+              </a:defRPr>
+            </a:lvl1pPr>
+            <a:lvl2pPr marL="742950" indent="-285750">
+              <a:defRPr sz="2400">
+                <a:solidFill>
+                  <a:schemeClr val="tx1"/>
+                </a:solidFill>
+                <a:latin typeface="Arial" panose="020B0604020202020204" pitchFamily="34" charset="0"/>
+                <a:ea typeface="MS PGothic" panose="020B0600070205080204" pitchFamily="34" charset="-128"/>
+              </a:defRPr>
+            </a:lvl2pPr>
+            <a:lvl3pPr marL="1143000" indent="-228600">
+              <a:defRPr sz="2400">
+                <a:solidFill>
+                  <a:schemeClr val="tx1"/>
+                </a:solidFill>
+                <a:latin typeface="Arial" panose="020B0604020202020204" pitchFamily="34" charset="0"/>
+                <a:ea typeface="MS PGothic" panose="020B0600070205080204" pitchFamily="34" charset="-128"/>
+              </a:defRPr>
+            </a:lvl3pPr>
+            <a:lvl4pPr marL="1600200" indent="-228600">
+              <a:defRPr sz="2400">
+                <a:solidFill>
+                  <a:schemeClr val="tx1"/>
+                </a:solidFill>
+                <a:latin typeface="Arial" panose="020B0604020202020204" pitchFamily="34" charset="0"/>
+                <a:ea typeface="MS PGothic" panose="020B0600070205080204" pitchFamily="34" charset="-128"/>
+              </a:defRPr>
+            </a:lvl4pPr>
+            <a:lvl5pPr marL="2057400" indent="-228600">
+              <a:defRPr sz="2400">
+                <a:solidFill>
+                  <a:schemeClr val="tx1"/>
+                </a:solidFill>
+                <a:latin typeface="Arial" panose="020B0604020202020204" pitchFamily="34" charset="0"/>
+                <a:ea typeface="MS PGothic" panose="020B0600070205080204" pitchFamily="34" charset="-128"/>
+              </a:defRPr>
+            </a:lvl5pPr>
+            <a:lvl6pPr marL="2514600" indent="-228600" eaLnBrk="0" fontAlgn="base" hangingPunct="0">
+              <a:spcBef>
+                <a:spcPct val="0"/>
+              </a:spcBef>
+              <a:spcAft>
+                <a:spcPct val="0"/>
+              </a:spcAft>
+              <a:defRPr sz="2400">
+                <a:solidFill>
+                  <a:schemeClr val="tx1"/>
+                </a:solidFill>
+                <a:latin typeface="Arial" panose="020B0604020202020204" pitchFamily="34" charset="0"/>
+                <a:ea typeface="MS PGothic" panose="020B0600070205080204" pitchFamily="34" charset="-128"/>
+              </a:defRPr>
+            </a:lvl6pPr>
+            <a:lvl7pPr marL="2971800" indent="-228600" eaLnBrk="0" fontAlgn="base" hangingPunct="0">
+              <a:spcBef>
+                <a:spcPct val="0"/>
+              </a:spcBef>
+              <a:spcAft>
+                <a:spcPct val="0"/>
+              </a:spcAft>
+              <a:defRPr sz="2400">
+                <a:solidFill>
+                  <a:schemeClr val="tx1"/>
+                </a:solidFill>
+                <a:latin typeface="Arial" panose="020B0604020202020204" pitchFamily="34" charset="0"/>
+                <a:ea typeface="MS PGothic" panose="020B0600070205080204" pitchFamily="34" charset="-128"/>
+              </a:defRPr>
+            </a:lvl7pPr>
+            <a:lvl8pPr marL="3429000" indent="-228600" eaLnBrk="0" fontAlgn="base" hangingPunct="0">
+              <a:spcBef>
+                <a:spcPct val="0"/>
+              </a:spcBef>
+              <a:spcAft>
+                <a:spcPct val="0"/>
+              </a:spcAft>
+              <a:defRPr sz="2400">
+                <a:solidFill>
+                  <a:schemeClr val="tx1"/>
+                </a:solidFill>
+                <a:latin typeface="Arial" panose="020B0604020202020204" pitchFamily="34" charset="0"/>
+                <a:ea typeface="MS PGothic" panose="020B0600070205080204" pitchFamily="34" charset="-128"/>
+              </a:defRPr>
+            </a:lvl8pPr>
+            <a:lvl9pPr marL="3886200" indent="-228600" eaLnBrk="0" fontAlgn="base" hangingPunct="0">
+              <a:spcBef>
+                <a:spcPct val="0"/>
+              </a:spcBef>
+              <a:spcAft>
+                <a:spcPct val="0"/>
+              </a:spcAft>
+              <a:defRPr sz="2400">
+                <a:solidFill>
+                  <a:schemeClr val="tx1"/>
+                </a:solidFill>
+                <a:latin typeface="Arial" panose="020B0604020202020204" pitchFamily="34" charset="0"/>
+                <a:ea typeface="MS PGothic" panose="020B0600070205080204" pitchFamily="34" charset="-128"/>
+              </a:defRPr>
+            </a:lvl9pPr>
+          </a:lstStyle>
+          <a:p>
+            <a:r>
+              <a:rPr lang="es-ES_tradnl" altLang="es-ES" sz="1000">
+                <a:solidFill>
+                  <a:srgbClr val="FFFFFF"/>
+                </a:solidFill>
+                <a:latin typeface="Arial Narrow" panose="020B0606020202030204" pitchFamily="34" charset="0"/>
+              </a:rPr>
+              <a:t>DIAPOSITIVA</a:t>
+            </a:r>
+            <a:r>
+              <a:rPr lang="es-ES_tradnl" altLang="es-ES" sz="800">
+                <a:solidFill>
+                  <a:srgbClr val="FFFFFF"/>
+                </a:solidFill>
+              </a:rPr>
+              <a:t> </a:t>
+            </a:r>
+            <a:fld id="{3AAEB521-78D9-49A1-99FB-59F3C17A9997}" type="slidenum">
+              <a:rPr lang="es-ES_tradnl" altLang="es-ES" sz="1000">
+                <a:solidFill>
+                  <a:srgbClr val="FFFFFF"/>
+                </a:solidFill>
+                <a:latin typeface="Arial Narrow" panose="020B0606020202030204" pitchFamily="34" charset="0"/>
+              </a:rPr>
+              <a:pPr/>
+              <a:t>6</a:t>
+            </a:fld>
+            <a:endParaRPr lang="es-ES_tradnl" altLang="es-ES" sz="1000">
+              <a:solidFill>
+                <a:srgbClr val="FFFFFF"/>
+              </a:solidFill>
+              <a:latin typeface="Arial Narrow" panose="020B0606020202030204" pitchFamily="34" charset="0"/>
+            </a:endParaRPr>
+          </a:p>
+        </p:txBody>
+      </p:sp>
+      <p:sp>
+        <p:nvSpPr>
+          <p:cNvPr id="2" name="1 CuadroTexto"/>
+          <p:cNvSpPr txBox="1"/>
+          <p:nvPr/>
+        </p:nvSpPr>
+        <p:spPr>
+          <a:xfrm>
+            <a:off x="1487488" y="1543325"/>
+            <a:ext cx="9289032" cy="461665"/>
+          </a:xfrm>
+          <a:prstGeom prst="rect">
+            <a:avLst/>
+          </a:prstGeom>
+          <a:noFill/>
+        </p:spPr>
+        <p:txBody>
+          <a:bodyPr wrap="square" rtlCol="0">
+            <a:spAutoFit/>
+          </a:bodyPr>
+          <a:lstStyle/>
+          <a:p>
+            <a:pPr marL="0" lvl="1" algn="ctr"/>
+            <a:r>
+              <a:rPr lang="es-ES" b="1" dirty="0"/>
+              <a:t>Desbloqueo de la puerta. Servomotor SG90</a:t>
+            </a:r>
+            <a:r>
+              <a:rPr lang="es-ES" b="1" dirty="0" smtClean="0"/>
+              <a:t>.</a:t>
+            </a:r>
+            <a:endParaRPr lang="es-ES" sz="2000" b="1" dirty="0"/>
+          </a:p>
+        </p:txBody>
+      </p:sp>
+      <p:sp>
+        <p:nvSpPr>
+          <p:cNvPr id="8" name="7 CuadroTexto"/>
+          <p:cNvSpPr txBox="1"/>
+          <p:nvPr/>
+        </p:nvSpPr>
+        <p:spPr>
+          <a:xfrm>
+            <a:off x="983432" y="2276872"/>
+            <a:ext cx="10225136" cy="707886"/>
+          </a:xfrm>
+          <a:prstGeom prst="rect">
+            <a:avLst/>
+          </a:prstGeom>
+          <a:noFill/>
+        </p:spPr>
+        <p:txBody>
+          <a:bodyPr wrap="square" rtlCol="0">
+            <a:spAutoFit/>
+          </a:bodyPr>
+          <a:lstStyle/>
+          <a:p>
+            <a:r>
+              <a:rPr lang="es-ES" sz="2000" dirty="0" smtClean="0"/>
+              <a:t>Motor que se posiciona en el ángulo deseado, normalmente entre 0º y 180º.</a:t>
+            </a:r>
+          </a:p>
+          <a:p>
+            <a:r>
+              <a:rPr lang="es-ES" sz="2000" dirty="0" smtClean="0"/>
+              <a:t>Programado junto al mando y el detector de IR puede servir como cerrojo de una puerta.</a:t>
+            </a:r>
+            <a:endParaRPr lang="es-ES" sz="2000" dirty="0"/>
+          </a:p>
+        </p:txBody>
+      </p:sp>
+      <p:sp>
+        <p:nvSpPr>
+          <p:cNvPr id="10" name="9 Marcador de contenido"/>
+          <p:cNvSpPr>
+            <a:spLocks noGrp="1"/>
+          </p:cNvSpPr>
+          <p:nvPr>
+            <p:ph idx="1"/>
+          </p:nvPr>
+        </p:nvSpPr>
+        <p:spPr>
+          <a:xfrm>
+            <a:off x="609600" y="3501008"/>
+            <a:ext cx="10454952" cy="2568280"/>
+          </a:xfrm>
+        </p:spPr>
+        <p:txBody>
+          <a:bodyPr/>
+          <a:lstStyle/>
+          <a:p>
+            <a:pPr algn="ctr"/>
+            <a:r>
+              <a:rPr lang="es-ES" b="1" u="sng" dirty="0" smtClean="0"/>
+              <a:t>FOTO DEL SERVO</a:t>
+            </a:r>
+            <a:endParaRPr lang="es-ES" b="1" u="sng" dirty="0"/>
+          </a:p>
+        </p:txBody>
+      </p:sp>
+    </p:spTree>
+    <p:extLst>
+      <p:ext uri="{BB962C8B-B14F-4D97-AF65-F5344CB8AC3E}">
+        <p14:creationId xmlns:p14="http://schemas.microsoft.com/office/powerpoint/2010/main" val="2677732004"/>
+      </p:ext>
+    </p:extLst>
+  </p:cSld>
+  <p:clrMapOvr>
+    <a:masterClrMapping/>
+  </p:clrMapOvr>
+  <mc:AlternateContent xmlns:mc="http://schemas.openxmlformats.org/markup-compatibility/2006" xmlns:p14="http://schemas.microsoft.com/office/powerpoint/2010/main">
+    <mc:Choice Requires="p14">
+      <p:transition spd="med" p14:dur="700">
+        <p:fade/>
+      </p:transition>
+    </mc:Choice>
+    <mc:Fallback xmlns="">
+      <p:transition spd="med">
+        <p:fade/>
+      </p:transition>
+    </mc:Fallback>
+  </mc:AlternateContent>
+  <p:timing>
+    <p:tnLst>
+      <p:par>
+        <p:cTn id="1" dur="indefinite" restart="never" nodeType="tmRoot"/>
+      </p:par>
+    </p:tnLst>
+  </p:timing>
+</p:sld>
+</file>
+
+<file path=ppt/slides/slide8.xml><?xml version="1.0" encoding="utf-8"?>
+<p:sld xmlns:a="http://schemas.openxmlformats.org/drawingml/2006/main" xmlns:r="http://schemas.openxmlformats.org/officeDocument/2006/relationships" xmlns:p="http://schemas.openxmlformats.org/presentationml/2006/main">
+  <p:cSld>
+    <p:bg>
+      <p:bgPr>
+        <a:blipFill dpi="0" rotWithShape="0">
+          <a:blip r:embed="rId2"/>
+          <a:srcRect/>
+          <a:stretch>
+            <a:fillRect/>
+          </a:stretch>
+        </a:blipFill>
+        <a:effectLst/>
+      </p:bgPr>
+    </p:bg>
+    <p:spTree>
+      <p:nvGrpSpPr>
+        <p:cNvPr id="1" name=""/>
+        <p:cNvGrpSpPr/>
+        <p:nvPr/>
+      </p:nvGrpSpPr>
+      <p:grpSpPr>
+        <a:xfrm>
+          <a:off x="0" y="0"/>
+          <a:ext cx="0" cy="0"/>
+          <a:chOff x="0" y="0"/>
+          <a:chExt cx="0" cy="0"/>
+        </a:xfrm>
+      </p:grpSpPr>
+      <p:sp>
+        <p:nvSpPr>
+          <p:cNvPr id="4" name="Marcador de número de diapositiva 3">
+            <a:extLst>
+              <a:ext uri="{FF2B5EF4-FFF2-40B4-BE49-F238E27FC236}">
+                <a16:creationId xmlns:a16="http://schemas.microsoft.com/office/drawing/2014/main" xmlns="" id="{4C170D80-EB60-4BAA-90F3-B392B24C9FD2}"/>
+              </a:ext>
+            </a:extLst>
+          </p:cNvPr>
+          <p:cNvSpPr>
+            <a:spLocks noGrp="1"/>
+          </p:cNvSpPr>
+          <p:nvPr>
+            <p:ph type="sldNum" sz="quarter" idx="10"/>
+          </p:nvPr>
+        </p:nvSpPr>
+        <p:spPr>
+          <a:extLst>
+            <a:ext uri="{FAA26D3D-D897-4be2-8F04-BA451C77F1D7}">
+              <ma14:placeholderFlag xmlns="" xmlns:ma14="http://schemas.microsoft.com/office/mac/drawingml/2011/main" val="1"/>
+            </a:ext>
+          </a:extLst>
+        </p:spPr>
+        <p:txBody>
+          <a:bodyPr/>
+          <a:lstStyle>
+            <a:lvl1pPr>
+              <a:defRPr sz="2400">
+                <a:solidFill>
+                  <a:schemeClr val="tx1"/>
+                </a:solidFill>
+                <a:latin typeface="Arial" panose="020B0604020202020204" pitchFamily="34" charset="0"/>
+                <a:ea typeface="MS PGothic" panose="020B0600070205080204" pitchFamily="34" charset="-128"/>
+              </a:defRPr>
+            </a:lvl1pPr>
+            <a:lvl2pPr marL="742950" indent="-285750">
+              <a:defRPr sz="2400">
+                <a:solidFill>
+                  <a:schemeClr val="tx1"/>
+                </a:solidFill>
+                <a:latin typeface="Arial" panose="020B0604020202020204" pitchFamily="34" charset="0"/>
+                <a:ea typeface="MS PGothic" panose="020B0600070205080204" pitchFamily="34" charset="-128"/>
+              </a:defRPr>
+            </a:lvl2pPr>
+            <a:lvl3pPr marL="1143000" indent="-228600">
+              <a:defRPr sz="2400">
+                <a:solidFill>
+                  <a:schemeClr val="tx1"/>
+                </a:solidFill>
+                <a:latin typeface="Arial" panose="020B0604020202020204" pitchFamily="34" charset="0"/>
+                <a:ea typeface="MS PGothic" panose="020B0600070205080204" pitchFamily="34" charset="-128"/>
+              </a:defRPr>
+            </a:lvl3pPr>
+            <a:lvl4pPr marL="1600200" indent="-228600">
+              <a:defRPr sz="2400">
+                <a:solidFill>
+                  <a:schemeClr val="tx1"/>
+                </a:solidFill>
+                <a:latin typeface="Arial" panose="020B0604020202020204" pitchFamily="34" charset="0"/>
+                <a:ea typeface="MS PGothic" panose="020B0600070205080204" pitchFamily="34" charset="-128"/>
+              </a:defRPr>
+            </a:lvl4pPr>
+            <a:lvl5pPr marL="2057400" indent="-228600">
+              <a:defRPr sz="2400">
+                <a:solidFill>
+                  <a:schemeClr val="tx1"/>
+                </a:solidFill>
+                <a:latin typeface="Arial" panose="020B0604020202020204" pitchFamily="34" charset="0"/>
+                <a:ea typeface="MS PGothic" panose="020B0600070205080204" pitchFamily="34" charset="-128"/>
+              </a:defRPr>
+            </a:lvl5pPr>
+            <a:lvl6pPr marL="2514600" indent="-228600" eaLnBrk="0" fontAlgn="base" hangingPunct="0">
+              <a:spcBef>
+                <a:spcPct val="0"/>
+              </a:spcBef>
+              <a:spcAft>
+                <a:spcPct val="0"/>
+              </a:spcAft>
+              <a:defRPr sz="2400">
+                <a:solidFill>
+                  <a:schemeClr val="tx1"/>
+                </a:solidFill>
+                <a:latin typeface="Arial" panose="020B0604020202020204" pitchFamily="34" charset="0"/>
+                <a:ea typeface="MS PGothic" panose="020B0600070205080204" pitchFamily="34" charset="-128"/>
+              </a:defRPr>
+            </a:lvl6pPr>
+            <a:lvl7pPr marL="2971800" indent="-228600" eaLnBrk="0" fontAlgn="base" hangingPunct="0">
+              <a:spcBef>
+                <a:spcPct val="0"/>
+              </a:spcBef>
+              <a:spcAft>
+                <a:spcPct val="0"/>
+              </a:spcAft>
+              <a:defRPr sz="2400">
+                <a:solidFill>
+                  <a:schemeClr val="tx1"/>
+                </a:solidFill>
+                <a:latin typeface="Arial" panose="020B0604020202020204" pitchFamily="34" charset="0"/>
+                <a:ea typeface="MS PGothic" panose="020B0600070205080204" pitchFamily="34" charset="-128"/>
+              </a:defRPr>
+            </a:lvl7pPr>
+            <a:lvl8pPr marL="3429000" indent="-228600" eaLnBrk="0" fontAlgn="base" hangingPunct="0">
+              <a:spcBef>
+                <a:spcPct val="0"/>
+              </a:spcBef>
+              <a:spcAft>
+                <a:spcPct val="0"/>
+              </a:spcAft>
+              <a:defRPr sz="2400">
+                <a:solidFill>
+                  <a:schemeClr val="tx1"/>
+                </a:solidFill>
+                <a:latin typeface="Arial" panose="020B0604020202020204" pitchFamily="34" charset="0"/>
+                <a:ea typeface="MS PGothic" panose="020B0600070205080204" pitchFamily="34" charset="-128"/>
+              </a:defRPr>
+            </a:lvl8pPr>
+            <a:lvl9pPr marL="3886200" indent="-228600" eaLnBrk="0" fontAlgn="base" hangingPunct="0">
+              <a:spcBef>
+                <a:spcPct val="0"/>
+              </a:spcBef>
+              <a:spcAft>
+                <a:spcPct val="0"/>
+              </a:spcAft>
+              <a:defRPr sz="2400">
+                <a:solidFill>
+                  <a:schemeClr val="tx1"/>
+                </a:solidFill>
+                <a:latin typeface="Arial" panose="020B0604020202020204" pitchFamily="34" charset="0"/>
+                <a:ea typeface="MS PGothic" panose="020B0600070205080204" pitchFamily="34" charset="-128"/>
+              </a:defRPr>
+            </a:lvl9pPr>
+          </a:lstStyle>
+          <a:p>
+            <a:r>
+              <a:rPr lang="es-ES_tradnl" altLang="es-ES" sz="1000">
+                <a:solidFill>
+                  <a:srgbClr val="FFFFFF"/>
+                </a:solidFill>
+                <a:latin typeface="Arial Narrow" panose="020B0606020202030204" pitchFamily="34" charset="0"/>
+              </a:rPr>
+              <a:t>DIAPOSITIVA</a:t>
+            </a:r>
+            <a:r>
+              <a:rPr lang="es-ES_tradnl" altLang="es-ES" sz="800">
+                <a:solidFill>
+                  <a:srgbClr val="FFFFFF"/>
+                </a:solidFill>
+              </a:rPr>
+              <a:t> </a:t>
+            </a:r>
+            <a:fld id="{3AAEB521-78D9-49A1-99FB-59F3C17A9997}" type="slidenum">
+              <a:rPr lang="es-ES_tradnl" altLang="es-ES" sz="1000">
+                <a:solidFill>
+                  <a:srgbClr val="FFFFFF"/>
+                </a:solidFill>
+                <a:latin typeface="Arial Narrow" panose="020B0606020202030204" pitchFamily="34" charset="0"/>
+              </a:rPr>
+              <a:pPr/>
+              <a:t>7</a:t>
+            </a:fld>
+            <a:endParaRPr lang="es-ES_tradnl" altLang="es-ES" sz="1000">
+              <a:solidFill>
+                <a:srgbClr val="FFFFFF"/>
+              </a:solidFill>
+              <a:latin typeface="Arial Narrow" panose="020B0606020202030204" pitchFamily="34" charset="0"/>
+            </a:endParaRPr>
+          </a:p>
+        </p:txBody>
+      </p:sp>
+      <p:sp>
+        <p:nvSpPr>
+          <p:cNvPr id="2" name="1 CuadroTexto"/>
+          <p:cNvSpPr txBox="1"/>
+          <p:nvPr/>
+        </p:nvSpPr>
+        <p:spPr>
+          <a:xfrm>
+            <a:off x="1487488" y="1543325"/>
+            <a:ext cx="9289032" cy="461665"/>
+          </a:xfrm>
+          <a:prstGeom prst="rect">
+            <a:avLst/>
+          </a:prstGeom>
+          <a:noFill/>
+        </p:spPr>
+        <p:txBody>
+          <a:bodyPr wrap="square" rtlCol="0">
+            <a:spAutoFit/>
+          </a:bodyPr>
+          <a:lstStyle/>
+          <a:p>
+            <a:pPr marL="0" lvl="1" algn="ctr"/>
+            <a:r>
+              <a:rPr lang="es-ES" b="1" dirty="0"/>
+              <a:t>Receptor de cantidad de luz. LDR</a:t>
+            </a:r>
+            <a:endParaRPr lang="es-ES" b="1" dirty="0">
+              <a:solidFill>
+                <a:srgbClr val="000000"/>
+              </a:solidFill>
+            </a:endParaRPr>
+          </a:p>
+        </p:txBody>
+      </p:sp>
+      <p:sp>
+        <p:nvSpPr>
+          <p:cNvPr id="5" name="4 CuadroTexto"/>
+          <p:cNvSpPr txBox="1"/>
+          <p:nvPr/>
+        </p:nvSpPr>
+        <p:spPr>
+          <a:xfrm>
+            <a:off x="6240016" y="2636912"/>
+            <a:ext cx="4968552" cy="3785652"/>
+          </a:xfrm>
+          <a:prstGeom prst="rect">
+            <a:avLst/>
+          </a:prstGeom>
+          <a:noFill/>
+        </p:spPr>
+        <p:txBody>
+          <a:bodyPr wrap="square" rtlCol="0">
+            <a:spAutoFit/>
+          </a:bodyPr>
+          <a:lstStyle/>
+          <a:p>
+            <a:r>
+              <a:rPr lang="es-ES" dirty="0" smtClean="0"/>
+              <a:t>Elemento que </a:t>
+            </a:r>
+            <a:r>
+              <a:rPr lang="es-ES" dirty="0"/>
+              <a:t>varia su resistencia en función de la luz que recibe. </a:t>
+            </a:r>
+            <a:r>
+              <a:rPr lang="es-ES" dirty="0" smtClean="0"/>
+              <a:t>Formador por un </a:t>
+            </a:r>
+            <a:r>
+              <a:rPr lang="es-ES" dirty="0"/>
+              <a:t>material semiconductor, que absorbe los fotones y los lleva a la banda de conducción reduciendo la resistencia </a:t>
+            </a:r>
+            <a:r>
+              <a:rPr lang="es-ES" dirty="0" smtClean="0"/>
+              <a:t>(disminuye </a:t>
+            </a:r>
+            <a:r>
+              <a:rPr lang="es-ES" dirty="0"/>
+              <a:t>su resistencia a medida que aumenta la </a:t>
+            </a:r>
+            <a:r>
+              <a:rPr lang="es-ES" dirty="0" smtClean="0"/>
+              <a:t>luz).</a:t>
+            </a:r>
+            <a:endParaRPr lang="es-ES" dirty="0"/>
+          </a:p>
+          <a:p>
+            <a:endParaRPr lang="es-ES" dirty="0"/>
+          </a:p>
+        </p:txBody>
+      </p:sp>
+      <p:pic>
+        <p:nvPicPr>
+          <p:cNvPr id="12" name="11 Marcador de contenido"/>
+          <p:cNvPicPr>
+            <a:picLocks noGrp="1" noChangeAspect="1"/>
+          </p:cNvPicPr>
+          <p:nvPr>
+            <p:ph idx="1"/>
+          </p:nvPr>
+        </p:nvPicPr>
+        <p:blipFill>
+          <a:blip r:embed="rId3">
+            <a:clrChange>
+              <a:clrFrom>
+                <a:srgbClr val="FFFFFF"/>
+              </a:clrFrom>
+              <a:clrTo>
+                <a:srgbClr val="FFFFFF">
+                  <a:alpha val="0"/>
+                </a:srgbClr>
+              </a:clrTo>
+            </a:clrChange>
+            <a:extLst>
+              <a:ext uri="{28A0092B-C50C-407E-A947-70E740481C1C}">
+                <a14:useLocalDpi xmlns:a14="http://schemas.microsoft.com/office/drawing/2010/main" val="0"/>
+              </a:ext>
+            </a:extLst>
+          </a:blip>
+          <a:stretch>
+            <a:fillRect/>
+          </a:stretch>
+        </p:blipFill>
+        <p:spPr>
+          <a:xfrm>
+            <a:off x="1127448" y="2030886"/>
+            <a:ext cx="3816424" cy="3816424"/>
+          </a:xfrm>
+        </p:spPr>
+      </p:pic>
+    </p:spTree>
+    <p:extLst>
+      <p:ext uri="{BB962C8B-B14F-4D97-AF65-F5344CB8AC3E}">
+        <p14:creationId xmlns:p14="http://schemas.microsoft.com/office/powerpoint/2010/main" val="2677732004"/>
+      </p:ext>
+    </p:extLst>
+  </p:cSld>
+  <p:clrMapOvr>
+    <a:masterClrMapping/>
+  </p:clrMapOvr>
+  <mc:AlternateContent xmlns:mc="http://schemas.openxmlformats.org/markup-compatibility/2006" xmlns:p14="http://schemas.microsoft.com/office/powerpoint/2010/main">
+    <mc:Choice Requires="p14">
+      <p:transition spd="med" p14:dur="700">
+        <p:fade/>
+      </p:transition>
+    </mc:Choice>
+    <mc:Fallback xmlns="">
+      <p:transition spd="med">
+        <p:fade/>
+      </p:transition>
+    </mc:Fallback>
+  </mc:AlternateContent>
+  <p:timing>
+    <p:tnLst>
+      <p:par>
+        <p:cTn id="1" dur="indefinite" restart="never" nodeType="tmRoot"/>
+      </p:par>
+    </p:tnLst>
+  </p:timing>
+</p:sld>
+</file>
+
+<file path=ppt/slides/slide9.xml><?xml version="1.0" encoding="utf-8"?>
+<p:sld xmlns:a="http://schemas.openxmlformats.org/drawingml/2006/main" xmlns:r="http://schemas.openxmlformats.org/officeDocument/2006/relationships" xmlns:p="http://schemas.openxmlformats.org/presentationml/2006/main">
+  <p:cSld>
+    <p:bg>
+      <p:bgPr>
+        <a:blipFill dpi="0" rotWithShape="0">
+          <a:blip r:embed="rId2"/>
+          <a:srcRect/>
+          <a:stretch>
+            <a:fillRect/>
+          </a:stretch>
+        </a:blipFill>
+        <a:effectLst/>
+      </p:bgPr>
+    </p:bg>
+    <p:spTree>
+      <p:nvGrpSpPr>
+        <p:cNvPr id="1" name=""/>
+        <p:cNvGrpSpPr/>
+        <p:nvPr/>
+      </p:nvGrpSpPr>
+      <p:grpSpPr>
+        <a:xfrm>
+          <a:off x="0" y="0"/>
+          <a:ext cx="0" cy="0"/>
+          <a:chOff x="0" y="0"/>
+          <a:chExt cx="0" cy="0"/>
+        </a:xfrm>
+      </p:grpSpPr>
+      <p:sp>
+        <p:nvSpPr>
+          <p:cNvPr id="4" name="Marcador de número de diapositiva 3">
+            <a:extLst>
+              <a:ext uri="{FF2B5EF4-FFF2-40B4-BE49-F238E27FC236}">
+                <a16:creationId xmlns:a16="http://schemas.microsoft.com/office/drawing/2014/main" xmlns="" id="{4C170D80-EB60-4BAA-90F3-B392B24C9FD2}"/>
+              </a:ext>
+            </a:extLst>
+          </p:cNvPr>
+          <p:cNvSpPr>
+            <a:spLocks noGrp="1"/>
+          </p:cNvSpPr>
+          <p:nvPr>
+            <p:ph type="sldNum" sz="quarter" idx="10"/>
+          </p:nvPr>
+        </p:nvSpPr>
+        <p:spPr>
+          <a:extLst>
+            <a:ext uri="{FAA26D3D-D897-4be2-8F04-BA451C77F1D7}">
+              <ma14:placeholderFlag xmlns="" xmlns:ma14="http://schemas.microsoft.com/office/mac/drawingml/2011/main" val="1"/>
+            </a:ext>
+          </a:extLst>
+        </p:spPr>
+        <p:txBody>
+          <a:bodyPr/>
+          <a:lstStyle>
+            <a:lvl1pPr>
+              <a:defRPr sz="2400">
+                <a:solidFill>
+                  <a:schemeClr val="tx1"/>
+                </a:solidFill>
+                <a:latin typeface="Arial" panose="020B0604020202020204" pitchFamily="34" charset="0"/>
+                <a:ea typeface="MS PGothic" panose="020B0600070205080204" pitchFamily="34" charset="-128"/>
+              </a:defRPr>
+            </a:lvl1pPr>
+            <a:lvl2pPr marL="742950" indent="-285750">
+              <a:defRPr sz="2400">
+                <a:solidFill>
+                  <a:schemeClr val="tx1"/>
+                </a:solidFill>
+                <a:latin typeface="Arial" panose="020B0604020202020204" pitchFamily="34" charset="0"/>
+                <a:ea typeface="MS PGothic" panose="020B0600070205080204" pitchFamily="34" charset="-128"/>
+              </a:defRPr>
+            </a:lvl2pPr>
+            <a:lvl3pPr marL="1143000" indent="-228600">
+              <a:defRPr sz="2400">
+                <a:solidFill>
+                  <a:schemeClr val="tx1"/>
+                </a:solidFill>
+                <a:latin typeface="Arial" panose="020B0604020202020204" pitchFamily="34" charset="0"/>
+                <a:ea typeface="MS PGothic" panose="020B0600070205080204" pitchFamily="34" charset="-128"/>
+              </a:defRPr>
+            </a:lvl3pPr>
+            <a:lvl4pPr marL="1600200" indent="-228600">
+              <a:defRPr sz="2400">
+                <a:solidFill>
+                  <a:schemeClr val="tx1"/>
+                </a:solidFill>
+                <a:latin typeface="Arial" panose="020B0604020202020204" pitchFamily="34" charset="0"/>
+                <a:ea typeface="MS PGothic" panose="020B0600070205080204" pitchFamily="34" charset="-128"/>
+              </a:defRPr>
+            </a:lvl4pPr>
+            <a:lvl5pPr marL="2057400" indent="-228600">
+              <a:defRPr sz="2400">
+                <a:solidFill>
+                  <a:schemeClr val="tx1"/>
+                </a:solidFill>
+                <a:latin typeface="Arial" panose="020B0604020202020204" pitchFamily="34" charset="0"/>
+                <a:ea typeface="MS PGothic" panose="020B0600070205080204" pitchFamily="34" charset="-128"/>
+              </a:defRPr>
+            </a:lvl5pPr>
+            <a:lvl6pPr marL="2514600" indent="-228600" eaLnBrk="0" fontAlgn="base" hangingPunct="0">
+              <a:spcBef>
+                <a:spcPct val="0"/>
+              </a:spcBef>
+              <a:spcAft>
+                <a:spcPct val="0"/>
+              </a:spcAft>
+              <a:defRPr sz="2400">
+                <a:solidFill>
+                  <a:schemeClr val="tx1"/>
+                </a:solidFill>
+                <a:latin typeface="Arial" panose="020B0604020202020204" pitchFamily="34" charset="0"/>
+                <a:ea typeface="MS PGothic" panose="020B0600070205080204" pitchFamily="34" charset="-128"/>
+              </a:defRPr>
+            </a:lvl6pPr>
+            <a:lvl7pPr marL="2971800" indent="-228600" eaLnBrk="0" fontAlgn="base" hangingPunct="0">
+              <a:spcBef>
+                <a:spcPct val="0"/>
+              </a:spcBef>
+              <a:spcAft>
+                <a:spcPct val="0"/>
+              </a:spcAft>
+              <a:defRPr sz="2400">
+                <a:solidFill>
+                  <a:schemeClr val="tx1"/>
+                </a:solidFill>
+                <a:latin typeface="Arial" panose="020B0604020202020204" pitchFamily="34" charset="0"/>
+                <a:ea typeface="MS PGothic" panose="020B0600070205080204" pitchFamily="34" charset="-128"/>
+              </a:defRPr>
+            </a:lvl7pPr>
+            <a:lvl8pPr marL="3429000" indent="-228600" eaLnBrk="0" fontAlgn="base" hangingPunct="0">
+              <a:spcBef>
+                <a:spcPct val="0"/>
+              </a:spcBef>
+              <a:spcAft>
+                <a:spcPct val="0"/>
+              </a:spcAft>
+              <a:defRPr sz="2400">
+                <a:solidFill>
+                  <a:schemeClr val="tx1"/>
+                </a:solidFill>
+                <a:latin typeface="Arial" panose="020B0604020202020204" pitchFamily="34" charset="0"/>
+                <a:ea typeface="MS PGothic" panose="020B0600070205080204" pitchFamily="34" charset="-128"/>
+              </a:defRPr>
+            </a:lvl8pPr>
+            <a:lvl9pPr marL="3886200" indent="-228600" eaLnBrk="0" fontAlgn="base" hangingPunct="0">
+              <a:spcBef>
+                <a:spcPct val="0"/>
+              </a:spcBef>
+              <a:spcAft>
+                <a:spcPct val="0"/>
+              </a:spcAft>
+              <a:defRPr sz="2400">
+                <a:solidFill>
+                  <a:schemeClr val="tx1"/>
+                </a:solidFill>
+                <a:latin typeface="Arial" panose="020B0604020202020204" pitchFamily="34" charset="0"/>
+                <a:ea typeface="MS PGothic" panose="020B0600070205080204" pitchFamily="34" charset="-128"/>
+              </a:defRPr>
+            </a:lvl9pPr>
+          </a:lstStyle>
+          <a:p>
+            <a:r>
+              <a:rPr lang="es-ES_tradnl" altLang="es-ES" sz="1000">
+                <a:solidFill>
+                  <a:srgbClr val="FFFFFF"/>
+                </a:solidFill>
+                <a:latin typeface="Arial Narrow" panose="020B0606020202030204" pitchFamily="34" charset="0"/>
+              </a:rPr>
+              <a:t>DIAPOSITIVA</a:t>
+            </a:r>
+            <a:r>
+              <a:rPr lang="es-ES_tradnl" altLang="es-ES" sz="800">
+                <a:solidFill>
+                  <a:srgbClr val="FFFFFF"/>
+                </a:solidFill>
+              </a:rPr>
+              <a:t> </a:t>
+            </a:r>
+            <a:fld id="{3AAEB521-78D9-49A1-99FB-59F3C17A9997}" type="slidenum">
+              <a:rPr lang="es-ES_tradnl" altLang="es-ES" sz="1000">
+                <a:solidFill>
+                  <a:srgbClr val="FFFFFF"/>
+                </a:solidFill>
+                <a:latin typeface="Arial Narrow" panose="020B0606020202030204" pitchFamily="34" charset="0"/>
+              </a:rPr>
+              <a:pPr/>
+              <a:t>8</a:t>
+            </a:fld>
+            <a:endParaRPr lang="es-ES_tradnl" altLang="es-ES" sz="1000">
+              <a:solidFill>
+                <a:srgbClr val="FFFFFF"/>
+              </a:solidFill>
+              <a:latin typeface="Arial Narrow" panose="020B0606020202030204" pitchFamily="34" charset="0"/>
+            </a:endParaRPr>
+          </a:p>
+        </p:txBody>
+      </p:sp>
+      <p:sp>
+        <p:nvSpPr>
+          <p:cNvPr id="2" name="1 CuadroTexto"/>
+          <p:cNvSpPr txBox="1"/>
+          <p:nvPr/>
+        </p:nvSpPr>
+        <p:spPr>
+          <a:xfrm>
+            <a:off x="1487488" y="1543325"/>
+            <a:ext cx="9289032" cy="461665"/>
+          </a:xfrm>
+          <a:prstGeom prst="rect">
+            <a:avLst/>
+          </a:prstGeom>
+          <a:noFill/>
+        </p:spPr>
+        <p:txBody>
+          <a:bodyPr wrap="square" rtlCol="0">
+            <a:spAutoFit/>
+          </a:bodyPr>
+          <a:lstStyle/>
+          <a:p>
+            <a:pPr marL="0" lvl="1" algn="ctr"/>
+            <a:r>
+              <a:rPr lang="es-ES" b="1" dirty="0"/>
+              <a:t>Iluminación de la habitación. LED.</a:t>
+            </a:r>
+            <a:endParaRPr lang="es-ES" b="1" dirty="0">
+              <a:solidFill>
+                <a:srgbClr val="000000"/>
+              </a:solidFill>
+            </a:endParaRPr>
+          </a:p>
+        </p:txBody>
+      </p:sp>
+      <p:sp>
+        <p:nvSpPr>
+          <p:cNvPr id="6" name="5 CuadroTexto"/>
+          <p:cNvSpPr txBox="1"/>
+          <p:nvPr/>
+        </p:nvSpPr>
+        <p:spPr>
+          <a:xfrm>
+            <a:off x="6549396" y="2924944"/>
+            <a:ext cx="4824536" cy="3785652"/>
+          </a:xfrm>
+          <a:prstGeom prst="rect">
+            <a:avLst/>
+          </a:prstGeom>
+          <a:noFill/>
+        </p:spPr>
+        <p:txBody>
+          <a:bodyPr wrap="square" rtlCol="0">
+            <a:spAutoFit/>
+          </a:bodyPr>
+          <a:lstStyle/>
+          <a:p>
+            <a:r>
+              <a:rPr lang="es-ES" dirty="0"/>
+              <a:t>D</a:t>
+            </a:r>
+            <a:r>
+              <a:rPr lang="es-ES" dirty="0" smtClean="0"/>
+              <a:t>iodo que </a:t>
+            </a:r>
+            <a:r>
+              <a:rPr lang="es-ES" dirty="0"/>
+              <a:t>emite luz al ser atravesado por una </a:t>
+            </a:r>
+            <a:r>
+              <a:rPr lang="es-ES" dirty="0" smtClean="0"/>
+              <a:t>corriente. El </a:t>
+            </a:r>
+            <a:r>
+              <a:rPr lang="es-ES" dirty="0"/>
+              <a:t>paso de la corriente solo </a:t>
+            </a:r>
+            <a:r>
+              <a:rPr lang="es-ES" dirty="0" smtClean="0"/>
+              <a:t>es posible </a:t>
+            </a:r>
+            <a:r>
+              <a:rPr lang="es-ES" dirty="0"/>
+              <a:t>en una </a:t>
+            </a:r>
+            <a:r>
+              <a:rPr lang="es-ES" dirty="0" smtClean="0"/>
+              <a:t>dirección.</a:t>
+            </a:r>
+          </a:p>
+          <a:p>
+            <a:r>
+              <a:rPr lang="es-ES" dirty="0"/>
+              <a:t>L</a:t>
+            </a:r>
+            <a:r>
+              <a:rPr lang="es-ES" dirty="0" smtClean="0"/>
+              <a:t>a </a:t>
+            </a:r>
+            <a:r>
+              <a:rPr lang="es-ES" dirty="0"/>
+              <a:t>baja resistencia del </a:t>
+            </a:r>
+            <a:r>
+              <a:rPr lang="es-ES" dirty="0" smtClean="0"/>
+              <a:t>diodo podría </a:t>
+            </a:r>
+            <a:r>
+              <a:rPr lang="es-ES" dirty="0"/>
+              <a:t>destruirlo si no se usa una </a:t>
+            </a:r>
+            <a:r>
+              <a:rPr lang="es-ES" dirty="0" smtClean="0"/>
+              <a:t>resistencia para </a:t>
+            </a:r>
+            <a:r>
+              <a:rPr lang="es-ES" dirty="0"/>
+              <a:t>limitar el paso de la corriente.</a:t>
+            </a:r>
+          </a:p>
+          <a:p>
+            <a:endParaRPr lang="es-ES" dirty="0"/>
+          </a:p>
+          <a:p>
+            <a:endParaRPr lang="es-ES" dirty="0">
+              <a:solidFill>
+                <a:srgbClr val="000000"/>
+              </a:solidFill>
+            </a:endParaRPr>
+          </a:p>
+        </p:txBody>
+      </p:sp>
+      <p:pic>
+        <p:nvPicPr>
+          <p:cNvPr id="8" name="7 Marcador de contenido" descr="C:\Users\Pablo\Desktop\trabajo informática\documentacion word\imagenes\codigo led.png"/>
+          <p:cNvPicPr>
+            <a:picLocks noGrp="1"/>
+          </p:cNvPicPr>
+          <p:nvPr>
+            <p:ph idx="1"/>
+          </p:nvPr>
+        </p:nvPicPr>
+        <p:blipFill rotWithShape="1">
+          <a:blip r:embed="rId3">
+            <a:extLst>
+              <a:ext uri="{28A0092B-C50C-407E-A947-70E740481C1C}">
+                <a14:useLocalDpi xmlns:a14="http://schemas.microsoft.com/office/drawing/2010/main" val="0"/>
+              </a:ext>
+            </a:extLst>
+          </a:blip>
+          <a:srcRect l="5294" r="35246"/>
+          <a:stretch/>
+        </p:blipFill>
+        <p:spPr bwMode="auto">
+          <a:xfrm>
+            <a:off x="839416" y="2420888"/>
+            <a:ext cx="4767779" cy="3744490"/>
+          </a:xfrm>
+          <a:prstGeom prst="rect">
+            <a:avLst/>
+          </a:prstGeom>
+          <a:noFill/>
+          <a:ln>
+            <a:solidFill>
+              <a:schemeClr val="tx1"/>
+            </a:solidFill>
+          </a:ln>
+          <a:extLst>
+            <a:ext uri="{53640926-AAD7-44D8-BBD7-CCE9431645EC}">
+              <a14:shadowObscured xmlns:a14="http://schemas.microsoft.com/office/drawing/2010/main"/>
+            </a:ext>
+          </a:extLst>
+        </p:spPr>
+      </p:pic>
+    </p:spTree>
+    <p:extLst>
+      <p:ext uri="{BB962C8B-B14F-4D97-AF65-F5344CB8AC3E}">
+        <p14:creationId xmlns:p14="http://schemas.microsoft.com/office/powerpoint/2010/main" val="2677732004"/>
+      </p:ext>
+    </p:extLst>
+  </p:cSld>
+  <p:clrMapOvr>
+    <a:masterClrMapping/>
+  </p:clrMapOvr>
+  <mc:AlternateContent xmlns:mc="http://schemas.openxmlformats.org/markup-compatibility/2006" xmlns:p14="http://schemas.microsoft.com/office/powerpoint/2010/main">
+    <mc:Choice Requires="p14">
+      <p:transition spd="med" p14:dur="700">
+        <p:fade/>
+      </p:transition>
+    </mc:Choice>
+    <mc:Fallback xmlns="">
+      <p:transition spd="med">
+        <p:fade/>
+      </p:transition>
+    </mc:Fallback>
+  </mc:AlternateContent>
+  <p:timing>
+    <p:tnLst>
+      <p:par>
+        <p:cTn id="1" dur="indefinite" restart="never" nodeType="tmRoot"/>
+      </p:par>
+    </p:tnLst>
+  </p:timing>
 </p:sld>
 </file>
 
@@ -6192,8 +11271,8 @@
         </a:ln>
         <a:effectLst/>
         <a:extLst>
-          <a:ext uri="{AF507438-7753-43e0-B8FC-AC1667EBCBE1}">
-            <a14:hiddenEffects xmlns:a14="http://schemas.microsoft.com/office/drawing/2010/main" xmlns="">
+          <a:ext uri="{AF507438-7753-43E0-B8FC-AC1667EBCBE1}">
+            <a14:hiddenEffects xmlns:a14="http://schemas.microsoft.com/office/drawing/2010/main">
               <a:effectLst>
                 <a:outerShdw blurRad="63500" dist="38099" dir="2700000" algn="ctr" rotWithShape="0">
                   <a:schemeClr val="bg2">
@@ -6269,8 +11348,8 @@
         </a:ln>
         <a:effectLst/>
         <a:extLst>
-          <a:ext uri="{AF507438-7753-43e0-B8FC-AC1667EBCBE1}">
-            <a14:hiddenEffects xmlns:a14="http://schemas.microsoft.com/office/drawing/2010/main" xmlns="">
+          <a:ext uri="{AF507438-7753-43E0-B8FC-AC1667EBCBE1}">
+            <a14:hiddenEffects xmlns:a14="http://schemas.microsoft.com/office/drawing/2010/main">
               <a:effectLst>
                 <a:outerShdw blurRad="63500" dist="38099" dir="2700000" algn="ctr" rotWithShape="0">
                   <a:schemeClr val="bg2">

--- a/trabajoinformatica_sinterminar.pptx
+++ b/trabajoinformatica_sinterminar.pptx
@@ -159,7 +159,7 @@
   </p:defaultTextStyle>
   <p:extLst>
     <p:ext uri="{EFAFB233-063F-42B5-8137-9DF3F51BA10A}">
-      <p15:sldGuideLst xmlns:p15="http://schemas.microsoft.com/office/powerpoint/2012/main" xmlns="">
+      <p15:sldGuideLst xmlns="" xmlns:p15="http://schemas.microsoft.com/office/powerpoint/2012/main">
         <p15:guide id="1" orient="horz" pos="2160" userDrawn="1">
           <p15:clr>
             <a:srgbClr val="A4A3A4"/>
@@ -206,7 +206,7 @@
           <p:cNvPr id="2" name="Marcador de encabezado 1">
             <a:extLst>
               <a:ext uri="{FF2B5EF4-FFF2-40B4-BE49-F238E27FC236}">
-                <a16:creationId xmlns:a16="http://schemas.microsoft.com/office/drawing/2014/main" xmlns="" id="{F895D196-7B76-45E6-8CD0-D22DD24616FB}"/>
+                <a16:creationId xmlns="" xmlns:a16="http://schemas.microsoft.com/office/drawing/2014/main" id="{F895D196-7B76-45E6-8CD0-D22DD24616FB}"/>
               </a:ext>
             </a:extLst>
           </p:cNvPr>
@@ -250,7 +250,7 @@
           <p:cNvPr id="3" name="Marcador de fecha 2">
             <a:extLst>
               <a:ext uri="{FF2B5EF4-FFF2-40B4-BE49-F238E27FC236}">
-                <a16:creationId xmlns:a16="http://schemas.microsoft.com/office/drawing/2014/main" xmlns="" id="{6BD4E4A5-5D1D-45C1-A138-2930C2258430}"/>
+                <a16:creationId xmlns="" xmlns:a16="http://schemas.microsoft.com/office/drawing/2014/main" id="{6BD4E4A5-5D1D-45C1-A138-2930C2258430}"/>
               </a:ext>
             </a:extLst>
           </p:cNvPr>
@@ -285,7 +285,7 @@
             <a:fld id="{42538637-5A62-41A6-B6B8-8E7D5CA632E4}" type="datetimeFigureOut">
               <a:rPr lang="es-ES" altLang="es-ES"/>
               <a:pPr/>
-              <a:t>15/05/2019</a:t>
+              <a:t>16/05/2019</a:t>
             </a:fld>
             <a:endParaRPr lang="es-ES" altLang="es-ES"/>
           </a:p>
@@ -296,7 +296,7 @@
           <p:cNvPr id="4" name="Marcador de pie de página 3">
             <a:extLst>
               <a:ext uri="{FF2B5EF4-FFF2-40B4-BE49-F238E27FC236}">
-                <a16:creationId xmlns:a16="http://schemas.microsoft.com/office/drawing/2014/main" xmlns="" id="{A59B6AD0-3CE8-405C-A7DA-4DD15558EC0F}"/>
+                <a16:creationId xmlns="" xmlns:a16="http://schemas.microsoft.com/office/drawing/2014/main" id="{A59B6AD0-3CE8-405C-A7DA-4DD15558EC0F}"/>
               </a:ext>
             </a:extLst>
           </p:cNvPr>
@@ -340,7 +340,7 @@
           <p:cNvPr id="5" name="Marcador de número de diapositiva 4">
             <a:extLst>
               <a:ext uri="{FF2B5EF4-FFF2-40B4-BE49-F238E27FC236}">
-                <a16:creationId xmlns:a16="http://schemas.microsoft.com/office/drawing/2014/main" xmlns="" id="{933A37F1-7590-4832-A029-8E6CB46764F0}"/>
+                <a16:creationId xmlns="" xmlns:a16="http://schemas.microsoft.com/office/drawing/2014/main" id="{933A37F1-7590-4832-A029-8E6CB46764F0}"/>
               </a:ext>
             </a:extLst>
           </p:cNvPr>
@@ -423,7 +423,7 @@
           <p:cNvPr id="3074" name="Rectangle 2">
             <a:extLst>
               <a:ext uri="{FF2B5EF4-FFF2-40B4-BE49-F238E27FC236}">
-                <a16:creationId xmlns:a16="http://schemas.microsoft.com/office/drawing/2014/main" xmlns="" id="{55E35467-3742-43AE-97FE-D866AAF5E274}"/>
+                <a16:creationId xmlns="" xmlns:a16="http://schemas.microsoft.com/office/drawing/2014/main" id="{55E35467-3742-43AE-97FE-D866AAF5E274}"/>
               </a:ext>
             </a:extLst>
           </p:cNvPr>
@@ -465,7 +465,7 @@
               </a14:hiddenLine>
             </a:ext>
             <a:ext uri="{FAA26D3D-D897-4be2-8F04-BA451C77F1D7}">
-              <ma14:placeholderFlag xmlns="" xmlns:ma14="http://schemas.microsoft.com/office/mac/drawingml/2011/main" val="1"/>
+              <ma14:placeholderFlag xmlns:ma14="http://schemas.microsoft.com/office/mac/drawingml/2011/main" xmlns="" val="1"/>
             </a:ext>
           </a:extLst>
         </p:spPr>
@@ -497,7 +497,7 @@
           <p:cNvPr id="3075" name="Rectangle 3">
             <a:extLst>
               <a:ext uri="{FF2B5EF4-FFF2-40B4-BE49-F238E27FC236}">
-                <a16:creationId xmlns:a16="http://schemas.microsoft.com/office/drawing/2014/main" xmlns="" id="{BDB33273-22AB-49C8-BF1E-8976C9B7FDA1}"/>
+                <a16:creationId xmlns="" xmlns:a16="http://schemas.microsoft.com/office/drawing/2014/main" id="{BDB33273-22AB-49C8-BF1E-8976C9B7FDA1}"/>
               </a:ext>
             </a:extLst>
           </p:cNvPr>
@@ -539,7 +539,7 @@
               </a14:hiddenLine>
             </a:ext>
             <a:ext uri="{FAA26D3D-D897-4be2-8F04-BA451C77F1D7}">
-              <ma14:placeholderFlag xmlns="" xmlns:ma14="http://schemas.microsoft.com/office/mac/drawingml/2011/main" val="1"/>
+              <ma14:placeholderFlag xmlns:ma14="http://schemas.microsoft.com/office/mac/drawingml/2011/main" xmlns="" val="1"/>
             </a:ext>
           </a:extLst>
         </p:spPr>
@@ -571,7 +571,7 @@
           <p:cNvPr id="3076" name="Rectangle 4">
             <a:extLst>
               <a:ext uri="{FF2B5EF4-FFF2-40B4-BE49-F238E27FC236}">
-                <a16:creationId xmlns:a16="http://schemas.microsoft.com/office/drawing/2014/main" xmlns="" id="{491F41B6-9D71-4E6A-A882-D19961442236}"/>
+                <a16:creationId xmlns="" xmlns:a16="http://schemas.microsoft.com/office/drawing/2014/main" id="{491F41B6-9D71-4E6A-A882-D19961442236}"/>
               </a:ext>
             </a:extLst>
           </p:cNvPr>
@@ -623,7 +623,7 @@
           <p:cNvPr id="3077" name="Rectangle 5">
             <a:extLst>
               <a:ext uri="{FF2B5EF4-FFF2-40B4-BE49-F238E27FC236}">
-                <a16:creationId xmlns:a16="http://schemas.microsoft.com/office/drawing/2014/main" xmlns="" id="{674A5853-9DF3-4046-80E5-CED5226359F4}"/>
+                <a16:creationId xmlns="" xmlns:a16="http://schemas.microsoft.com/office/drawing/2014/main" id="{674A5853-9DF3-4046-80E5-CED5226359F4}"/>
               </a:ext>
             </a:extLst>
           </p:cNvPr>
@@ -665,7 +665,7 @@
               </a14:hiddenLine>
             </a:ext>
             <a:ext uri="{FAA26D3D-D897-4be2-8F04-BA451C77F1D7}">
-              <ma14:placeholderFlag xmlns="" xmlns:ma14="http://schemas.microsoft.com/office/mac/drawingml/2011/main" val="1"/>
+              <ma14:placeholderFlag xmlns:ma14="http://schemas.microsoft.com/office/mac/drawingml/2011/main" xmlns="" val="1"/>
             </a:ext>
           </a:extLst>
         </p:spPr>
@@ -718,7 +718,7 @@
           <p:cNvPr id="3078" name="Rectangle 6">
             <a:extLst>
               <a:ext uri="{FF2B5EF4-FFF2-40B4-BE49-F238E27FC236}">
-                <a16:creationId xmlns:a16="http://schemas.microsoft.com/office/drawing/2014/main" xmlns="" id="{CC18EA9E-8C70-4B24-B890-4204F50B33E9}"/>
+                <a16:creationId xmlns="" xmlns:a16="http://schemas.microsoft.com/office/drawing/2014/main" id="{CC18EA9E-8C70-4B24-B890-4204F50B33E9}"/>
               </a:ext>
             </a:extLst>
           </p:cNvPr>
@@ -760,7 +760,7 @@
               </a14:hiddenLine>
             </a:ext>
             <a:ext uri="{FAA26D3D-D897-4be2-8F04-BA451C77F1D7}">
-              <ma14:placeholderFlag xmlns="" xmlns:ma14="http://schemas.microsoft.com/office/mac/drawingml/2011/main" val="1"/>
+              <ma14:placeholderFlag xmlns:ma14="http://schemas.microsoft.com/office/mac/drawingml/2011/main" xmlns="" val="1"/>
             </a:ext>
           </a:extLst>
         </p:spPr>
@@ -792,7 +792,7 @@
           <p:cNvPr id="3079" name="Rectangle 7">
             <a:extLst>
               <a:ext uri="{FF2B5EF4-FFF2-40B4-BE49-F238E27FC236}">
-                <a16:creationId xmlns:a16="http://schemas.microsoft.com/office/drawing/2014/main" xmlns="" id="{E8707DB5-551B-4C75-8DD2-1F1FC9E7F763}"/>
+                <a16:creationId xmlns="" xmlns:a16="http://schemas.microsoft.com/office/drawing/2014/main" id="{E8707DB5-551B-4C75-8DD2-1F1FC9E7F763}"/>
               </a:ext>
             </a:extLst>
           </p:cNvPr>
@@ -834,7 +834,7 @@
               </a14:hiddenLine>
             </a:ext>
             <a:ext uri="{FAA26D3D-D897-4be2-8F04-BA451C77F1D7}">
-              <ma14:placeholderFlag xmlns="" xmlns:ma14="http://schemas.microsoft.com/office/mac/drawingml/2011/main" val="1"/>
+              <ma14:placeholderFlag xmlns:ma14="http://schemas.microsoft.com/office/mac/drawingml/2011/main" xmlns="" val="1"/>
             </a:ext>
           </a:extLst>
         </p:spPr>
@@ -1015,7 +1015,7 @@
           <p:cNvPr id="16385" name="Rectangle 7">
             <a:extLst>
               <a:ext uri="{FF2B5EF4-FFF2-40B4-BE49-F238E27FC236}">
-                <a16:creationId xmlns:a16="http://schemas.microsoft.com/office/drawing/2014/main" xmlns="" id="{E43B5395-B7B4-448C-A731-9F04B555D3F6}"/>
+                <a16:creationId xmlns="" xmlns:a16="http://schemas.microsoft.com/office/drawing/2014/main" id="{E43B5395-B7B4-448C-A731-9F04B555D3F6}"/>
               </a:ext>
             </a:extLst>
           </p:cNvPr>
@@ -1231,7 +1231,7 @@
           <p:cNvPr id="4098" name="Rectangle 2">
             <a:extLst>
               <a:ext uri="{FF2B5EF4-FFF2-40B4-BE49-F238E27FC236}">
-                <a16:creationId xmlns:a16="http://schemas.microsoft.com/office/drawing/2014/main" xmlns="" id="{03DC5C21-F524-4667-8ADD-696EDD39D088}"/>
+                <a16:creationId xmlns="" xmlns:a16="http://schemas.microsoft.com/office/drawing/2014/main" id="{03DC5C21-F524-4667-8ADD-696EDD39D088}"/>
               </a:ext>
             </a:extLst>
           </p:cNvPr>
@@ -1246,7 +1246,7 @@
           <a:ln/>
           <a:extLst>
             <a:ext uri="{FAA26D3D-D897-4be2-8F04-BA451C77F1D7}">
-              <ma14:placeholderFlag xmlns="" xmlns:ma14="http://schemas.microsoft.com/office/mac/drawingml/2011/main" val="1"/>
+              <ma14:placeholderFlag xmlns:ma14="http://schemas.microsoft.com/office/mac/drawingml/2011/main" xmlns="" val="1"/>
             </a:ext>
           </a:extLst>
         </p:spPr>
@@ -1256,7 +1256,7 @@
           <p:cNvPr id="16387" name="Rectangle 3">
             <a:extLst>
               <a:ext uri="{FF2B5EF4-FFF2-40B4-BE49-F238E27FC236}">
-                <a16:creationId xmlns:a16="http://schemas.microsoft.com/office/drawing/2014/main" xmlns="" id="{E573FAAB-FF9F-4793-98E4-255461FA0460}"/>
+                <a16:creationId xmlns="" xmlns:a16="http://schemas.microsoft.com/office/drawing/2014/main" id="{E573FAAB-FF9F-4793-98E4-255461FA0460}"/>
               </a:ext>
             </a:extLst>
           </p:cNvPr>
@@ -1429,7 +1429,7 @@
           <p:cNvPr id="4" name="Rectangle 6">
             <a:extLst>
               <a:ext uri="{FF2B5EF4-FFF2-40B4-BE49-F238E27FC236}">
-                <a16:creationId xmlns:a16="http://schemas.microsoft.com/office/drawing/2014/main" xmlns="" id="{7F5AAF6D-B13C-45FC-ADB3-B7DD9AEACF12}"/>
+                <a16:creationId xmlns="" xmlns:a16="http://schemas.microsoft.com/office/drawing/2014/main" id="{7F5AAF6D-B13C-45FC-ADB3-B7DD9AEACF12}"/>
               </a:ext>
             </a:extLst>
           </p:cNvPr>
@@ -1608,7 +1608,7 @@
           <p:cNvPr id="4" name="Rectangle 6">
             <a:extLst>
               <a:ext uri="{FF2B5EF4-FFF2-40B4-BE49-F238E27FC236}">
-                <a16:creationId xmlns:a16="http://schemas.microsoft.com/office/drawing/2014/main" xmlns="" id="{BA567B4E-AE13-4A98-A5ED-B90ABF0E995F}"/>
+                <a16:creationId xmlns="" xmlns:a16="http://schemas.microsoft.com/office/drawing/2014/main" id="{BA567B4E-AE13-4A98-A5ED-B90ABF0E995F}"/>
               </a:ext>
             </a:extLst>
           </p:cNvPr>
@@ -1787,7 +1787,7 @@
           <p:cNvPr id="4" name="Rectangle 6">
             <a:extLst>
               <a:ext uri="{FF2B5EF4-FFF2-40B4-BE49-F238E27FC236}">
-                <a16:creationId xmlns:a16="http://schemas.microsoft.com/office/drawing/2014/main" xmlns="" id="{99510276-8B2A-4F70-B3BA-FA69D814C23E}"/>
+                <a16:creationId xmlns="" xmlns:a16="http://schemas.microsoft.com/office/drawing/2014/main" id="{99510276-8B2A-4F70-B3BA-FA69D814C23E}"/>
               </a:ext>
             </a:extLst>
           </p:cNvPr>
@@ -1966,7 +1966,7 @@
           <p:cNvPr id="4" name="Rectangle 6">
             <a:extLst>
               <a:ext uri="{FF2B5EF4-FFF2-40B4-BE49-F238E27FC236}">
-                <a16:creationId xmlns:a16="http://schemas.microsoft.com/office/drawing/2014/main" xmlns="" id="{0C4BD9A9-8F65-40CD-9BED-0A2F2D9737DD}"/>
+                <a16:creationId xmlns="" xmlns:a16="http://schemas.microsoft.com/office/drawing/2014/main" id="{0C4BD9A9-8F65-40CD-9BED-0A2F2D9737DD}"/>
               </a:ext>
             </a:extLst>
           </p:cNvPr>
@@ -2157,7 +2157,7 @@
           <p:cNvPr id="4" name="Rectangle 6">
             <a:extLst>
               <a:ext uri="{FF2B5EF4-FFF2-40B4-BE49-F238E27FC236}">
-                <a16:creationId xmlns:a16="http://schemas.microsoft.com/office/drawing/2014/main" xmlns="" id="{15B5E207-467C-475B-92CE-9B352C975AF8}"/>
+                <a16:creationId xmlns="" xmlns:a16="http://schemas.microsoft.com/office/drawing/2014/main" id="{15B5E207-467C-475B-92CE-9B352C975AF8}"/>
               </a:ext>
             </a:extLst>
           </p:cNvPr>
@@ -2452,7 +2452,7 @@
           <p:cNvPr id="5" name="Rectangle 6">
             <a:extLst>
               <a:ext uri="{FF2B5EF4-FFF2-40B4-BE49-F238E27FC236}">
-                <a16:creationId xmlns:a16="http://schemas.microsoft.com/office/drawing/2014/main" xmlns="" id="{E2F86A31-C855-4651-B8F1-EF39433E1041}"/>
+                <a16:creationId xmlns="" xmlns:a16="http://schemas.microsoft.com/office/drawing/2014/main" id="{E2F86A31-C855-4651-B8F1-EF39433E1041}"/>
               </a:ext>
             </a:extLst>
           </p:cNvPr>
@@ -2887,7 +2887,7 @@
           <p:cNvPr id="7" name="Rectangle 6">
             <a:extLst>
               <a:ext uri="{FF2B5EF4-FFF2-40B4-BE49-F238E27FC236}">
-                <a16:creationId xmlns:a16="http://schemas.microsoft.com/office/drawing/2014/main" xmlns="" id="{6129634F-77DE-454C-9BFE-74CC9D8F87B7}"/>
+                <a16:creationId xmlns="" xmlns:a16="http://schemas.microsoft.com/office/drawing/2014/main" id="{6129634F-77DE-454C-9BFE-74CC9D8F87B7}"/>
               </a:ext>
             </a:extLst>
           </p:cNvPr>
@@ -3006,7 +3006,7 @@
           <p:cNvPr id="3" name="Rectangle 6">
             <a:extLst>
               <a:ext uri="{FF2B5EF4-FFF2-40B4-BE49-F238E27FC236}">
-                <a16:creationId xmlns:a16="http://schemas.microsoft.com/office/drawing/2014/main" xmlns="" id="{C9D2F491-D6D1-40DB-A20A-424F6B5749F5}"/>
+                <a16:creationId xmlns="" xmlns:a16="http://schemas.microsoft.com/office/drawing/2014/main" id="{C9D2F491-D6D1-40DB-A20A-424F6B5749F5}"/>
               </a:ext>
             </a:extLst>
           </p:cNvPr>
@@ -3094,7 +3094,7 @@
           <p:cNvPr id="2" name="Rectangle 6">
             <a:extLst>
               <a:ext uri="{FF2B5EF4-FFF2-40B4-BE49-F238E27FC236}">
-                <a16:creationId xmlns:a16="http://schemas.microsoft.com/office/drawing/2014/main" xmlns="" id="{3D46FF5D-5980-400C-B877-1D790BB9309E}"/>
+                <a16:creationId xmlns="" xmlns:a16="http://schemas.microsoft.com/office/drawing/2014/main" id="{3D46FF5D-5980-400C-B877-1D790BB9309E}"/>
               </a:ext>
             </a:extLst>
           </p:cNvPr>
@@ -3373,7 +3373,7 @@
           <p:cNvPr id="5" name="Rectangle 6">
             <a:extLst>
               <a:ext uri="{FF2B5EF4-FFF2-40B4-BE49-F238E27FC236}">
-                <a16:creationId xmlns:a16="http://schemas.microsoft.com/office/drawing/2014/main" xmlns="" id="{A49D175A-A5B9-4604-A6E4-B31780F97E25}"/>
+                <a16:creationId xmlns="" xmlns:a16="http://schemas.microsoft.com/office/drawing/2014/main" id="{A49D175A-A5B9-4604-A6E4-B31780F97E25}"/>
               </a:ext>
             </a:extLst>
           </p:cNvPr>
@@ -3629,7 +3629,7 @@
           <p:cNvPr id="5" name="Rectangle 6">
             <a:extLst>
               <a:ext uri="{FF2B5EF4-FFF2-40B4-BE49-F238E27FC236}">
-                <a16:creationId xmlns:a16="http://schemas.microsoft.com/office/drawing/2014/main" xmlns="" id="{BA964DEC-4559-4447-BE69-D77544CC3CED}"/>
+                <a16:creationId xmlns="" xmlns:a16="http://schemas.microsoft.com/office/drawing/2014/main" id="{BA964DEC-4559-4447-BE69-D77544CC3CED}"/>
               </a:ext>
             </a:extLst>
           </p:cNvPr>
@@ -3725,7 +3725,7 @@
           <p:cNvPr id="1030" name="Rectangle 6">
             <a:extLst>
               <a:ext uri="{FF2B5EF4-FFF2-40B4-BE49-F238E27FC236}">
-                <a16:creationId xmlns:a16="http://schemas.microsoft.com/office/drawing/2014/main" xmlns="" id="{EE29210A-EF68-4833-85E4-8B4253FE2E2B}"/>
+                <a16:creationId xmlns="" xmlns:a16="http://schemas.microsoft.com/office/drawing/2014/main" id="{EE29210A-EF68-4833-85E4-8B4253FE2E2B}"/>
               </a:ext>
             </a:extLst>
           </p:cNvPr>
@@ -3750,7 +3750,7 @@
           </a:ln>
           <a:extLst>
             <a:ext uri="{FAA26D3D-D897-4be2-8F04-BA451C77F1D7}">
-              <ma14:placeholderFlag xmlns="" xmlns:ma14="http://schemas.microsoft.com/office/mac/drawingml/2011/main" val="1"/>
+              <ma14:placeholderFlag xmlns:ma14="http://schemas.microsoft.com/office/mac/drawingml/2011/main" xmlns="" val="1"/>
             </a:ext>
           </a:extLst>
         </p:spPr>
@@ -4254,7 +4254,7 @@
           <p:cNvPr id="2" name="Imagen 1">
             <a:extLst>
               <a:ext uri="{FF2B5EF4-FFF2-40B4-BE49-F238E27FC236}">
-                <a16:creationId xmlns:a16="http://schemas.microsoft.com/office/drawing/2014/main" xmlns="" id="{7C07E5ED-FD6E-4CFB-BDCC-B9B37F3F0E9F}"/>
+                <a16:creationId xmlns="" xmlns:a16="http://schemas.microsoft.com/office/drawing/2014/main" id="{7C07E5ED-FD6E-4CFB-BDCC-B9B37F3F0E9F}"/>
               </a:ext>
             </a:extLst>
           </p:cNvPr>
@@ -4283,7 +4283,7 @@
           <p:cNvPr id="3" name="Rectángulo 2">
             <a:extLst>
               <a:ext uri="{FF2B5EF4-FFF2-40B4-BE49-F238E27FC236}">
-                <a16:creationId xmlns:a16="http://schemas.microsoft.com/office/drawing/2014/main" xmlns="" id="{EAA81958-1C43-4780-A000-D8BFD20BAA9A}"/>
+                <a16:creationId xmlns="" xmlns:a16="http://schemas.microsoft.com/office/drawing/2014/main" id="{EAA81958-1C43-4780-A000-D8BFD20BAA9A}"/>
               </a:ext>
             </a:extLst>
           </p:cNvPr>
@@ -4400,7 +4400,7 @@
           <p:cNvPr id="4" name="Rectángulo 3">
             <a:extLst>
               <a:ext uri="{FF2B5EF4-FFF2-40B4-BE49-F238E27FC236}">
-                <a16:creationId xmlns:a16="http://schemas.microsoft.com/office/drawing/2014/main" xmlns="" id="{D4EAADBD-7E75-4985-8231-1CAEB16B0D34}"/>
+                <a16:creationId xmlns="" xmlns:a16="http://schemas.microsoft.com/office/drawing/2014/main" id="{D4EAADBD-7E75-4985-8231-1CAEB16B0D34}"/>
               </a:ext>
             </a:extLst>
           </p:cNvPr>
@@ -4594,7 +4594,7 @@
           <p:cNvPr id="4" name="Marcador de número de diapositiva 3">
             <a:extLst>
               <a:ext uri="{FF2B5EF4-FFF2-40B4-BE49-F238E27FC236}">
-                <a16:creationId xmlns:a16="http://schemas.microsoft.com/office/drawing/2014/main" xmlns="" id="{4C170D80-EB60-4BAA-90F3-B392B24C9FD2}"/>
+                <a16:creationId xmlns="" xmlns:a16="http://schemas.microsoft.com/office/drawing/2014/main" id="{4C170D80-EB60-4BAA-90F3-B392B24C9FD2}"/>
               </a:ext>
             </a:extLst>
           </p:cNvPr>
@@ -4608,7 +4608,7 @@
         <p:spPr>
           <a:extLst>
             <a:ext uri="{FAA26D3D-D897-4be2-8F04-BA451C77F1D7}">
-              <ma14:placeholderFlag xmlns="" xmlns:ma14="http://schemas.microsoft.com/office/mac/drawingml/2011/main" val="1"/>
+              <ma14:placeholderFlag xmlns:ma14="http://schemas.microsoft.com/office/mac/drawingml/2011/main" xmlns="" val="1"/>
             </a:ext>
           </a:extLst>
         </p:spPr>
@@ -4871,7 +4871,11 @@
             </a:r>
             <a:r>
               <a:rPr lang="es-ES" dirty="0" smtClean="0"/>
-              <a:t>como referencia </a:t>
+              <a:t>como </a:t>
+            </a:r>
+            <a:r>
+              <a:rPr lang="es-ES" dirty="0" smtClean="0"/>
+              <a:t>referencia.</a:t>
             </a:r>
             <a:endParaRPr lang="es-ES" dirty="0">
               <a:solidFill>
@@ -4952,7 +4956,7 @@
             </a:r>
             <a:r>
               <a:rPr lang="es-ES" sz="1600" dirty="0" smtClean="0"/>
-              <a:t>»</a:t>
+              <a:t>.»</a:t>
             </a:r>
             <a:endParaRPr lang="es-ES" sz="1600" dirty="0"/>
           </a:p>
@@ -5024,7 +5028,7 @@
           <p:cNvPr id="4" name="Marcador de número de diapositiva 3">
             <a:extLst>
               <a:ext uri="{FF2B5EF4-FFF2-40B4-BE49-F238E27FC236}">
-                <a16:creationId xmlns:a16="http://schemas.microsoft.com/office/drawing/2014/main" xmlns="" id="{4C170D80-EB60-4BAA-90F3-B392B24C9FD2}"/>
+                <a16:creationId xmlns="" xmlns:a16="http://schemas.microsoft.com/office/drawing/2014/main" id="{4C170D80-EB60-4BAA-90F3-B392B24C9FD2}"/>
               </a:ext>
             </a:extLst>
           </p:cNvPr>
@@ -5038,7 +5042,7 @@
         <p:spPr>
           <a:extLst>
             <a:ext uri="{FAA26D3D-D897-4be2-8F04-BA451C77F1D7}">
-              <ma14:placeholderFlag xmlns="" xmlns:ma14="http://schemas.microsoft.com/office/mac/drawingml/2011/main" val="1"/>
+              <ma14:placeholderFlag xmlns:ma14="http://schemas.microsoft.com/office/mac/drawingml/2011/main" xmlns="" val="1"/>
             </a:ext>
           </a:extLst>
         </p:spPr>
@@ -5289,7 +5293,11 @@
             </a:r>
             <a:r>
               <a:rPr lang="es-ES" sz="2400" dirty="0"/>
-              <a:t> no es lo suficientemente potente como para mover motores, por lo que necesita de drivers </a:t>
+              <a:t> no es lo suficientemente potente como para mover motores, por lo que necesita de </a:t>
+            </a:r>
+            <a:r>
+              <a:rPr lang="es-ES" sz="2400" dirty="0" smtClean="0"/>
+              <a:t>drivers.</a:t>
             </a:r>
             <a:endParaRPr lang="es-ES" sz="2400" dirty="0">
               <a:solidFill>
@@ -5454,7 +5462,7 @@
           <p:cNvPr id="4" name="Marcador de número de diapositiva 3">
             <a:extLst>
               <a:ext uri="{FF2B5EF4-FFF2-40B4-BE49-F238E27FC236}">
-                <a16:creationId xmlns:a16="http://schemas.microsoft.com/office/drawing/2014/main" xmlns="" id="{4C170D80-EB60-4BAA-90F3-B392B24C9FD2}"/>
+                <a16:creationId xmlns="" xmlns:a16="http://schemas.microsoft.com/office/drawing/2014/main" id="{4C170D80-EB60-4BAA-90F3-B392B24C9FD2}"/>
               </a:ext>
             </a:extLst>
           </p:cNvPr>
@@ -5468,7 +5476,7 @@
         <p:spPr>
           <a:extLst>
             <a:ext uri="{FAA26D3D-D897-4be2-8F04-BA451C77F1D7}">
-              <ma14:placeholderFlag xmlns="" xmlns:ma14="http://schemas.microsoft.com/office/mac/drawingml/2011/main" val="1"/>
+              <ma14:placeholderFlag xmlns:ma14="http://schemas.microsoft.com/office/mac/drawingml/2011/main" xmlns="" val="1"/>
             </a:ext>
           </a:extLst>
         </p:spPr>
@@ -5781,7 +5789,7 @@
           <p:cNvPr id="4" name="Marcador de número de diapositiva 3">
             <a:extLst>
               <a:ext uri="{FF2B5EF4-FFF2-40B4-BE49-F238E27FC236}">
-                <a16:creationId xmlns:a16="http://schemas.microsoft.com/office/drawing/2014/main" xmlns="" id="{BECB6303-ACC1-42AB-BBD3-41DE888250F6}"/>
+                <a16:creationId xmlns="" xmlns:a16="http://schemas.microsoft.com/office/drawing/2014/main" id="{BECB6303-ACC1-42AB-BBD3-41DE888250F6}"/>
               </a:ext>
             </a:extLst>
           </p:cNvPr>
@@ -5795,7 +5803,7 @@
         <p:spPr>
           <a:extLst>
             <a:ext uri="{FAA26D3D-D897-4be2-8F04-BA451C77F1D7}">
-              <ma14:placeholderFlag xmlns="" xmlns:ma14="http://schemas.microsoft.com/office/mac/drawingml/2011/main" val="1"/>
+              <ma14:placeholderFlag xmlns:ma14="http://schemas.microsoft.com/office/mac/drawingml/2011/main" xmlns="" val="1"/>
             </a:ext>
           </a:extLst>
         </p:spPr>
@@ -6200,7 +6208,7 @@
           <p:cNvPr id="4" name="Marcador de número de diapositiva 3">
             <a:extLst>
               <a:ext uri="{FF2B5EF4-FFF2-40B4-BE49-F238E27FC236}">
-                <a16:creationId xmlns:a16="http://schemas.microsoft.com/office/drawing/2014/main" xmlns="" id="{BECB6303-ACC1-42AB-BBD3-41DE888250F6}"/>
+                <a16:creationId xmlns="" xmlns:a16="http://schemas.microsoft.com/office/drawing/2014/main" id="{BECB6303-ACC1-42AB-BBD3-41DE888250F6}"/>
               </a:ext>
             </a:extLst>
           </p:cNvPr>
@@ -6214,7 +6222,7 @@
         <p:spPr>
           <a:extLst>
             <a:ext uri="{FAA26D3D-D897-4be2-8F04-BA451C77F1D7}">
-              <ma14:placeholderFlag xmlns="" xmlns:ma14="http://schemas.microsoft.com/office/mac/drawingml/2011/main" val="1"/>
+              <ma14:placeholderFlag xmlns:ma14="http://schemas.microsoft.com/office/mac/drawingml/2011/main" xmlns="" val="1"/>
             </a:ext>
           </a:extLst>
         </p:spPr>
@@ -6506,7 +6514,7 @@
           <p:cNvPr id="4" name="Marcador de número de diapositiva 3">
             <a:extLst>
               <a:ext uri="{FF2B5EF4-FFF2-40B4-BE49-F238E27FC236}">
-                <a16:creationId xmlns:a16="http://schemas.microsoft.com/office/drawing/2014/main" xmlns="" id="{BECB6303-ACC1-42AB-BBD3-41DE888250F6}"/>
+                <a16:creationId xmlns="" xmlns:a16="http://schemas.microsoft.com/office/drawing/2014/main" id="{BECB6303-ACC1-42AB-BBD3-41DE888250F6}"/>
               </a:ext>
             </a:extLst>
           </p:cNvPr>
@@ -6520,7 +6528,7 @@
         <p:spPr>
           <a:extLst>
             <a:ext uri="{FAA26D3D-D897-4be2-8F04-BA451C77F1D7}">
-              <ma14:placeholderFlag xmlns="" xmlns:ma14="http://schemas.microsoft.com/office/mac/drawingml/2011/main" val="1"/>
+              <ma14:placeholderFlag xmlns:ma14="http://schemas.microsoft.com/office/mac/drawingml/2011/main" xmlns="" val="1"/>
             </a:ext>
           </a:extLst>
         </p:spPr>
@@ -6818,7 +6826,7 @@
           <p:cNvPr id="4" name="Marcador de número de diapositiva 3">
             <a:extLst>
               <a:ext uri="{FF2B5EF4-FFF2-40B4-BE49-F238E27FC236}">
-                <a16:creationId xmlns:a16="http://schemas.microsoft.com/office/drawing/2014/main" xmlns="" id="{BECB6303-ACC1-42AB-BBD3-41DE888250F6}"/>
+                <a16:creationId xmlns="" xmlns:a16="http://schemas.microsoft.com/office/drawing/2014/main" id="{BECB6303-ACC1-42AB-BBD3-41DE888250F6}"/>
               </a:ext>
             </a:extLst>
           </p:cNvPr>
@@ -6832,7 +6840,7 @@
         <p:spPr>
           <a:extLst>
             <a:ext uri="{FAA26D3D-D897-4be2-8F04-BA451C77F1D7}">
-              <ma14:placeholderFlag xmlns="" xmlns:ma14="http://schemas.microsoft.com/office/mac/drawingml/2011/main" val="1"/>
+              <ma14:placeholderFlag xmlns:ma14="http://schemas.microsoft.com/office/mac/drawingml/2011/main" xmlns="" val="1"/>
             </a:ext>
           </a:extLst>
         </p:spPr>
@@ -7067,7 +7075,11 @@
             </a:r>
             <a:r>
               <a:rPr lang="es-ES" dirty="0" smtClean="0"/>
-              <a:t>dígito, si no una contraseña</a:t>
+              <a:t>dígito, si no una </a:t>
+            </a:r>
+            <a:r>
+              <a:rPr lang="es-ES" dirty="0" smtClean="0"/>
+              <a:t>contraseña.</a:t>
             </a:r>
             <a:endParaRPr lang="es-ES" dirty="0"/>
           </a:p>
@@ -7181,7 +7193,7 @@
           <p:cNvPr id="4" name="Marcador de número de diapositiva 3">
             <a:extLst>
               <a:ext uri="{FF2B5EF4-FFF2-40B4-BE49-F238E27FC236}">
-                <a16:creationId xmlns:a16="http://schemas.microsoft.com/office/drawing/2014/main" xmlns="" id="{BECB6303-ACC1-42AB-BBD3-41DE888250F6}"/>
+                <a16:creationId xmlns="" xmlns:a16="http://schemas.microsoft.com/office/drawing/2014/main" id="{BECB6303-ACC1-42AB-BBD3-41DE888250F6}"/>
               </a:ext>
             </a:extLst>
           </p:cNvPr>
@@ -7195,7 +7207,7 @@
         <p:spPr>
           <a:extLst>
             <a:ext uri="{FAA26D3D-D897-4be2-8F04-BA451C77F1D7}">
-              <ma14:placeholderFlag xmlns="" xmlns:ma14="http://schemas.microsoft.com/office/mac/drawingml/2011/main" val="1"/>
+              <ma14:placeholderFlag xmlns:ma14="http://schemas.microsoft.com/office/mac/drawingml/2011/main" xmlns="" val="1"/>
             </a:ext>
           </a:extLst>
         </p:spPr>
@@ -7369,12 +7381,12 @@
           <a:p>
             <a:pPr algn="ctr"/>
             <a:r>
-              <a:rPr lang="es-ES" sz="4000" b="1" u="sng" dirty="0" smtClean="0">
+              <a:rPr lang="es-ES" sz="4000" b="1" u="sng" smtClean="0">
                 <a:solidFill>
                   <a:srgbClr val="000000"/>
                 </a:solidFill>
               </a:rPr>
-              <a:t>FUNCIONAMIENTO.</a:t>
+              <a:t>FUNCIONAMIENTO</a:t>
             </a:r>
             <a:endParaRPr lang="es-ES" sz="4000" u="sng" dirty="0">
               <a:solidFill>
@@ -7450,7 +7462,7 @@
           <p:cNvPr id="4" name="Marcador de número de diapositiva 3">
             <a:extLst>
               <a:ext uri="{FF2B5EF4-FFF2-40B4-BE49-F238E27FC236}">
-                <a16:creationId xmlns:a16="http://schemas.microsoft.com/office/drawing/2014/main" xmlns="" id="{9A72C3AC-9873-45F9-A662-00BB10AC4A40}"/>
+                <a16:creationId xmlns="" xmlns:a16="http://schemas.microsoft.com/office/drawing/2014/main" id="{9A72C3AC-9873-45F9-A662-00BB10AC4A40}"/>
               </a:ext>
             </a:extLst>
           </p:cNvPr>
@@ -7464,7 +7476,7 @@
         <p:spPr>
           <a:extLst>
             <a:ext uri="{FAA26D3D-D897-4be2-8F04-BA451C77F1D7}">
-              <ma14:placeholderFlag xmlns="" xmlns:ma14="http://schemas.microsoft.com/office/mac/drawingml/2011/main" val="1"/>
+              <ma14:placeholderFlag xmlns:ma14="http://schemas.microsoft.com/office/mac/drawingml/2011/main" xmlns="" val="1"/>
             </a:ext>
           </a:extLst>
         </p:spPr>
@@ -7675,7 +7687,7 @@
           <p:cNvPr id="4" name="Marcador de número de diapositiva 3">
             <a:extLst>
               <a:ext uri="{FF2B5EF4-FFF2-40B4-BE49-F238E27FC236}">
-                <a16:creationId xmlns:a16="http://schemas.microsoft.com/office/drawing/2014/main" xmlns="" id="{BED5CE98-0519-42AB-96B4-096EF7635CDD}"/>
+                <a16:creationId xmlns="" xmlns:a16="http://schemas.microsoft.com/office/drawing/2014/main" id="{BED5CE98-0519-42AB-96B4-096EF7635CDD}"/>
               </a:ext>
             </a:extLst>
           </p:cNvPr>
@@ -7689,7 +7701,7 @@
         <p:spPr>
           <a:extLst>
             <a:ext uri="{FAA26D3D-D897-4be2-8F04-BA451C77F1D7}">
-              <ma14:placeholderFlag xmlns="" xmlns:ma14="http://schemas.microsoft.com/office/mac/drawingml/2011/main" val="1"/>
+              <ma14:placeholderFlag xmlns:ma14="http://schemas.microsoft.com/office/mac/drawingml/2011/main" xmlns="" val="1"/>
             </a:ext>
           </a:extLst>
         </p:spPr>
@@ -7844,7 +7856,7 @@
           <p:cNvPr id="3" name="Elipse 2">
             <a:extLst>
               <a:ext uri="{FF2B5EF4-FFF2-40B4-BE49-F238E27FC236}">
-                <a16:creationId xmlns:a16="http://schemas.microsoft.com/office/drawing/2014/main" xmlns="" id="{41EF50AD-EE1B-4794-B621-85AA11F2B2CE}"/>
+                <a16:creationId xmlns="" xmlns:a16="http://schemas.microsoft.com/office/drawing/2014/main" id="{41EF50AD-EE1B-4794-B621-85AA11F2B2CE}"/>
               </a:ext>
             </a:extLst>
           </p:cNvPr>
@@ -7933,7 +7945,7 @@
           <p:cNvPr id="5" name="Elipse 4">
             <a:extLst>
               <a:ext uri="{FF2B5EF4-FFF2-40B4-BE49-F238E27FC236}">
-                <a16:creationId xmlns:a16="http://schemas.microsoft.com/office/drawing/2014/main" xmlns="" id="{7561A3BE-3D57-433D-B8A9-6F16067B9AC8}"/>
+                <a16:creationId xmlns="" xmlns:a16="http://schemas.microsoft.com/office/drawing/2014/main" id="{7561A3BE-3D57-433D-B8A9-6F16067B9AC8}"/>
               </a:ext>
             </a:extLst>
           </p:cNvPr>
@@ -8042,7 +8054,7 @@
           <p:cNvPr id="6" name="Elipse 5">
             <a:extLst>
               <a:ext uri="{FF2B5EF4-FFF2-40B4-BE49-F238E27FC236}">
-                <a16:creationId xmlns:a16="http://schemas.microsoft.com/office/drawing/2014/main" xmlns="" id="{F1B80AB0-15D8-4564-9C68-D8B7627CF822}"/>
+                <a16:creationId xmlns="" xmlns:a16="http://schemas.microsoft.com/office/drawing/2014/main" id="{F1B80AB0-15D8-4564-9C68-D8B7627CF822}"/>
               </a:ext>
             </a:extLst>
           </p:cNvPr>
@@ -8131,7 +8143,7 @@
           <p:cNvPr id="7" name="Elipse 6">
             <a:extLst>
               <a:ext uri="{FF2B5EF4-FFF2-40B4-BE49-F238E27FC236}">
-                <a16:creationId xmlns:a16="http://schemas.microsoft.com/office/drawing/2014/main" xmlns="" id="{CF8D3F47-1AB8-4228-B44F-FFBF582C6D81}"/>
+                <a16:creationId xmlns="" xmlns:a16="http://schemas.microsoft.com/office/drawing/2014/main" id="{CF8D3F47-1AB8-4228-B44F-FFBF582C6D81}"/>
               </a:ext>
             </a:extLst>
           </p:cNvPr>
@@ -8216,7 +8228,7 @@
           <p:cNvPr id="8" name="Elipse 7">
             <a:extLst>
               <a:ext uri="{FF2B5EF4-FFF2-40B4-BE49-F238E27FC236}">
-                <a16:creationId xmlns:a16="http://schemas.microsoft.com/office/drawing/2014/main" xmlns="" id="{6A8C3EF0-C061-4B2D-8B5C-79BBF49F0B4C}"/>
+                <a16:creationId xmlns="" xmlns:a16="http://schemas.microsoft.com/office/drawing/2014/main" id="{6A8C3EF0-C061-4B2D-8B5C-79BBF49F0B4C}"/>
               </a:ext>
             </a:extLst>
           </p:cNvPr>
@@ -8305,7 +8317,7 @@
           <p:cNvPr id="9" name="Elipse 8">
             <a:extLst>
               <a:ext uri="{FF2B5EF4-FFF2-40B4-BE49-F238E27FC236}">
-                <a16:creationId xmlns:a16="http://schemas.microsoft.com/office/drawing/2014/main" xmlns="" id="{0CF7E964-8509-47B1-9586-894AF2E23509}"/>
+                <a16:creationId xmlns="" xmlns:a16="http://schemas.microsoft.com/office/drawing/2014/main" id="{0CF7E964-8509-47B1-9586-894AF2E23509}"/>
               </a:ext>
             </a:extLst>
           </p:cNvPr>
@@ -8445,7 +8457,7 @@
           <p:cNvPr id="4" name="Marcador de número de diapositiva 3">
             <a:extLst>
               <a:ext uri="{FF2B5EF4-FFF2-40B4-BE49-F238E27FC236}">
-                <a16:creationId xmlns:a16="http://schemas.microsoft.com/office/drawing/2014/main" xmlns="" id="{BECB6303-ACC1-42AB-BBD3-41DE888250F6}"/>
+                <a16:creationId xmlns="" xmlns:a16="http://schemas.microsoft.com/office/drawing/2014/main" id="{BECB6303-ACC1-42AB-BBD3-41DE888250F6}"/>
               </a:ext>
             </a:extLst>
           </p:cNvPr>
@@ -8459,7 +8471,7 @@
         <p:spPr>
           <a:extLst>
             <a:ext uri="{FAA26D3D-D897-4be2-8F04-BA451C77F1D7}">
-              <ma14:placeholderFlag xmlns="" xmlns:ma14="http://schemas.microsoft.com/office/mac/drawingml/2011/main" val="1"/>
+              <ma14:placeholderFlag xmlns:ma14="http://schemas.microsoft.com/office/mac/drawingml/2011/main" xmlns="" val="1"/>
             </a:ext>
           </a:extLst>
         </p:spPr>
@@ -8756,7 +8768,11 @@
             </a:r>
             <a:r>
               <a:rPr lang="es-ES" sz="2000" dirty="0" smtClean="0"/>
-              <a:t>Almacena información de los actuadores en un fichero</a:t>
+              <a:t>Almacena información de los actuadores en un </a:t>
+            </a:r>
+            <a:r>
+              <a:rPr lang="es-ES" sz="2000" dirty="0" smtClean="0"/>
+              <a:t>fichero.</a:t>
             </a:r>
             <a:endParaRPr lang="es-ES" sz="2000" dirty="0"/>
           </a:p>
@@ -8832,7 +8848,7 @@
           <p:cNvPr id="4" name="Marcador de número de diapositiva 3">
             <a:extLst>
               <a:ext uri="{FF2B5EF4-FFF2-40B4-BE49-F238E27FC236}">
-                <a16:creationId xmlns:a16="http://schemas.microsoft.com/office/drawing/2014/main" xmlns="" id="{4C170D80-EB60-4BAA-90F3-B392B24C9FD2}"/>
+                <a16:creationId xmlns="" xmlns:a16="http://schemas.microsoft.com/office/drawing/2014/main" id="{4C170D80-EB60-4BAA-90F3-B392B24C9FD2}"/>
               </a:ext>
             </a:extLst>
           </p:cNvPr>
@@ -8846,7 +8862,7 @@
         <p:spPr>
           <a:extLst>
             <a:ext uri="{FAA26D3D-D897-4be2-8F04-BA451C77F1D7}">
-              <ma14:placeholderFlag xmlns="" xmlns:ma14="http://schemas.microsoft.com/office/mac/drawingml/2011/main" val="1"/>
+              <ma14:placeholderFlag xmlns:ma14="http://schemas.microsoft.com/office/mac/drawingml/2011/main" xmlns="" val="1"/>
             </a:ext>
           </a:extLst>
         </p:spPr>
@@ -9055,7 +9071,11 @@
             </a:pPr>
             <a:r>
               <a:rPr lang="es-ES" dirty="0"/>
-              <a:t>Detección de movimiento. PIR HC-SR501</a:t>
+              <a:t>Detección de movimiento. PIR </a:t>
+            </a:r>
+            <a:r>
+              <a:rPr lang="es-ES" dirty="0" smtClean="0"/>
+              <a:t>HC-SR501.</a:t>
             </a:r>
             <a:endParaRPr lang="es-ES" sz="2000" dirty="0"/>
           </a:p>
@@ -9092,7 +9112,11 @@
             </a:pPr>
             <a:r>
               <a:rPr lang="es-ES" dirty="0"/>
-              <a:t>Receptor de cantidad de luz. LDR</a:t>
+              <a:t>Receptor de cantidad de luz. </a:t>
+            </a:r>
+            <a:r>
+              <a:rPr lang="es-ES" dirty="0" smtClean="0"/>
+              <a:t>LDR.</a:t>
             </a:r>
             <a:endParaRPr lang="es-ES" sz="2000" dirty="0"/>
           </a:p>
@@ -9103,7 +9127,11 @@
             </a:pPr>
             <a:r>
               <a:rPr lang="es-ES" dirty="0"/>
-              <a:t>Iluminación de la habitación. LED</a:t>
+              <a:t>Iluminación de la habitación. </a:t>
+            </a:r>
+            <a:r>
+              <a:rPr lang="es-ES" dirty="0" smtClean="0"/>
+              <a:t>LED.</a:t>
             </a:r>
             <a:endParaRPr lang="es-ES" sz="2000" dirty="0"/>
           </a:p>
@@ -9160,7 +9188,11 @@
             </a:r>
             <a:r>
               <a:rPr lang="es-ES" dirty="0"/>
-              <a:t> y Ordenador</a:t>
+              <a:t> y </a:t>
+            </a:r>
+            <a:r>
+              <a:rPr lang="es-ES" dirty="0" smtClean="0"/>
+              <a:t>Ordenador.</a:t>
             </a:r>
             <a:endParaRPr lang="es-ES" sz="2000" dirty="0"/>
           </a:p>
@@ -9230,7 +9262,7 @@
           <p:cNvPr id="4" name="Marcador de número de diapositiva 3">
             <a:extLst>
               <a:ext uri="{FF2B5EF4-FFF2-40B4-BE49-F238E27FC236}">
-                <a16:creationId xmlns:a16="http://schemas.microsoft.com/office/drawing/2014/main" xmlns="" id="{4C170D80-EB60-4BAA-90F3-B392B24C9FD2}"/>
+                <a16:creationId xmlns="" xmlns:a16="http://schemas.microsoft.com/office/drawing/2014/main" id="{4C170D80-EB60-4BAA-90F3-B392B24C9FD2}"/>
               </a:ext>
             </a:extLst>
           </p:cNvPr>
@@ -9244,7 +9276,7 @@
         <p:spPr>
           <a:extLst>
             <a:ext uri="{FAA26D3D-D897-4be2-8F04-BA451C77F1D7}">
-              <ma14:placeholderFlag xmlns="" xmlns:ma14="http://schemas.microsoft.com/office/mac/drawingml/2011/main" val="1"/>
+              <ma14:placeholderFlag xmlns:ma14="http://schemas.microsoft.com/office/mac/drawingml/2011/main" xmlns="" val="1"/>
             </a:ext>
           </a:extLst>
         </p:spPr>
@@ -9423,7 +9455,7 @@
             </a:r>
             <a:r>
               <a:rPr lang="es-ES" b="1" dirty="0" smtClean="0"/>
-              <a:t>HC-SR501</a:t>
+              <a:t>HC-SR501.</a:t>
             </a:r>
             <a:endParaRPr lang="es-ES" sz="2000" dirty="0"/>
           </a:p>
@@ -9473,7 +9505,11 @@
             </a:r>
             <a:r>
               <a:rPr lang="es-ES" dirty="0" smtClean="0"/>
-              <a:t> genera una señal digital que indica presencia</a:t>
+              <a:t> genera una señal digital que indica </a:t>
+            </a:r>
+            <a:r>
+              <a:rPr lang="es-ES" dirty="0" smtClean="0"/>
+              <a:t>presencia.</a:t>
             </a:r>
             <a:endParaRPr lang="es-ES" dirty="0"/>
           </a:p>
@@ -9584,7 +9620,7 @@
           <p:cNvPr id="4" name="Marcador de número de diapositiva 3">
             <a:extLst>
               <a:ext uri="{FF2B5EF4-FFF2-40B4-BE49-F238E27FC236}">
-                <a16:creationId xmlns:a16="http://schemas.microsoft.com/office/drawing/2014/main" xmlns="" id="{4C170D80-EB60-4BAA-90F3-B392B24C9FD2}"/>
+                <a16:creationId xmlns="" xmlns:a16="http://schemas.microsoft.com/office/drawing/2014/main" id="{4C170D80-EB60-4BAA-90F3-B392B24C9FD2}"/>
               </a:ext>
             </a:extLst>
           </p:cNvPr>
@@ -9598,7 +9634,7 @@
         <p:spPr>
           <a:extLst>
             <a:ext uri="{FAA26D3D-D897-4be2-8F04-BA451C77F1D7}">
-              <ma14:placeholderFlag xmlns="" xmlns:ma14="http://schemas.microsoft.com/office/mac/drawingml/2011/main" val="1"/>
+              <ma14:placeholderFlag xmlns:ma14="http://schemas.microsoft.com/office/mac/drawingml/2011/main" xmlns="" val="1"/>
             </a:ext>
           </a:extLst>
         </p:spPr>
@@ -9965,7 +10001,7 @@
           <p:cNvPr id="4" name="Marcador de número de diapositiva 3">
             <a:extLst>
               <a:ext uri="{FF2B5EF4-FFF2-40B4-BE49-F238E27FC236}">
-                <a16:creationId xmlns:a16="http://schemas.microsoft.com/office/drawing/2014/main" xmlns="" id="{4C170D80-EB60-4BAA-90F3-B392B24C9FD2}"/>
+                <a16:creationId xmlns="" xmlns:a16="http://schemas.microsoft.com/office/drawing/2014/main" id="{4C170D80-EB60-4BAA-90F3-B392B24C9FD2}"/>
               </a:ext>
             </a:extLst>
           </p:cNvPr>
@@ -9979,7 +10015,7 @@
         <p:spPr>
           <a:extLst>
             <a:ext uri="{FAA26D3D-D897-4be2-8F04-BA451C77F1D7}">
-              <ma14:placeholderFlag xmlns="" xmlns:ma14="http://schemas.microsoft.com/office/mac/drawingml/2011/main" val="1"/>
+              <ma14:placeholderFlag xmlns:ma14="http://schemas.microsoft.com/office/mac/drawingml/2011/main" xmlns="" val="1"/>
             </a:ext>
           </a:extLst>
         </p:spPr>
@@ -10295,7 +10331,7 @@
           <p:cNvPr id="4" name="Marcador de número de diapositiva 3">
             <a:extLst>
               <a:ext uri="{FF2B5EF4-FFF2-40B4-BE49-F238E27FC236}">
-                <a16:creationId xmlns:a16="http://schemas.microsoft.com/office/drawing/2014/main" xmlns="" id="{4C170D80-EB60-4BAA-90F3-B392B24C9FD2}"/>
+                <a16:creationId xmlns="" xmlns:a16="http://schemas.microsoft.com/office/drawing/2014/main" id="{4C170D80-EB60-4BAA-90F3-B392B24C9FD2}"/>
               </a:ext>
             </a:extLst>
           </p:cNvPr>
@@ -10309,7 +10345,7 @@
         <p:spPr>
           <a:extLst>
             <a:ext uri="{FAA26D3D-D897-4be2-8F04-BA451C77F1D7}">
-              <ma14:placeholderFlag xmlns="" xmlns:ma14="http://schemas.microsoft.com/office/mac/drawingml/2011/main" val="1"/>
+              <ma14:placeholderFlag xmlns:ma14="http://schemas.microsoft.com/office/mac/drawingml/2011/main" xmlns="" val="1"/>
             </a:ext>
           </a:extLst>
         </p:spPr>
@@ -10484,7 +10520,11 @@
             <a:pPr marL="0" lvl="1" algn="ctr"/>
             <a:r>
               <a:rPr lang="es-ES" b="1" dirty="0"/>
-              <a:t>Receptor de cantidad de luz. LDR</a:t>
+              <a:t>Receptor de cantidad de luz. </a:t>
+            </a:r>
+            <a:r>
+              <a:rPr lang="es-ES" b="1" dirty="0" smtClean="0"/>
+              <a:t>LDR.</a:t>
             </a:r>
             <a:endParaRPr lang="es-ES" b="1" dirty="0">
               <a:solidFill>
@@ -10656,7 +10696,7 @@
           <p:cNvPr id="4" name="Marcador de número de diapositiva 3">
             <a:extLst>
               <a:ext uri="{FF2B5EF4-FFF2-40B4-BE49-F238E27FC236}">
-                <a16:creationId xmlns:a16="http://schemas.microsoft.com/office/drawing/2014/main" xmlns="" id="{4C170D80-EB60-4BAA-90F3-B392B24C9FD2}"/>
+                <a16:creationId xmlns="" xmlns:a16="http://schemas.microsoft.com/office/drawing/2014/main" id="{4C170D80-EB60-4BAA-90F3-B392B24C9FD2}"/>
               </a:ext>
             </a:extLst>
           </p:cNvPr>
@@ -10670,7 +10710,7 @@
         <p:spPr>
           <a:extLst>
             <a:ext uri="{FAA26D3D-D897-4be2-8F04-BA451C77F1D7}">
-              <ma14:placeholderFlag xmlns="" xmlns:ma14="http://schemas.microsoft.com/office/mac/drawingml/2011/main" val="1"/>
+              <ma14:placeholderFlag xmlns:ma14="http://schemas.microsoft.com/office/mac/drawingml/2011/main" xmlns="" val="1"/>
             </a:ext>
           </a:extLst>
         </p:spPr>
